--- a/teaching/expdes/old/lectures/week4.pptx
+++ b/teaching/expdes/old/lectures/week4.pptx
@@ -5,55 +5,36 @@
     <p:sldMasterId id="2147483648" r:id="rId1"/>
   </p:sldMasterIdLst>
   <p:notesMasterIdLst>
-    <p:notesMasterId r:id="rId48"/>
+    <p:notesMasterId r:id="rId29"/>
   </p:notesMasterIdLst>
   <p:sldIdLst>
     <p:sldId id="256" r:id="rId2"/>
     <p:sldId id="258" r:id="rId3"/>
     <p:sldId id="259" r:id="rId4"/>
-    <p:sldId id="287" r:id="rId5"/>
-    <p:sldId id="288" r:id="rId6"/>
-    <p:sldId id="289" r:id="rId7"/>
-    <p:sldId id="290" r:id="rId8"/>
-    <p:sldId id="291" r:id="rId9"/>
-    <p:sldId id="292" r:id="rId10"/>
-    <p:sldId id="293" r:id="rId11"/>
-    <p:sldId id="294" r:id="rId12"/>
-    <p:sldId id="295" r:id="rId13"/>
-    <p:sldId id="296" r:id="rId14"/>
-    <p:sldId id="297" r:id="rId15"/>
-    <p:sldId id="298" r:id="rId16"/>
-    <p:sldId id="299" r:id="rId17"/>
-    <p:sldId id="300" r:id="rId18"/>
-    <p:sldId id="301" r:id="rId19"/>
-    <p:sldId id="302" r:id="rId20"/>
-    <p:sldId id="323" r:id="rId21"/>
-    <p:sldId id="328" r:id="rId22"/>
-    <p:sldId id="324" r:id="rId23"/>
-    <p:sldId id="278" r:id="rId24"/>
-    <p:sldId id="329" r:id="rId25"/>
-    <p:sldId id="330" r:id="rId26"/>
-    <p:sldId id="304" r:id="rId27"/>
-    <p:sldId id="305" r:id="rId28"/>
-    <p:sldId id="306" r:id="rId29"/>
-    <p:sldId id="307" r:id="rId30"/>
-    <p:sldId id="312" r:id="rId31"/>
-    <p:sldId id="313" r:id="rId32"/>
-    <p:sldId id="314" r:id="rId33"/>
-    <p:sldId id="315" r:id="rId34"/>
-    <p:sldId id="316" r:id="rId35"/>
-    <p:sldId id="317" r:id="rId36"/>
-    <p:sldId id="331" r:id="rId37"/>
-    <p:sldId id="318" r:id="rId38"/>
-    <p:sldId id="319" r:id="rId39"/>
-    <p:sldId id="320" r:id="rId40"/>
-    <p:sldId id="321" r:id="rId41"/>
-    <p:sldId id="308" r:id="rId42"/>
-    <p:sldId id="309" r:id="rId43"/>
-    <p:sldId id="322" r:id="rId44"/>
-    <p:sldId id="332" r:id="rId45"/>
-    <p:sldId id="327" r:id="rId46"/>
-    <p:sldId id="277" r:id="rId47"/>
+    <p:sldId id="302" r:id="rId5"/>
+    <p:sldId id="328" r:id="rId6"/>
+    <p:sldId id="324" r:id="rId7"/>
+    <p:sldId id="304" r:id="rId8"/>
+    <p:sldId id="305" r:id="rId9"/>
+    <p:sldId id="306" r:id="rId10"/>
+    <p:sldId id="307" r:id="rId11"/>
+    <p:sldId id="312" r:id="rId12"/>
+    <p:sldId id="313" r:id="rId13"/>
+    <p:sldId id="314" r:id="rId14"/>
+    <p:sldId id="315" r:id="rId15"/>
+    <p:sldId id="316" r:id="rId16"/>
+    <p:sldId id="317" r:id="rId17"/>
+    <p:sldId id="331" r:id="rId18"/>
+    <p:sldId id="318" r:id="rId19"/>
+    <p:sldId id="319" r:id="rId20"/>
+    <p:sldId id="320" r:id="rId21"/>
+    <p:sldId id="321" r:id="rId22"/>
+    <p:sldId id="308" r:id="rId23"/>
+    <p:sldId id="309" r:id="rId24"/>
+    <p:sldId id="322" r:id="rId25"/>
+    <p:sldId id="332" r:id="rId26"/>
+    <p:sldId id="327" r:id="rId27"/>
+    <p:sldId id="277" r:id="rId28"/>
   </p:sldIdLst>
   <p:sldSz cx="12192000" cy="6858000"/>
   <p:notesSz cx="6858000" cy="9144000"/>
@@ -242,7 +223,7 @@
           <a:p>
             <a:fld id="{29D44EF5-F762-0549-B994-8B993D3419F2}" type="datetimeFigureOut">
               <a:rPr lang="en-US" smtClean="0"/>
-              <a:t>2/7/21</a:t>
+              <a:t>8/29/22</a:t>
             </a:fld>
             <a:endParaRPr lang="en-US"/>
           </a:p>
@@ -574,7 +555,7 @@
           <a:p>
             <a:fld id="{01D77B6C-192B-4A44-91F9-A9BE91FCC077}" type="slidenum">
               <a:rPr lang="en-US" smtClean="0"/>
-              <a:t>37</a:t>
+              <a:t>18</a:t>
             </a:fld>
             <a:endParaRPr lang="en-US"/>
           </a:p>
@@ -722,7 +703,7 @@
           <a:p>
             <a:fld id="{2B908699-CE29-634D-83B5-1061B2BD35A6}" type="datetimeFigureOut">
               <a:rPr lang="en-US" smtClean="0"/>
-              <a:t>2/7/21</a:t>
+              <a:t>8/29/22</a:t>
             </a:fld>
             <a:endParaRPr lang="en-US"/>
           </a:p>
@@ -890,7 +871,7 @@
           <a:p>
             <a:fld id="{2B908699-CE29-634D-83B5-1061B2BD35A6}" type="datetimeFigureOut">
               <a:rPr lang="en-US" smtClean="0"/>
-              <a:t>2/7/21</a:t>
+              <a:t>8/29/22</a:t>
             </a:fld>
             <a:endParaRPr lang="en-US"/>
           </a:p>
@@ -1068,7 +1049,7 @@
           <a:p>
             <a:fld id="{2B908699-CE29-634D-83B5-1061B2BD35A6}" type="datetimeFigureOut">
               <a:rPr lang="en-US" smtClean="0"/>
-              <a:t>2/7/21</a:t>
+              <a:t>8/29/22</a:t>
             </a:fld>
             <a:endParaRPr lang="en-US"/>
           </a:p>
@@ -1236,7 +1217,7 @@
           <a:p>
             <a:fld id="{2B908699-CE29-634D-83B5-1061B2BD35A6}" type="datetimeFigureOut">
               <a:rPr lang="en-US" smtClean="0"/>
-              <a:t>2/7/21</a:t>
+              <a:t>8/29/22</a:t>
             </a:fld>
             <a:endParaRPr lang="en-US"/>
           </a:p>
@@ -1481,7 +1462,7 @@
           <a:p>
             <a:fld id="{2B908699-CE29-634D-83B5-1061B2BD35A6}" type="datetimeFigureOut">
               <a:rPr lang="en-US" smtClean="0"/>
-              <a:t>2/7/21</a:t>
+              <a:t>8/29/22</a:t>
             </a:fld>
             <a:endParaRPr lang="en-US"/>
           </a:p>
@@ -1710,7 +1691,7 @@
           <a:p>
             <a:fld id="{2B908699-CE29-634D-83B5-1061B2BD35A6}" type="datetimeFigureOut">
               <a:rPr lang="en-US" smtClean="0"/>
-              <a:t>2/7/21</a:t>
+              <a:t>8/29/22</a:t>
             </a:fld>
             <a:endParaRPr lang="en-US"/>
           </a:p>
@@ -2074,7 +2055,7 @@
           <a:p>
             <a:fld id="{2B908699-CE29-634D-83B5-1061B2BD35A6}" type="datetimeFigureOut">
               <a:rPr lang="en-US" smtClean="0"/>
-              <a:t>2/7/21</a:t>
+              <a:t>8/29/22</a:t>
             </a:fld>
             <a:endParaRPr lang="en-US"/>
           </a:p>
@@ -2191,7 +2172,7 @@
           <a:p>
             <a:fld id="{2B908699-CE29-634D-83B5-1061B2BD35A6}" type="datetimeFigureOut">
               <a:rPr lang="en-US" smtClean="0"/>
-              <a:t>2/7/21</a:t>
+              <a:t>8/29/22</a:t>
             </a:fld>
             <a:endParaRPr lang="en-US"/>
           </a:p>
@@ -2286,7 +2267,7 @@
           <a:p>
             <a:fld id="{2B908699-CE29-634D-83B5-1061B2BD35A6}" type="datetimeFigureOut">
               <a:rPr lang="en-US" smtClean="0"/>
-              <a:t>2/7/21</a:t>
+              <a:t>8/29/22</a:t>
             </a:fld>
             <a:endParaRPr lang="en-US"/>
           </a:p>
@@ -2561,7 +2542,7 @@
           <a:p>
             <a:fld id="{2B908699-CE29-634D-83B5-1061B2BD35A6}" type="datetimeFigureOut">
               <a:rPr lang="en-US" smtClean="0"/>
-              <a:t>2/7/21</a:t>
+              <a:t>8/29/22</a:t>
             </a:fld>
             <a:endParaRPr lang="en-US"/>
           </a:p>
@@ -2813,7 +2794,7 @@
           <a:p>
             <a:fld id="{2B908699-CE29-634D-83B5-1061B2BD35A6}" type="datetimeFigureOut">
               <a:rPr lang="en-US" smtClean="0"/>
-              <a:t>2/7/21</a:t>
+              <a:t>8/29/22</a:t>
             </a:fld>
             <a:endParaRPr lang="en-US"/>
           </a:p>
@@ -3027,7 +3008,7 @@
           <a:p>
             <a:fld id="{2B908699-CE29-634D-83B5-1061B2BD35A6}" type="datetimeFigureOut">
               <a:rPr lang="en-US" smtClean="0"/>
-              <a:t>2/7/21</a:t>
+              <a:t>8/29/22</a:t>
             </a:fld>
             <a:endParaRPr lang="en-US"/>
           </a:p>
@@ -3591,5204 +3572,6 @@
           <a:p>
             <a:pPr algn="ctr"/>
             <a:r>
-              <a:rPr lang="en-US" b="1" dirty="0" err="1">
-                <a:solidFill>
-                  <a:schemeClr val="bg1"/>
-                </a:solidFill>
-              </a:rPr>
-              <a:t>Pseudoreplication</a:t>
-            </a:r>
-            <a:r>
-              <a:rPr lang="en-US" b="1" dirty="0">
-                <a:solidFill>
-                  <a:schemeClr val="bg1"/>
-                </a:solidFill>
-              </a:rPr>
-              <a:t> </a:t>
-            </a:r>
-          </a:p>
-        </p:txBody>
-      </p:sp>
-      <p:sp>
-        <p:nvSpPr>
-          <p:cNvPr id="4" name="Rectangle 3"/>
-          <p:cNvSpPr/>
-          <p:nvPr/>
-        </p:nvSpPr>
-        <p:spPr>
-          <a:xfrm>
-            <a:off x="237995" y="1161821"/>
-            <a:ext cx="11786991" cy="4216539"/>
-          </a:xfrm>
-          <a:prstGeom prst="rect">
-            <a:avLst/>
-          </a:prstGeom>
-        </p:spPr>
-        <p:txBody>
-          <a:bodyPr wrap="square">
-            <a:spAutoFit/>
-          </a:bodyPr>
-          <a:lstStyle/>
-          <a:p>
-            <a:r>
-              <a:rPr lang="en-US" sz="3200" dirty="0"/>
-              <a:t>Occurs when the apparent sample size is larger than true sample size </a:t>
-            </a:r>
-          </a:p>
-          <a:p>
-            <a:endParaRPr lang="en-US" sz="2000" dirty="0"/>
-          </a:p>
-          <a:p>
-            <a:pPr marL="457200" indent="-457200">
-              <a:buFont typeface="+mj-lt"/>
-              <a:buAutoNum type="arabicPeriod"/>
-            </a:pPr>
-            <a:r>
-              <a:rPr lang="en-US" sz="2400" dirty="0"/>
-              <a:t>10 rats are studied and tested on three consecutive days, resulting in 15 observations for the control group and 15 observations for the treatment groups</a:t>
-            </a:r>
-          </a:p>
-          <a:p>
-            <a:pPr marL="457200" indent="-457200">
-              <a:buFont typeface="+mj-lt"/>
-              <a:buAutoNum type="arabicPeriod"/>
-            </a:pPr>
-            <a:r>
-              <a:rPr lang="en-US" sz="2400" dirty="0"/>
-              <a:t>The experiment is conducted in two tanks: tank 1 has hormone added, tank 2 is the control tank. 10 fish are tested per tank. </a:t>
-            </a:r>
-          </a:p>
-          <a:p>
-            <a:pPr marL="457200" indent="-457200">
-              <a:buFont typeface="+mj-lt"/>
-              <a:buAutoNum type="arabicPeriod"/>
-            </a:pPr>
-            <a:r>
-              <a:rPr lang="en-US" sz="2400" dirty="0"/>
-              <a:t>We are testing for the effects of mating system on genome size. We use 5 outbreeding insects and 5 inbreeding species of beetles. </a:t>
-            </a:r>
-          </a:p>
-          <a:p>
-            <a:pPr marL="457200" indent="-457200">
-              <a:buFont typeface="+mj-lt"/>
-              <a:buAutoNum type="arabicPeriod"/>
-            </a:pPr>
-            <a:r>
-              <a:rPr lang="en-US" sz="2400" dirty="0"/>
-              <a:t>Beetles are segregated by sex into two vials, with 10 individuals per vial. I draw a male and female at random and test them, returning them to the vials at the end. I perform a total of 40 such tests.</a:t>
-            </a:r>
-          </a:p>
-        </p:txBody>
-      </p:sp>
-    </p:spTree>
-    <p:extLst>
-      <p:ext uri="{BB962C8B-B14F-4D97-AF65-F5344CB8AC3E}">
-        <p14:creationId xmlns:p14="http://schemas.microsoft.com/office/powerpoint/2010/main" val="3496760589"/>
-      </p:ext>
-    </p:extLst>
-  </p:cSld>
-  <p:clrMapOvr>
-    <a:masterClrMapping/>
-  </p:clrMapOvr>
-  <p:timing>
-    <p:tnLst>
-      <p:par>
-        <p:cTn id="1" dur="indefinite" restart="never" nodeType="tmRoot">
-          <p:childTnLst>
-            <p:seq concurrent="1" nextAc="seek">
-              <p:cTn id="2" dur="indefinite" nodeType="mainSeq">
-                <p:childTnLst>
-                  <p:par>
-                    <p:cTn id="3" fill="hold">
-                      <p:stCondLst>
-                        <p:cond delay="indefinite"/>
-                      </p:stCondLst>
-                      <p:childTnLst>
-                        <p:par>
-                          <p:cTn id="4" fill="hold">
-                            <p:stCondLst>
-                              <p:cond delay="0"/>
-                            </p:stCondLst>
-                            <p:childTnLst>
-                              <p:par>
-                                <p:cTn id="5" presetID="1" presetClass="entr" presetSubtype="0" fill="hold" nodeType="clickEffect">
-                                  <p:stCondLst>
-                                    <p:cond delay="0"/>
-                                  </p:stCondLst>
-                                  <p:childTnLst>
-                                    <p:set>
-                                      <p:cBhvr>
-                                        <p:cTn id="6" dur="1" fill="hold">
-                                          <p:stCondLst>
-                                            <p:cond delay="0"/>
-                                          </p:stCondLst>
-                                        </p:cTn>
-                                        <p:tgtEl>
-                                          <p:spTgt spid="4">
-                                            <p:txEl>
-                                              <p:pRg st="2" end="2"/>
-                                            </p:txEl>
-                                          </p:spTgt>
-                                        </p:tgtEl>
-                                        <p:attrNameLst>
-                                          <p:attrName>style.visibility</p:attrName>
-                                        </p:attrNameLst>
-                                      </p:cBhvr>
-                                      <p:to>
-                                        <p:strVal val="visible"/>
-                                      </p:to>
-                                    </p:set>
-                                  </p:childTnLst>
-                                </p:cTn>
-                              </p:par>
-                            </p:childTnLst>
-                          </p:cTn>
-                        </p:par>
-                      </p:childTnLst>
-                    </p:cTn>
-                  </p:par>
-                  <p:par>
-                    <p:cTn id="7" fill="hold">
-                      <p:stCondLst>
-                        <p:cond delay="indefinite"/>
-                      </p:stCondLst>
-                      <p:childTnLst>
-                        <p:par>
-                          <p:cTn id="8" fill="hold">
-                            <p:stCondLst>
-                              <p:cond delay="0"/>
-                            </p:stCondLst>
-                            <p:childTnLst>
-                              <p:par>
-                                <p:cTn id="9" presetID="1" presetClass="entr" presetSubtype="0" fill="hold" nodeType="clickEffect">
-                                  <p:stCondLst>
-                                    <p:cond delay="0"/>
-                                  </p:stCondLst>
-                                  <p:childTnLst>
-                                    <p:set>
-                                      <p:cBhvr>
-                                        <p:cTn id="10" dur="1" fill="hold">
-                                          <p:stCondLst>
-                                            <p:cond delay="0"/>
-                                          </p:stCondLst>
-                                        </p:cTn>
-                                        <p:tgtEl>
-                                          <p:spTgt spid="4">
-                                            <p:txEl>
-                                              <p:pRg st="3" end="3"/>
-                                            </p:txEl>
-                                          </p:spTgt>
-                                        </p:tgtEl>
-                                        <p:attrNameLst>
-                                          <p:attrName>style.visibility</p:attrName>
-                                        </p:attrNameLst>
-                                      </p:cBhvr>
-                                      <p:to>
-                                        <p:strVal val="visible"/>
-                                      </p:to>
-                                    </p:set>
-                                  </p:childTnLst>
-                                </p:cTn>
-                              </p:par>
-                            </p:childTnLst>
-                          </p:cTn>
-                        </p:par>
-                      </p:childTnLst>
-                    </p:cTn>
-                  </p:par>
-                  <p:par>
-                    <p:cTn id="11" fill="hold">
-                      <p:stCondLst>
-                        <p:cond delay="indefinite"/>
-                      </p:stCondLst>
-                      <p:childTnLst>
-                        <p:par>
-                          <p:cTn id="12" fill="hold">
-                            <p:stCondLst>
-                              <p:cond delay="0"/>
-                            </p:stCondLst>
-                            <p:childTnLst>
-                              <p:par>
-                                <p:cTn id="13" presetID="1" presetClass="entr" presetSubtype="0" fill="hold" nodeType="clickEffect">
-                                  <p:stCondLst>
-                                    <p:cond delay="0"/>
-                                  </p:stCondLst>
-                                  <p:childTnLst>
-                                    <p:set>
-                                      <p:cBhvr>
-                                        <p:cTn id="14" dur="1" fill="hold">
-                                          <p:stCondLst>
-                                            <p:cond delay="0"/>
-                                          </p:stCondLst>
-                                        </p:cTn>
-                                        <p:tgtEl>
-                                          <p:spTgt spid="4">
-                                            <p:txEl>
-                                              <p:pRg st="4" end="4"/>
-                                            </p:txEl>
-                                          </p:spTgt>
-                                        </p:tgtEl>
-                                        <p:attrNameLst>
-                                          <p:attrName>style.visibility</p:attrName>
-                                        </p:attrNameLst>
-                                      </p:cBhvr>
-                                      <p:to>
-                                        <p:strVal val="visible"/>
-                                      </p:to>
-                                    </p:set>
-                                  </p:childTnLst>
-                                </p:cTn>
-                              </p:par>
-                            </p:childTnLst>
-                          </p:cTn>
-                        </p:par>
-                      </p:childTnLst>
-                    </p:cTn>
-                  </p:par>
-                  <p:par>
-                    <p:cTn id="15" fill="hold">
-                      <p:stCondLst>
-                        <p:cond delay="indefinite"/>
-                      </p:stCondLst>
-                      <p:childTnLst>
-                        <p:par>
-                          <p:cTn id="16" fill="hold">
-                            <p:stCondLst>
-                              <p:cond delay="0"/>
-                            </p:stCondLst>
-                            <p:childTnLst>
-                              <p:par>
-                                <p:cTn id="17" presetID="1" presetClass="entr" presetSubtype="0" fill="hold" nodeType="clickEffect">
-                                  <p:stCondLst>
-                                    <p:cond delay="0"/>
-                                  </p:stCondLst>
-                                  <p:childTnLst>
-                                    <p:set>
-                                      <p:cBhvr>
-                                        <p:cTn id="18" dur="1" fill="hold">
-                                          <p:stCondLst>
-                                            <p:cond delay="0"/>
-                                          </p:stCondLst>
-                                        </p:cTn>
-                                        <p:tgtEl>
-                                          <p:spTgt spid="4">
-                                            <p:txEl>
-                                              <p:pRg st="5" end="5"/>
-                                            </p:txEl>
-                                          </p:spTgt>
-                                        </p:tgtEl>
-                                        <p:attrNameLst>
-                                          <p:attrName>style.visibility</p:attrName>
-                                        </p:attrNameLst>
-                                      </p:cBhvr>
-                                      <p:to>
-                                        <p:strVal val="visible"/>
-                                      </p:to>
-                                    </p:set>
-                                  </p:childTnLst>
-                                </p:cTn>
-                              </p:par>
-                            </p:childTnLst>
-                          </p:cTn>
-                        </p:par>
-                      </p:childTnLst>
-                    </p:cTn>
-                  </p:par>
-                </p:childTnLst>
-              </p:cTn>
-              <p:prevCondLst>
-                <p:cond evt="onPrev" delay="0">
-                  <p:tgtEl>
-                    <p:sldTgt/>
-                  </p:tgtEl>
-                </p:cond>
-              </p:prevCondLst>
-              <p:nextCondLst>
-                <p:cond evt="onNext" delay="0">
-                  <p:tgtEl>
-                    <p:sldTgt/>
-                  </p:tgtEl>
-                </p:cond>
-              </p:nextCondLst>
-            </p:seq>
-          </p:childTnLst>
-        </p:cTn>
-      </p:par>
-    </p:tnLst>
-  </p:timing>
-</p:sld>
-</file>
-
-<file path=ppt/slides/slide11.xml><?xml version="1.0" encoding="utf-8"?>
-<p:sld xmlns:a="http://schemas.openxmlformats.org/drawingml/2006/main" xmlns:r="http://schemas.openxmlformats.org/officeDocument/2006/relationships" xmlns:p="http://schemas.openxmlformats.org/presentationml/2006/main">
-  <p:cSld>
-    <p:spTree>
-      <p:nvGrpSpPr>
-        <p:cNvPr id="1" name=""/>
-        <p:cNvGrpSpPr/>
-        <p:nvPr/>
-      </p:nvGrpSpPr>
-      <p:grpSpPr>
-        <a:xfrm>
-          <a:off x="0" y="0"/>
-          <a:ext cx="0" cy="0"/>
-          <a:chOff x="0" y="0"/>
-          <a:chExt cx="0" cy="0"/>
-        </a:xfrm>
-      </p:grpSpPr>
-      <p:sp>
-        <p:nvSpPr>
-          <p:cNvPr id="2" name="Title 1"/>
-          <p:cNvSpPr>
-            <a:spLocks noGrp="1"/>
-          </p:cNvSpPr>
-          <p:nvPr>
-            <p:ph type="title"/>
-          </p:nvPr>
-        </p:nvSpPr>
-        <p:spPr>
-          <a:xfrm>
-            <a:off x="0" y="0"/>
-            <a:ext cx="12192000" cy="935915"/>
-          </a:xfrm>
-          <a:solidFill>
-            <a:schemeClr val="tx1"/>
-          </a:solidFill>
-        </p:spPr>
-        <p:txBody>
-          <a:bodyPr>
-            <a:normAutofit/>
-          </a:bodyPr>
-          <a:lstStyle/>
-          <a:p>
-            <a:pPr algn="ctr"/>
-            <a:r>
-              <a:rPr lang="en-US" b="1" dirty="0">
-                <a:solidFill>
-                  <a:schemeClr val="bg1"/>
-                </a:solidFill>
-              </a:rPr>
-              <a:t>Biological and Technical Replicates </a:t>
-            </a:r>
-          </a:p>
-        </p:txBody>
-      </p:sp>
-      <p:sp>
-        <p:nvSpPr>
-          <p:cNvPr id="4" name="Rectangle 3"/>
-          <p:cNvSpPr/>
-          <p:nvPr/>
-        </p:nvSpPr>
-        <p:spPr>
-          <a:xfrm>
-            <a:off x="237995" y="1161821"/>
-            <a:ext cx="11786991" cy="5078313"/>
-          </a:xfrm>
-          <a:prstGeom prst="rect">
-            <a:avLst/>
-          </a:prstGeom>
-        </p:spPr>
-        <p:txBody>
-          <a:bodyPr wrap="square">
-            <a:spAutoFit/>
-          </a:bodyPr>
-          <a:lstStyle/>
-          <a:p>
-            <a:pPr marL="514350" indent="-514350">
-              <a:buFont typeface="Arial" charset="0"/>
-              <a:buChar char="•"/>
-            </a:pPr>
-            <a:r>
-              <a:rPr lang="en-US" sz="3600" dirty="0"/>
-              <a:t>A biological replicate involves a new, independent test subject</a:t>
-            </a:r>
-          </a:p>
-          <a:p>
-            <a:pPr marL="514350" indent="-514350">
-              <a:buFont typeface="Arial" charset="0"/>
-              <a:buChar char="•"/>
-            </a:pPr>
-            <a:endParaRPr lang="en-US" sz="3600" dirty="0"/>
-          </a:p>
-          <a:p>
-            <a:pPr marL="514350" indent="-514350">
-              <a:buFont typeface="Arial" charset="0"/>
-              <a:buChar char="•"/>
-            </a:pPr>
-            <a:r>
-              <a:rPr lang="en-US" sz="3600" dirty="0"/>
-              <a:t>A technical replicate involves repeating the same procedure on a new sample from the same subject</a:t>
-            </a:r>
-          </a:p>
-          <a:p>
-            <a:pPr marL="514350" indent="-514350">
-              <a:buFont typeface="Arial" charset="0"/>
-              <a:buChar char="•"/>
-            </a:pPr>
-            <a:endParaRPr lang="en-US" sz="3600" dirty="0"/>
-          </a:p>
-          <a:p>
-            <a:pPr marL="514350" indent="-514350">
-              <a:buFont typeface="Arial" charset="0"/>
-              <a:buChar char="•"/>
-            </a:pPr>
-            <a:r>
-              <a:rPr lang="en-US" sz="3600" dirty="0"/>
-              <a:t>Technical replicates do not contribute to your estimates of population-level parameters, but they can increase the precision of measurements on individuals</a:t>
-            </a:r>
-          </a:p>
-        </p:txBody>
-      </p:sp>
-    </p:spTree>
-    <p:extLst>
-      <p:ext uri="{BB962C8B-B14F-4D97-AF65-F5344CB8AC3E}">
-        <p14:creationId xmlns:p14="http://schemas.microsoft.com/office/powerpoint/2010/main" val="2732060804"/>
-      </p:ext>
-    </p:extLst>
-  </p:cSld>
-  <p:clrMapOvr>
-    <a:masterClrMapping/>
-  </p:clrMapOvr>
-</p:sld>
-</file>
-
-<file path=ppt/slides/slide12.xml><?xml version="1.0" encoding="utf-8"?>
-<p:sld xmlns:a="http://schemas.openxmlformats.org/drawingml/2006/main" xmlns:r="http://schemas.openxmlformats.org/officeDocument/2006/relationships" xmlns:p="http://schemas.openxmlformats.org/presentationml/2006/main">
-  <p:cSld>
-    <p:spTree>
-      <p:nvGrpSpPr>
-        <p:cNvPr id="1" name=""/>
-        <p:cNvGrpSpPr/>
-        <p:nvPr/>
-      </p:nvGrpSpPr>
-      <p:grpSpPr>
-        <a:xfrm>
-          <a:off x="0" y="0"/>
-          <a:ext cx="0" cy="0"/>
-          <a:chOff x="0" y="0"/>
-          <a:chExt cx="0" cy="0"/>
-        </a:xfrm>
-      </p:grpSpPr>
-      <p:sp>
-        <p:nvSpPr>
-          <p:cNvPr id="2" name="Title 1"/>
-          <p:cNvSpPr>
-            <a:spLocks noGrp="1"/>
-          </p:cNvSpPr>
-          <p:nvPr>
-            <p:ph type="title"/>
-          </p:nvPr>
-        </p:nvSpPr>
-        <p:spPr>
-          <a:xfrm>
-            <a:off x="0" y="0"/>
-            <a:ext cx="12192000" cy="935915"/>
-          </a:xfrm>
-          <a:solidFill>
-            <a:schemeClr val="tx1"/>
-          </a:solidFill>
-        </p:spPr>
-        <p:txBody>
-          <a:bodyPr>
-            <a:normAutofit/>
-          </a:bodyPr>
-          <a:lstStyle/>
-          <a:p>
-            <a:pPr algn="ctr"/>
-            <a:r>
-              <a:rPr lang="en-US" b="1" dirty="0">
-                <a:solidFill>
-                  <a:schemeClr val="bg1"/>
-                </a:solidFill>
-              </a:rPr>
-              <a:t>Which kind of replication</a:t>
-            </a:r>
-          </a:p>
-        </p:txBody>
-      </p:sp>
-      <p:sp>
-        <p:nvSpPr>
-          <p:cNvPr id="4" name="Rectangle 3"/>
-          <p:cNvSpPr/>
-          <p:nvPr/>
-        </p:nvSpPr>
-        <p:spPr>
-          <a:xfrm>
-            <a:off x="237995" y="1161821"/>
-            <a:ext cx="11786991" cy="3970318"/>
-          </a:xfrm>
-          <a:prstGeom prst="rect">
-            <a:avLst/>
-          </a:prstGeom>
-        </p:spPr>
-        <p:txBody>
-          <a:bodyPr wrap="square">
-            <a:spAutoFit/>
-          </a:bodyPr>
-          <a:lstStyle/>
-          <a:p>
-            <a:pPr marL="514350" indent="-514350">
-              <a:buFont typeface="Arial" charset="0"/>
-              <a:buChar char="•"/>
-            </a:pPr>
-            <a:r>
-              <a:rPr lang="en-US" sz="3600" dirty="0"/>
-              <a:t>In general, biological replicates are superior to technical replicates, because biological replicates increase power. </a:t>
-            </a:r>
-          </a:p>
-          <a:p>
-            <a:pPr marL="514350" indent="-514350">
-              <a:buFont typeface="Arial" charset="0"/>
-              <a:buChar char="•"/>
-            </a:pPr>
-            <a:endParaRPr lang="en-US" sz="3600" dirty="0"/>
-          </a:p>
-          <a:p>
-            <a:pPr marL="514350" indent="-514350">
-              <a:buFont typeface="Arial" charset="0"/>
-              <a:buChar char="•"/>
-            </a:pPr>
-            <a:r>
-              <a:rPr lang="en-US" sz="3600" dirty="0"/>
-              <a:t>Technical replicates are useful when the technique in question sometimes produces extremely inaccurate results, which must be pruned from the dataset. An example is qPCR, where occasional extreme outliers are common. </a:t>
-            </a:r>
-          </a:p>
-        </p:txBody>
-      </p:sp>
-    </p:spTree>
-    <p:extLst>
-      <p:ext uri="{BB962C8B-B14F-4D97-AF65-F5344CB8AC3E}">
-        <p14:creationId xmlns:p14="http://schemas.microsoft.com/office/powerpoint/2010/main" val="2702293977"/>
-      </p:ext>
-    </p:extLst>
-  </p:cSld>
-  <p:clrMapOvr>
-    <a:masterClrMapping/>
-  </p:clrMapOvr>
-</p:sld>
-</file>
-
-<file path=ppt/slides/slide13.xml><?xml version="1.0" encoding="utf-8"?>
-<p:sld xmlns:a="http://schemas.openxmlformats.org/drawingml/2006/main" xmlns:r="http://schemas.openxmlformats.org/officeDocument/2006/relationships" xmlns:p="http://schemas.openxmlformats.org/presentationml/2006/main">
-  <p:cSld>
-    <p:spTree>
-      <p:nvGrpSpPr>
-        <p:cNvPr id="1" name=""/>
-        <p:cNvGrpSpPr/>
-        <p:nvPr/>
-      </p:nvGrpSpPr>
-      <p:grpSpPr>
-        <a:xfrm>
-          <a:off x="0" y="0"/>
-          <a:ext cx="0" cy="0"/>
-          <a:chOff x="0" y="0"/>
-          <a:chExt cx="0" cy="0"/>
-        </a:xfrm>
-      </p:grpSpPr>
-      <p:sp>
-        <p:nvSpPr>
-          <p:cNvPr id="2" name="Title 1"/>
-          <p:cNvSpPr>
-            <a:spLocks noGrp="1"/>
-          </p:cNvSpPr>
-          <p:nvPr>
-            <p:ph type="title"/>
-          </p:nvPr>
-        </p:nvSpPr>
-        <p:spPr>
-          <a:xfrm>
-            <a:off x="0" y="0"/>
-            <a:ext cx="12192000" cy="935915"/>
-          </a:xfrm>
-          <a:solidFill>
-            <a:schemeClr val="tx1"/>
-          </a:solidFill>
-        </p:spPr>
-        <p:txBody>
-          <a:bodyPr>
-            <a:normAutofit/>
-          </a:bodyPr>
-          <a:lstStyle/>
-          <a:p>
-            <a:pPr algn="ctr"/>
-            <a:r>
-              <a:rPr lang="en-US" b="1" dirty="0">
-                <a:solidFill>
-                  <a:schemeClr val="bg1"/>
-                </a:solidFill>
-              </a:rPr>
-              <a:t>Best Practices </a:t>
-            </a:r>
-          </a:p>
-        </p:txBody>
-      </p:sp>
-      <p:sp>
-        <p:nvSpPr>
-          <p:cNvPr id="4" name="Rectangle 3"/>
-          <p:cNvSpPr/>
-          <p:nvPr/>
-        </p:nvSpPr>
-        <p:spPr>
-          <a:xfrm>
-            <a:off x="237995" y="1161821"/>
-            <a:ext cx="11786991" cy="4832092"/>
-          </a:xfrm>
-          <a:prstGeom prst="rect">
-            <a:avLst/>
-          </a:prstGeom>
-        </p:spPr>
-        <p:txBody>
-          <a:bodyPr wrap="square">
-            <a:spAutoFit/>
-          </a:bodyPr>
-          <a:lstStyle/>
-          <a:p>
-            <a:pPr marL="457200" indent="-457200">
-              <a:buFont typeface="Arial" charset="0"/>
-              <a:buChar char="•"/>
-            </a:pPr>
-            <a:r>
-              <a:rPr lang="en-US" sz="2800" dirty="0"/>
-              <a:t>Ensure as much as possible that controls and experimental individuals are from identical populations (except for the factor of interest) </a:t>
-            </a:r>
-          </a:p>
-          <a:p>
-            <a:pPr marL="457200" indent="-457200">
-              <a:buFont typeface="Arial" charset="0"/>
-              <a:buChar char="•"/>
-            </a:pPr>
-            <a:endParaRPr lang="en-US" sz="2800" dirty="0"/>
-          </a:p>
-          <a:p>
-            <a:pPr marL="457200" indent="-457200">
-              <a:buFont typeface="Arial" charset="0"/>
-              <a:buChar char="•"/>
-            </a:pPr>
-            <a:r>
-              <a:rPr lang="en-US" sz="2800" dirty="0"/>
-              <a:t>Treat your controls as similarly as possible to the experimental subjects (sham injections, placebos, etc.) </a:t>
-            </a:r>
-          </a:p>
-          <a:p>
-            <a:pPr marL="457200" indent="-457200">
-              <a:buFont typeface="Arial" charset="0"/>
-              <a:buChar char="•"/>
-            </a:pPr>
-            <a:endParaRPr lang="en-US" sz="2800" dirty="0"/>
-          </a:p>
-          <a:p>
-            <a:pPr marL="457200" indent="-457200">
-              <a:buFont typeface="Arial" charset="0"/>
-              <a:buChar char="•"/>
-            </a:pPr>
-            <a:r>
-              <a:rPr lang="en-US" sz="2800" dirty="0"/>
-              <a:t>Conduct your control manipulations in parallel with your experimental manipulations </a:t>
-            </a:r>
-          </a:p>
-          <a:p>
-            <a:pPr marL="457200" indent="-457200">
-              <a:buFont typeface="Arial" charset="0"/>
-              <a:buChar char="•"/>
-            </a:pPr>
-            <a:endParaRPr lang="en-US" sz="2800" dirty="0"/>
-          </a:p>
-          <a:p>
-            <a:pPr marL="457200" indent="-457200">
-              <a:buFont typeface="Arial" charset="0"/>
-              <a:buChar char="•"/>
-            </a:pPr>
-            <a:r>
-              <a:rPr lang="en-US" sz="2800" dirty="0"/>
-              <a:t>Think about all possible confounding variables and establish a plan to eliminate or correct for them before you start! </a:t>
-            </a:r>
-          </a:p>
-        </p:txBody>
-      </p:sp>
-    </p:spTree>
-    <p:extLst>
-      <p:ext uri="{BB962C8B-B14F-4D97-AF65-F5344CB8AC3E}">
-        <p14:creationId xmlns:p14="http://schemas.microsoft.com/office/powerpoint/2010/main" val="3924119660"/>
-      </p:ext>
-    </p:extLst>
-  </p:cSld>
-  <p:clrMapOvr>
-    <a:masterClrMapping/>
-  </p:clrMapOvr>
-  <p:timing>
-    <p:tnLst>
-      <p:par>
-        <p:cTn id="1" dur="indefinite" restart="never" nodeType="tmRoot">
-          <p:childTnLst>
-            <p:seq concurrent="1" nextAc="seek">
-              <p:cTn id="2" dur="indefinite" nodeType="mainSeq">
-                <p:childTnLst>
-                  <p:par>
-                    <p:cTn id="3" fill="hold">
-                      <p:stCondLst>
-                        <p:cond delay="indefinite"/>
-                      </p:stCondLst>
-                      <p:childTnLst>
-                        <p:par>
-                          <p:cTn id="4" fill="hold">
-                            <p:stCondLst>
-                              <p:cond delay="0"/>
-                            </p:stCondLst>
-                            <p:childTnLst>
-                              <p:par>
-                                <p:cTn id="5" presetID="1" presetClass="entr" presetSubtype="0" fill="hold" nodeType="clickEffect">
-                                  <p:stCondLst>
-                                    <p:cond delay="0"/>
-                                  </p:stCondLst>
-                                  <p:childTnLst>
-                                    <p:set>
-                                      <p:cBhvr>
-                                        <p:cTn id="6" dur="1" fill="hold">
-                                          <p:stCondLst>
-                                            <p:cond delay="0"/>
-                                          </p:stCondLst>
-                                        </p:cTn>
-                                        <p:tgtEl>
-                                          <p:spTgt spid="4">
-                                            <p:txEl>
-                                              <p:pRg st="0" end="0"/>
-                                            </p:txEl>
-                                          </p:spTgt>
-                                        </p:tgtEl>
-                                        <p:attrNameLst>
-                                          <p:attrName>style.visibility</p:attrName>
-                                        </p:attrNameLst>
-                                      </p:cBhvr>
-                                      <p:to>
-                                        <p:strVal val="visible"/>
-                                      </p:to>
-                                    </p:set>
-                                  </p:childTnLst>
-                                </p:cTn>
-                              </p:par>
-                            </p:childTnLst>
-                          </p:cTn>
-                        </p:par>
-                      </p:childTnLst>
-                    </p:cTn>
-                  </p:par>
-                  <p:par>
-                    <p:cTn id="7" fill="hold">
-                      <p:stCondLst>
-                        <p:cond delay="indefinite"/>
-                      </p:stCondLst>
-                      <p:childTnLst>
-                        <p:par>
-                          <p:cTn id="8" fill="hold">
-                            <p:stCondLst>
-                              <p:cond delay="0"/>
-                            </p:stCondLst>
-                            <p:childTnLst>
-                              <p:par>
-                                <p:cTn id="9" presetID="1" presetClass="entr" presetSubtype="0" fill="hold" nodeType="clickEffect">
-                                  <p:stCondLst>
-                                    <p:cond delay="0"/>
-                                  </p:stCondLst>
-                                  <p:childTnLst>
-                                    <p:set>
-                                      <p:cBhvr>
-                                        <p:cTn id="10" dur="1" fill="hold">
-                                          <p:stCondLst>
-                                            <p:cond delay="0"/>
-                                          </p:stCondLst>
-                                        </p:cTn>
-                                        <p:tgtEl>
-                                          <p:spTgt spid="4">
-                                            <p:txEl>
-                                              <p:pRg st="2" end="2"/>
-                                            </p:txEl>
-                                          </p:spTgt>
-                                        </p:tgtEl>
-                                        <p:attrNameLst>
-                                          <p:attrName>style.visibility</p:attrName>
-                                        </p:attrNameLst>
-                                      </p:cBhvr>
-                                      <p:to>
-                                        <p:strVal val="visible"/>
-                                      </p:to>
-                                    </p:set>
-                                  </p:childTnLst>
-                                </p:cTn>
-                              </p:par>
-                            </p:childTnLst>
-                          </p:cTn>
-                        </p:par>
-                      </p:childTnLst>
-                    </p:cTn>
-                  </p:par>
-                  <p:par>
-                    <p:cTn id="11" fill="hold">
-                      <p:stCondLst>
-                        <p:cond delay="indefinite"/>
-                      </p:stCondLst>
-                      <p:childTnLst>
-                        <p:par>
-                          <p:cTn id="12" fill="hold">
-                            <p:stCondLst>
-                              <p:cond delay="0"/>
-                            </p:stCondLst>
-                            <p:childTnLst>
-                              <p:par>
-                                <p:cTn id="13" presetID="1" presetClass="entr" presetSubtype="0" fill="hold" nodeType="clickEffect">
-                                  <p:stCondLst>
-                                    <p:cond delay="0"/>
-                                  </p:stCondLst>
-                                  <p:childTnLst>
-                                    <p:set>
-                                      <p:cBhvr>
-                                        <p:cTn id="14" dur="1" fill="hold">
-                                          <p:stCondLst>
-                                            <p:cond delay="0"/>
-                                          </p:stCondLst>
-                                        </p:cTn>
-                                        <p:tgtEl>
-                                          <p:spTgt spid="4">
-                                            <p:txEl>
-                                              <p:pRg st="4" end="4"/>
-                                            </p:txEl>
-                                          </p:spTgt>
-                                        </p:tgtEl>
-                                        <p:attrNameLst>
-                                          <p:attrName>style.visibility</p:attrName>
-                                        </p:attrNameLst>
-                                      </p:cBhvr>
-                                      <p:to>
-                                        <p:strVal val="visible"/>
-                                      </p:to>
-                                    </p:set>
-                                  </p:childTnLst>
-                                </p:cTn>
-                              </p:par>
-                            </p:childTnLst>
-                          </p:cTn>
-                        </p:par>
-                      </p:childTnLst>
-                    </p:cTn>
-                  </p:par>
-                  <p:par>
-                    <p:cTn id="15" fill="hold">
-                      <p:stCondLst>
-                        <p:cond delay="indefinite"/>
-                      </p:stCondLst>
-                      <p:childTnLst>
-                        <p:par>
-                          <p:cTn id="16" fill="hold">
-                            <p:stCondLst>
-                              <p:cond delay="0"/>
-                            </p:stCondLst>
-                            <p:childTnLst>
-                              <p:par>
-                                <p:cTn id="17" presetID="1" presetClass="entr" presetSubtype="0" fill="hold" nodeType="clickEffect">
-                                  <p:stCondLst>
-                                    <p:cond delay="0"/>
-                                  </p:stCondLst>
-                                  <p:childTnLst>
-                                    <p:set>
-                                      <p:cBhvr>
-                                        <p:cTn id="18" dur="1" fill="hold">
-                                          <p:stCondLst>
-                                            <p:cond delay="0"/>
-                                          </p:stCondLst>
-                                        </p:cTn>
-                                        <p:tgtEl>
-                                          <p:spTgt spid="4">
-                                            <p:txEl>
-                                              <p:pRg st="6" end="6"/>
-                                            </p:txEl>
-                                          </p:spTgt>
-                                        </p:tgtEl>
-                                        <p:attrNameLst>
-                                          <p:attrName>style.visibility</p:attrName>
-                                        </p:attrNameLst>
-                                      </p:cBhvr>
-                                      <p:to>
-                                        <p:strVal val="visible"/>
-                                      </p:to>
-                                    </p:set>
-                                  </p:childTnLst>
-                                </p:cTn>
-                              </p:par>
-                            </p:childTnLst>
-                          </p:cTn>
-                        </p:par>
-                      </p:childTnLst>
-                    </p:cTn>
-                  </p:par>
-                </p:childTnLst>
-              </p:cTn>
-              <p:prevCondLst>
-                <p:cond evt="onPrev" delay="0">
-                  <p:tgtEl>
-                    <p:sldTgt/>
-                  </p:tgtEl>
-                </p:cond>
-              </p:prevCondLst>
-              <p:nextCondLst>
-                <p:cond evt="onNext" delay="0">
-                  <p:tgtEl>
-                    <p:sldTgt/>
-                  </p:tgtEl>
-                </p:cond>
-              </p:nextCondLst>
-            </p:seq>
-          </p:childTnLst>
-        </p:cTn>
-      </p:par>
-    </p:tnLst>
-  </p:timing>
-</p:sld>
-</file>
-
-<file path=ppt/slides/slide14.xml><?xml version="1.0" encoding="utf-8"?>
-<p:sld xmlns:a="http://schemas.openxmlformats.org/drawingml/2006/main" xmlns:r="http://schemas.openxmlformats.org/officeDocument/2006/relationships" xmlns:p="http://schemas.openxmlformats.org/presentationml/2006/main">
-  <p:cSld>
-    <p:spTree>
-      <p:nvGrpSpPr>
-        <p:cNvPr id="1" name=""/>
-        <p:cNvGrpSpPr/>
-        <p:nvPr/>
-      </p:nvGrpSpPr>
-      <p:grpSpPr>
-        <a:xfrm>
-          <a:off x="0" y="0"/>
-          <a:ext cx="0" cy="0"/>
-          <a:chOff x="0" y="0"/>
-          <a:chExt cx="0" cy="0"/>
-        </a:xfrm>
-      </p:grpSpPr>
-      <p:sp>
-        <p:nvSpPr>
-          <p:cNvPr id="2" name="Title 1"/>
-          <p:cNvSpPr>
-            <a:spLocks noGrp="1"/>
-          </p:cNvSpPr>
-          <p:nvPr>
-            <p:ph type="title"/>
-          </p:nvPr>
-        </p:nvSpPr>
-        <p:spPr>
-          <a:xfrm>
-            <a:off x="0" y="0"/>
-            <a:ext cx="12192000" cy="935915"/>
-          </a:xfrm>
-          <a:solidFill>
-            <a:schemeClr val="tx1"/>
-          </a:solidFill>
-        </p:spPr>
-        <p:txBody>
-          <a:bodyPr>
-            <a:normAutofit/>
-          </a:bodyPr>
-          <a:lstStyle/>
-          <a:p>
-            <a:pPr algn="ctr"/>
-            <a:r>
-              <a:rPr lang="en-US" b="1" dirty="0">
-                <a:solidFill>
-                  <a:schemeClr val="bg1"/>
-                </a:solidFill>
-              </a:rPr>
-              <a:t>Everything I do is an Experiment </a:t>
-            </a:r>
-          </a:p>
-        </p:txBody>
-      </p:sp>
-      <p:sp>
-        <p:nvSpPr>
-          <p:cNvPr id="4" name="Rectangle 3"/>
-          <p:cNvSpPr/>
-          <p:nvPr/>
-        </p:nvSpPr>
-        <p:spPr>
-          <a:xfrm>
-            <a:off x="237995" y="1161821"/>
-            <a:ext cx="11786991" cy="4585871"/>
-          </a:xfrm>
-          <a:prstGeom prst="rect">
-            <a:avLst/>
-          </a:prstGeom>
-        </p:spPr>
-        <p:txBody>
-          <a:bodyPr wrap="square">
-            <a:spAutoFit/>
-          </a:bodyPr>
-          <a:lstStyle/>
-          <a:p>
-            <a:r>
-              <a:rPr lang="en-US" sz="2800" dirty="0"/>
-              <a:t>You should approach everything you do in the lab from the perspective of an experiment </a:t>
-            </a:r>
-          </a:p>
-          <a:p>
-            <a:endParaRPr lang="en-US" sz="1600" dirty="0"/>
-          </a:p>
-          <a:p>
-            <a:r>
-              <a:rPr lang="en-US" sz="2800" dirty="0"/>
-              <a:t>Always do the appropriate controls for PCR, transformations, etc. </a:t>
-            </a:r>
-          </a:p>
-          <a:p>
-            <a:endParaRPr lang="en-US" sz="1600" dirty="0"/>
-          </a:p>
-          <a:p>
-            <a:r>
-              <a:rPr lang="en-US" sz="2800" dirty="0"/>
-              <a:t>Troubleshooting is experimenting </a:t>
-            </a:r>
-          </a:p>
-          <a:p>
-            <a:endParaRPr lang="en-US" sz="1600" dirty="0"/>
-          </a:p>
-          <a:p>
-            <a:r>
-              <a:rPr lang="en-US" sz="2800" dirty="0"/>
-              <a:t>Think about how you will describe the experiment before you embark on it </a:t>
-            </a:r>
-          </a:p>
-          <a:p>
-            <a:endParaRPr lang="en-US" sz="1600" dirty="0"/>
-          </a:p>
-          <a:p>
-            <a:r>
-              <a:rPr lang="en-US" sz="2800" dirty="0"/>
-              <a:t>You will see that simplicity is extremely valuable </a:t>
-            </a:r>
-          </a:p>
-          <a:p>
-            <a:endParaRPr lang="en-US" sz="1600" dirty="0"/>
-          </a:p>
-          <a:p>
-            <a:r>
-              <a:rPr lang="en-US" sz="2800" dirty="0"/>
-              <a:t>Think about the analysis you will do before you get started </a:t>
-            </a:r>
-          </a:p>
-          <a:p>
-            <a:endParaRPr lang="en-US" sz="1600" dirty="0"/>
-          </a:p>
-        </p:txBody>
-      </p:sp>
-    </p:spTree>
-    <p:extLst>
-      <p:ext uri="{BB962C8B-B14F-4D97-AF65-F5344CB8AC3E}">
-        <p14:creationId xmlns:p14="http://schemas.microsoft.com/office/powerpoint/2010/main" val="3027616767"/>
-      </p:ext>
-    </p:extLst>
-  </p:cSld>
-  <p:clrMapOvr>
-    <a:masterClrMapping/>
-  </p:clrMapOvr>
-  <p:timing>
-    <p:tnLst>
-      <p:par>
-        <p:cTn id="1" dur="indefinite" restart="never" nodeType="tmRoot">
-          <p:childTnLst>
-            <p:seq concurrent="1" nextAc="seek">
-              <p:cTn id="2" dur="indefinite" nodeType="mainSeq">
-                <p:childTnLst>
-                  <p:par>
-                    <p:cTn id="3" fill="hold">
-                      <p:stCondLst>
-                        <p:cond delay="indefinite"/>
-                      </p:stCondLst>
-                      <p:childTnLst>
-                        <p:par>
-                          <p:cTn id="4" fill="hold">
-                            <p:stCondLst>
-                              <p:cond delay="0"/>
-                            </p:stCondLst>
-                            <p:childTnLst>
-                              <p:par>
-                                <p:cTn id="5" presetID="1" presetClass="entr" presetSubtype="0" fill="hold" nodeType="clickEffect">
-                                  <p:stCondLst>
-                                    <p:cond delay="0"/>
-                                  </p:stCondLst>
-                                  <p:childTnLst>
-                                    <p:set>
-                                      <p:cBhvr>
-                                        <p:cTn id="6" dur="1" fill="hold">
-                                          <p:stCondLst>
-                                            <p:cond delay="0"/>
-                                          </p:stCondLst>
-                                        </p:cTn>
-                                        <p:tgtEl>
-                                          <p:spTgt spid="4">
-                                            <p:txEl>
-                                              <p:pRg st="0" end="0"/>
-                                            </p:txEl>
-                                          </p:spTgt>
-                                        </p:tgtEl>
-                                        <p:attrNameLst>
-                                          <p:attrName>style.visibility</p:attrName>
-                                        </p:attrNameLst>
-                                      </p:cBhvr>
-                                      <p:to>
-                                        <p:strVal val="visible"/>
-                                      </p:to>
-                                    </p:set>
-                                  </p:childTnLst>
-                                </p:cTn>
-                              </p:par>
-                            </p:childTnLst>
-                          </p:cTn>
-                        </p:par>
-                      </p:childTnLst>
-                    </p:cTn>
-                  </p:par>
-                  <p:par>
-                    <p:cTn id="7" fill="hold">
-                      <p:stCondLst>
-                        <p:cond delay="indefinite"/>
-                      </p:stCondLst>
-                      <p:childTnLst>
-                        <p:par>
-                          <p:cTn id="8" fill="hold">
-                            <p:stCondLst>
-                              <p:cond delay="0"/>
-                            </p:stCondLst>
-                            <p:childTnLst>
-                              <p:par>
-                                <p:cTn id="9" presetID="1" presetClass="entr" presetSubtype="0" fill="hold" nodeType="clickEffect">
-                                  <p:stCondLst>
-                                    <p:cond delay="0"/>
-                                  </p:stCondLst>
-                                  <p:childTnLst>
-                                    <p:set>
-                                      <p:cBhvr>
-                                        <p:cTn id="10" dur="1" fill="hold">
-                                          <p:stCondLst>
-                                            <p:cond delay="0"/>
-                                          </p:stCondLst>
-                                        </p:cTn>
-                                        <p:tgtEl>
-                                          <p:spTgt spid="4">
-                                            <p:txEl>
-                                              <p:pRg st="2" end="2"/>
-                                            </p:txEl>
-                                          </p:spTgt>
-                                        </p:tgtEl>
-                                        <p:attrNameLst>
-                                          <p:attrName>style.visibility</p:attrName>
-                                        </p:attrNameLst>
-                                      </p:cBhvr>
-                                      <p:to>
-                                        <p:strVal val="visible"/>
-                                      </p:to>
-                                    </p:set>
-                                  </p:childTnLst>
-                                </p:cTn>
-                              </p:par>
-                            </p:childTnLst>
-                          </p:cTn>
-                        </p:par>
-                      </p:childTnLst>
-                    </p:cTn>
-                  </p:par>
-                  <p:par>
-                    <p:cTn id="11" fill="hold">
-                      <p:stCondLst>
-                        <p:cond delay="indefinite"/>
-                      </p:stCondLst>
-                      <p:childTnLst>
-                        <p:par>
-                          <p:cTn id="12" fill="hold">
-                            <p:stCondLst>
-                              <p:cond delay="0"/>
-                            </p:stCondLst>
-                            <p:childTnLst>
-                              <p:par>
-                                <p:cTn id="13" presetID="1" presetClass="entr" presetSubtype="0" fill="hold" nodeType="clickEffect">
-                                  <p:stCondLst>
-                                    <p:cond delay="0"/>
-                                  </p:stCondLst>
-                                  <p:childTnLst>
-                                    <p:set>
-                                      <p:cBhvr>
-                                        <p:cTn id="14" dur="1" fill="hold">
-                                          <p:stCondLst>
-                                            <p:cond delay="0"/>
-                                          </p:stCondLst>
-                                        </p:cTn>
-                                        <p:tgtEl>
-                                          <p:spTgt spid="4">
-                                            <p:txEl>
-                                              <p:pRg st="4" end="4"/>
-                                            </p:txEl>
-                                          </p:spTgt>
-                                        </p:tgtEl>
-                                        <p:attrNameLst>
-                                          <p:attrName>style.visibility</p:attrName>
-                                        </p:attrNameLst>
-                                      </p:cBhvr>
-                                      <p:to>
-                                        <p:strVal val="visible"/>
-                                      </p:to>
-                                    </p:set>
-                                  </p:childTnLst>
-                                </p:cTn>
-                              </p:par>
-                            </p:childTnLst>
-                          </p:cTn>
-                        </p:par>
-                      </p:childTnLst>
-                    </p:cTn>
-                  </p:par>
-                  <p:par>
-                    <p:cTn id="15" fill="hold">
-                      <p:stCondLst>
-                        <p:cond delay="indefinite"/>
-                      </p:stCondLst>
-                      <p:childTnLst>
-                        <p:par>
-                          <p:cTn id="16" fill="hold">
-                            <p:stCondLst>
-                              <p:cond delay="0"/>
-                            </p:stCondLst>
-                            <p:childTnLst>
-                              <p:par>
-                                <p:cTn id="17" presetID="1" presetClass="entr" presetSubtype="0" fill="hold" nodeType="clickEffect">
-                                  <p:stCondLst>
-                                    <p:cond delay="0"/>
-                                  </p:stCondLst>
-                                  <p:childTnLst>
-                                    <p:set>
-                                      <p:cBhvr>
-                                        <p:cTn id="18" dur="1" fill="hold">
-                                          <p:stCondLst>
-                                            <p:cond delay="0"/>
-                                          </p:stCondLst>
-                                        </p:cTn>
-                                        <p:tgtEl>
-                                          <p:spTgt spid="4">
-                                            <p:txEl>
-                                              <p:pRg st="6" end="6"/>
-                                            </p:txEl>
-                                          </p:spTgt>
-                                        </p:tgtEl>
-                                        <p:attrNameLst>
-                                          <p:attrName>style.visibility</p:attrName>
-                                        </p:attrNameLst>
-                                      </p:cBhvr>
-                                      <p:to>
-                                        <p:strVal val="visible"/>
-                                      </p:to>
-                                    </p:set>
-                                  </p:childTnLst>
-                                </p:cTn>
-                              </p:par>
-                            </p:childTnLst>
-                          </p:cTn>
-                        </p:par>
-                      </p:childTnLst>
-                    </p:cTn>
-                  </p:par>
-                  <p:par>
-                    <p:cTn id="19" fill="hold">
-                      <p:stCondLst>
-                        <p:cond delay="indefinite"/>
-                      </p:stCondLst>
-                      <p:childTnLst>
-                        <p:par>
-                          <p:cTn id="20" fill="hold">
-                            <p:stCondLst>
-                              <p:cond delay="0"/>
-                            </p:stCondLst>
-                            <p:childTnLst>
-                              <p:par>
-                                <p:cTn id="21" presetID="1" presetClass="entr" presetSubtype="0" fill="hold" nodeType="clickEffect">
-                                  <p:stCondLst>
-                                    <p:cond delay="0"/>
-                                  </p:stCondLst>
-                                  <p:childTnLst>
-                                    <p:set>
-                                      <p:cBhvr>
-                                        <p:cTn id="22" dur="1" fill="hold">
-                                          <p:stCondLst>
-                                            <p:cond delay="0"/>
-                                          </p:stCondLst>
-                                        </p:cTn>
-                                        <p:tgtEl>
-                                          <p:spTgt spid="4">
-                                            <p:txEl>
-                                              <p:pRg st="8" end="8"/>
-                                            </p:txEl>
-                                          </p:spTgt>
-                                        </p:tgtEl>
-                                        <p:attrNameLst>
-                                          <p:attrName>style.visibility</p:attrName>
-                                        </p:attrNameLst>
-                                      </p:cBhvr>
-                                      <p:to>
-                                        <p:strVal val="visible"/>
-                                      </p:to>
-                                    </p:set>
-                                  </p:childTnLst>
-                                </p:cTn>
-                              </p:par>
-                            </p:childTnLst>
-                          </p:cTn>
-                        </p:par>
-                      </p:childTnLst>
-                    </p:cTn>
-                  </p:par>
-                  <p:par>
-                    <p:cTn id="23" fill="hold">
-                      <p:stCondLst>
-                        <p:cond delay="indefinite"/>
-                      </p:stCondLst>
-                      <p:childTnLst>
-                        <p:par>
-                          <p:cTn id="24" fill="hold">
-                            <p:stCondLst>
-                              <p:cond delay="0"/>
-                            </p:stCondLst>
-                            <p:childTnLst>
-                              <p:par>
-                                <p:cTn id="25" presetID="1" presetClass="entr" presetSubtype="0" fill="hold" nodeType="clickEffect">
-                                  <p:stCondLst>
-                                    <p:cond delay="0"/>
-                                  </p:stCondLst>
-                                  <p:childTnLst>
-                                    <p:set>
-                                      <p:cBhvr>
-                                        <p:cTn id="26" dur="1" fill="hold">
-                                          <p:stCondLst>
-                                            <p:cond delay="0"/>
-                                          </p:stCondLst>
-                                        </p:cTn>
-                                        <p:tgtEl>
-                                          <p:spTgt spid="4">
-                                            <p:txEl>
-                                              <p:pRg st="10" end="10"/>
-                                            </p:txEl>
-                                          </p:spTgt>
-                                        </p:tgtEl>
-                                        <p:attrNameLst>
-                                          <p:attrName>style.visibility</p:attrName>
-                                        </p:attrNameLst>
-                                      </p:cBhvr>
-                                      <p:to>
-                                        <p:strVal val="visible"/>
-                                      </p:to>
-                                    </p:set>
-                                  </p:childTnLst>
-                                </p:cTn>
-                              </p:par>
-                            </p:childTnLst>
-                          </p:cTn>
-                        </p:par>
-                      </p:childTnLst>
-                    </p:cTn>
-                  </p:par>
-                </p:childTnLst>
-              </p:cTn>
-              <p:prevCondLst>
-                <p:cond evt="onPrev" delay="0">
-                  <p:tgtEl>
-                    <p:sldTgt/>
-                  </p:tgtEl>
-                </p:cond>
-              </p:prevCondLst>
-              <p:nextCondLst>
-                <p:cond evt="onNext" delay="0">
-                  <p:tgtEl>
-                    <p:sldTgt/>
-                  </p:tgtEl>
-                </p:cond>
-              </p:nextCondLst>
-            </p:seq>
-          </p:childTnLst>
-        </p:cTn>
-      </p:par>
-    </p:tnLst>
-  </p:timing>
-</p:sld>
-</file>
-
-<file path=ppt/slides/slide15.xml><?xml version="1.0" encoding="utf-8"?>
-<p:sld xmlns:a="http://schemas.openxmlformats.org/drawingml/2006/main" xmlns:r="http://schemas.openxmlformats.org/officeDocument/2006/relationships" xmlns:p="http://schemas.openxmlformats.org/presentationml/2006/main">
-  <p:cSld>
-    <p:spTree>
-      <p:nvGrpSpPr>
-        <p:cNvPr id="1" name=""/>
-        <p:cNvGrpSpPr/>
-        <p:nvPr/>
-      </p:nvGrpSpPr>
-      <p:grpSpPr>
-        <a:xfrm>
-          <a:off x="0" y="0"/>
-          <a:ext cx="0" cy="0"/>
-          <a:chOff x="0" y="0"/>
-          <a:chExt cx="0" cy="0"/>
-        </a:xfrm>
-      </p:grpSpPr>
-      <p:sp>
-        <p:nvSpPr>
-          <p:cNvPr id="2" name="Title 1"/>
-          <p:cNvSpPr>
-            <a:spLocks noGrp="1"/>
-          </p:cNvSpPr>
-          <p:nvPr>
-            <p:ph type="title"/>
-          </p:nvPr>
-        </p:nvSpPr>
-        <p:spPr>
-          <a:xfrm>
-            <a:off x="0" y="0"/>
-            <a:ext cx="12192000" cy="935915"/>
-          </a:xfrm>
-          <a:solidFill>
-            <a:schemeClr val="tx1"/>
-          </a:solidFill>
-        </p:spPr>
-        <p:txBody>
-          <a:bodyPr>
-            <a:normAutofit/>
-          </a:bodyPr>
-          <a:lstStyle/>
-          <a:p>
-            <a:pPr algn="ctr"/>
-            <a:r>
-              <a:rPr lang="en-US" b="1" dirty="0">
-                <a:solidFill>
-                  <a:schemeClr val="bg1"/>
-                </a:solidFill>
-              </a:rPr>
-              <a:t>The Null Hypothesis </a:t>
-            </a:r>
-          </a:p>
-        </p:txBody>
-      </p:sp>
-      <mc:AlternateContent xmlns:mc="http://schemas.openxmlformats.org/markup-compatibility/2006">
-        <mc:Choice xmlns:a14="http://schemas.microsoft.com/office/drawing/2010/main" Requires="a14">
-          <p:sp>
-            <p:nvSpPr>
-              <p:cNvPr id="4" name="Rectangle 3"/>
-              <p:cNvSpPr/>
-              <p:nvPr/>
-            </p:nvSpPr>
-            <p:spPr>
-              <a:xfrm>
-                <a:off x="237995" y="1161821"/>
-                <a:ext cx="11786991" cy="5693866"/>
-              </a:xfrm>
-              <a:prstGeom prst="rect">
-                <a:avLst/>
-              </a:prstGeom>
-            </p:spPr>
-            <p:txBody>
-              <a:bodyPr wrap="square">
-                <a:spAutoFit/>
-              </a:bodyPr>
-              <a:lstStyle/>
-              <a:p>
-                <a:r>
-                  <a:rPr lang="en-US" sz="2800" dirty="0"/>
-                  <a:t>To analyze your data, you will need a statistical hypothesis to go with your scientific hypothesis </a:t>
-                </a:r>
-              </a:p>
-              <a:p>
-                <a:endParaRPr lang="en-US" sz="2800" dirty="0"/>
-              </a:p>
-              <a:p>
-                <a:r>
-                  <a:rPr lang="en-US" sz="2800" dirty="0"/>
-                  <a:t>A statistical hypothesis is most easily constructed as a null hypothesis </a:t>
-                </a:r>
-              </a:p>
-              <a:p>
-                <a:endParaRPr lang="en-US" sz="2800" dirty="0"/>
-              </a:p>
-              <a:p>
-                <a:r>
-                  <a:rPr lang="en-US" sz="2800" dirty="0"/>
-                  <a:t>A null hypothesis posits that the factor of interest has no effect</a:t>
-                </a:r>
-              </a:p>
-              <a:p>
-                <a:endParaRPr lang="en-US" sz="2800" dirty="0"/>
-              </a:p>
-              <a:p>
-                <a:pPr lvl="1"/>
-                <a:r>
-                  <a:rPr lang="en-US" sz="2800" dirty="0"/>
-                  <a:t>Frequentist test we will be looking at p-value </a:t>
-                </a:r>
-                <a14:m>
-                  <m:oMath xmlns:m="http://schemas.openxmlformats.org/officeDocument/2006/math">
-                    <m:r>
-                      <m:rPr>
-                        <m:sty m:val="p"/>
-                      </m:rPr>
-                      <a:rPr lang="en-US" sz="2800" b="0" i="0" smtClean="0">
-                        <a:latin typeface="Cambria Math" charset="0"/>
-                      </a:rPr>
-                      <m:t>Pr</m:t>
-                    </m:r>
-                    <m:r>
-                      <a:rPr lang="en-US" sz="2800" b="0" i="1" smtClean="0">
-                        <a:latin typeface="Cambria Math" charset="0"/>
-                      </a:rPr>
-                      <m:t>⁡(</m:t>
-                    </m:r>
-                    <m:r>
-                      <a:rPr lang="en-US" sz="2800" b="0" i="1" smtClean="0">
-                        <a:latin typeface="Cambria Math" panose="02040503050406030204" pitchFamily="18" charset="0"/>
-                      </a:rPr>
-                      <m:t>𝑠𝑡𝑎𝑡𝑖𝑠𝑡𝑖𝑐</m:t>
-                    </m:r>
-                    <m:r>
-                      <a:rPr lang="en-US" sz="2800" b="0" i="1" smtClean="0">
-                        <a:latin typeface="Cambria Math" charset="0"/>
-                      </a:rPr>
-                      <m:t>|</m:t>
-                    </m:r>
-                    <m:r>
-                      <a:rPr lang="en-US" sz="2800" b="0" i="1" smtClean="0">
-                        <a:latin typeface="Cambria Math" charset="0"/>
-                      </a:rPr>
-                      <m:t>𝑛𝑢𝑙𝑙</m:t>
-                    </m:r>
-                    <m:r>
-                      <a:rPr lang="en-US" sz="2800" b="0" i="1" smtClean="0">
-                        <a:latin typeface="Cambria Math" charset="0"/>
-                      </a:rPr>
-                      <m:t>)</m:t>
-                    </m:r>
-                  </m:oMath>
-                </a14:m>
-                <a:endParaRPr lang="en-US" sz="2800" dirty="0"/>
-              </a:p>
-              <a:p>
-                <a:pPr lvl="1"/>
-                <a:endParaRPr lang="en-US" sz="2800" dirty="0"/>
-              </a:p>
-              <a:p>
-                <a:pPr lvl="1"/>
-                <a:r>
-                  <a:rPr lang="en-US" sz="2800" dirty="0"/>
-                  <a:t>Bayesian approaches usually tells us if the posterior estimate of the parameter of interest overlap in our two treatments.</a:t>
-                </a:r>
-              </a:p>
-              <a:p>
-                <a:pPr lvl="1"/>
-                <a:endParaRPr lang="en-US" sz="2800" dirty="0"/>
-              </a:p>
-              <a:p>
-                <a:pPr lvl="1"/>
-                <a:endParaRPr lang="en-US" sz="2800" dirty="0"/>
-              </a:p>
-            </p:txBody>
-          </p:sp>
-        </mc:Choice>
-        <mc:Fallback>
-          <p:sp>
-            <p:nvSpPr>
-              <p:cNvPr id="4" name="Rectangle 3"/>
-              <p:cNvSpPr>
-                <a:spLocks noRot="1" noChangeAspect="1" noMove="1" noResize="1" noEditPoints="1" noAdjustHandles="1" noChangeArrowheads="1" noChangeShapeType="1" noTextEdit="1"/>
-              </p:cNvSpPr>
-              <p:nvPr/>
-            </p:nvSpPr>
-            <p:spPr>
-              <a:xfrm>
-                <a:off x="237995" y="1161821"/>
-                <a:ext cx="11786991" cy="5693866"/>
-              </a:xfrm>
-              <a:prstGeom prst="rect">
-                <a:avLst/>
-              </a:prstGeom>
-              <a:blipFill>
-                <a:blip r:embed="rId2"/>
-                <a:stretch>
-                  <a:fillRect l="-1075" t="-1114"/>
-                </a:stretch>
-              </a:blipFill>
-            </p:spPr>
-            <p:txBody>
-              <a:bodyPr/>
-              <a:lstStyle/>
-              <a:p>
-                <a:r>
-                  <a:rPr lang="en-US">
-                    <a:noFill/>
-                  </a:rPr>
-                  <a:t> </a:t>
-                </a:r>
-              </a:p>
-            </p:txBody>
-          </p:sp>
-        </mc:Fallback>
-      </mc:AlternateContent>
-    </p:spTree>
-    <p:extLst>
-      <p:ext uri="{BB962C8B-B14F-4D97-AF65-F5344CB8AC3E}">
-        <p14:creationId xmlns:p14="http://schemas.microsoft.com/office/powerpoint/2010/main" val="551499520"/>
-      </p:ext>
-    </p:extLst>
-  </p:cSld>
-  <p:clrMapOvr>
-    <a:masterClrMapping/>
-  </p:clrMapOvr>
-  <p:timing>
-    <p:tnLst>
-      <p:par>
-        <p:cTn id="1" dur="indefinite" restart="never" nodeType="tmRoot">
-          <p:childTnLst>
-            <p:seq concurrent="1" nextAc="seek">
-              <p:cTn id="2" dur="indefinite" nodeType="mainSeq">
-                <p:childTnLst>
-                  <p:par>
-                    <p:cTn id="3" fill="hold">
-                      <p:stCondLst>
-                        <p:cond delay="indefinite"/>
-                      </p:stCondLst>
-                      <p:childTnLst>
-                        <p:par>
-                          <p:cTn id="4" fill="hold">
-                            <p:stCondLst>
-                              <p:cond delay="0"/>
-                            </p:stCondLst>
-                            <p:childTnLst>
-                              <p:par>
-                                <p:cTn id="5" presetID="1" presetClass="entr" presetSubtype="0" fill="hold" nodeType="clickEffect">
-                                  <p:stCondLst>
-                                    <p:cond delay="0"/>
-                                  </p:stCondLst>
-                                  <p:childTnLst>
-                                    <p:set>
-                                      <p:cBhvr>
-                                        <p:cTn id="6" dur="1" fill="hold">
-                                          <p:stCondLst>
-                                            <p:cond delay="0"/>
-                                          </p:stCondLst>
-                                        </p:cTn>
-                                        <p:tgtEl>
-                                          <p:spTgt spid="4">
-                                            <p:txEl>
-                                              <p:pRg st="0" end="0"/>
-                                            </p:txEl>
-                                          </p:spTgt>
-                                        </p:tgtEl>
-                                        <p:attrNameLst>
-                                          <p:attrName>style.visibility</p:attrName>
-                                        </p:attrNameLst>
-                                      </p:cBhvr>
-                                      <p:to>
-                                        <p:strVal val="visible"/>
-                                      </p:to>
-                                    </p:set>
-                                  </p:childTnLst>
-                                </p:cTn>
-                              </p:par>
-                            </p:childTnLst>
-                          </p:cTn>
-                        </p:par>
-                      </p:childTnLst>
-                    </p:cTn>
-                  </p:par>
-                  <p:par>
-                    <p:cTn id="7" fill="hold">
-                      <p:stCondLst>
-                        <p:cond delay="indefinite"/>
-                      </p:stCondLst>
-                      <p:childTnLst>
-                        <p:par>
-                          <p:cTn id="8" fill="hold">
-                            <p:stCondLst>
-                              <p:cond delay="0"/>
-                            </p:stCondLst>
-                            <p:childTnLst>
-                              <p:par>
-                                <p:cTn id="9" presetID="1" presetClass="entr" presetSubtype="0" fill="hold" nodeType="clickEffect">
-                                  <p:stCondLst>
-                                    <p:cond delay="0"/>
-                                  </p:stCondLst>
-                                  <p:childTnLst>
-                                    <p:set>
-                                      <p:cBhvr>
-                                        <p:cTn id="10" dur="1" fill="hold">
-                                          <p:stCondLst>
-                                            <p:cond delay="0"/>
-                                          </p:stCondLst>
-                                        </p:cTn>
-                                        <p:tgtEl>
-                                          <p:spTgt spid="4">
-                                            <p:txEl>
-                                              <p:pRg st="2" end="2"/>
-                                            </p:txEl>
-                                          </p:spTgt>
-                                        </p:tgtEl>
-                                        <p:attrNameLst>
-                                          <p:attrName>style.visibility</p:attrName>
-                                        </p:attrNameLst>
-                                      </p:cBhvr>
-                                      <p:to>
-                                        <p:strVal val="visible"/>
-                                      </p:to>
-                                    </p:set>
-                                  </p:childTnLst>
-                                </p:cTn>
-                              </p:par>
-                            </p:childTnLst>
-                          </p:cTn>
-                        </p:par>
-                      </p:childTnLst>
-                    </p:cTn>
-                  </p:par>
-                  <p:par>
-                    <p:cTn id="11" fill="hold">
-                      <p:stCondLst>
-                        <p:cond delay="indefinite"/>
-                      </p:stCondLst>
-                      <p:childTnLst>
-                        <p:par>
-                          <p:cTn id="12" fill="hold">
-                            <p:stCondLst>
-                              <p:cond delay="0"/>
-                            </p:stCondLst>
-                            <p:childTnLst>
-                              <p:par>
-                                <p:cTn id="13" presetID="1" presetClass="entr" presetSubtype="0" fill="hold" nodeType="clickEffect">
-                                  <p:stCondLst>
-                                    <p:cond delay="0"/>
-                                  </p:stCondLst>
-                                  <p:childTnLst>
-                                    <p:set>
-                                      <p:cBhvr>
-                                        <p:cTn id="14" dur="1" fill="hold">
-                                          <p:stCondLst>
-                                            <p:cond delay="0"/>
-                                          </p:stCondLst>
-                                        </p:cTn>
-                                        <p:tgtEl>
-                                          <p:spTgt spid="4">
-                                            <p:txEl>
-                                              <p:pRg st="4" end="4"/>
-                                            </p:txEl>
-                                          </p:spTgt>
-                                        </p:tgtEl>
-                                        <p:attrNameLst>
-                                          <p:attrName>style.visibility</p:attrName>
-                                        </p:attrNameLst>
-                                      </p:cBhvr>
-                                      <p:to>
-                                        <p:strVal val="visible"/>
-                                      </p:to>
-                                    </p:set>
-                                  </p:childTnLst>
-                                </p:cTn>
-                              </p:par>
-                            </p:childTnLst>
-                          </p:cTn>
-                        </p:par>
-                      </p:childTnLst>
-                    </p:cTn>
-                  </p:par>
-                  <p:par>
-                    <p:cTn id="15" fill="hold">
-                      <p:stCondLst>
-                        <p:cond delay="indefinite"/>
-                      </p:stCondLst>
-                      <p:childTnLst>
-                        <p:par>
-                          <p:cTn id="16" fill="hold">
-                            <p:stCondLst>
-                              <p:cond delay="0"/>
-                            </p:stCondLst>
-                            <p:childTnLst>
-                              <p:par>
-                                <p:cTn id="17" presetID="1" presetClass="entr" presetSubtype="0" fill="hold" nodeType="clickEffect">
-                                  <p:stCondLst>
-                                    <p:cond delay="0"/>
-                                  </p:stCondLst>
-                                  <p:childTnLst>
-                                    <p:set>
-                                      <p:cBhvr>
-                                        <p:cTn id="18" dur="1" fill="hold">
-                                          <p:stCondLst>
-                                            <p:cond delay="0"/>
-                                          </p:stCondLst>
-                                        </p:cTn>
-                                        <p:tgtEl>
-                                          <p:spTgt spid="4">
-                                            <p:txEl>
-                                              <p:pRg st="6" end="6"/>
-                                            </p:txEl>
-                                          </p:spTgt>
-                                        </p:tgtEl>
-                                        <p:attrNameLst>
-                                          <p:attrName>style.visibility</p:attrName>
-                                        </p:attrNameLst>
-                                      </p:cBhvr>
-                                      <p:to>
-                                        <p:strVal val="visible"/>
-                                      </p:to>
-                                    </p:set>
-                                  </p:childTnLst>
-                                </p:cTn>
-                              </p:par>
-                            </p:childTnLst>
-                          </p:cTn>
-                        </p:par>
-                      </p:childTnLst>
-                    </p:cTn>
-                  </p:par>
-                  <p:par>
-                    <p:cTn id="19" fill="hold">
-                      <p:stCondLst>
-                        <p:cond delay="indefinite"/>
-                      </p:stCondLst>
-                      <p:childTnLst>
-                        <p:par>
-                          <p:cTn id="20" fill="hold">
-                            <p:stCondLst>
-                              <p:cond delay="0"/>
-                            </p:stCondLst>
-                            <p:childTnLst>
-                              <p:par>
-                                <p:cTn id="21" presetID="1" presetClass="entr" presetSubtype="0" fill="hold" nodeType="clickEffect">
-                                  <p:stCondLst>
-                                    <p:cond delay="0"/>
-                                  </p:stCondLst>
-                                  <p:childTnLst>
-                                    <p:set>
-                                      <p:cBhvr>
-                                        <p:cTn id="22" dur="1" fill="hold">
-                                          <p:stCondLst>
-                                            <p:cond delay="0"/>
-                                          </p:stCondLst>
-                                        </p:cTn>
-                                        <p:tgtEl>
-                                          <p:spTgt spid="4">
-                                            <p:txEl>
-                                              <p:pRg st="8" end="8"/>
-                                            </p:txEl>
-                                          </p:spTgt>
-                                        </p:tgtEl>
-                                        <p:attrNameLst>
-                                          <p:attrName>style.visibility</p:attrName>
-                                        </p:attrNameLst>
-                                      </p:cBhvr>
-                                      <p:to>
-                                        <p:strVal val="visible"/>
-                                      </p:to>
-                                    </p:set>
-                                  </p:childTnLst>
-                                </p:cTn>
-                              </p:par>
-                            </p:childTnLst>
-                          </p:cTn>
-                        </p:par>
-                      </p:childTnLst>
-                    </p:cTn>
-                  </p:par>
-                </p:childTnLst>
-              </p:cTn>
-              <p:prevCondLst>
-                <p:cond evt="onPrev" delay="0">
-                  <p:tgtEl>
-                    <p:sldTgt/>
-                  </p:tgtEl>
-                </p:cond>
-              </p:prevCondLst>
-              <p:nextCondLst>
-                <p:cond evt="onNext" delay="0">
-                  <p:tgtEl>
-                    <p:sldTgt/>
-                  </p:tgtEl>
-                </p:cond>
-              </p:nextCondLst>
-            </p:seq>
-          </p:childTnLst>
-        </p:cTn>
-      </p:par>
-    </p:tnLst>
-  </p:timing>
-</p:sld>
-</file>
-
-<file path=ppt/slides/slide16.xml><?xml version="1.0" encoding="utf-8"?>
-<p:sld xmlns:a="http://schemas.openxmlformats.org/drawingml/2006/main" xmlns:r="http://schemas.openxmlformats.org/officeDocument/2006/relationships" xmlns:p="http://schemas.openxmlformats.org/presentationml/2006/main">
-  <p:cSld>
-    <p:spTree>
-      <p:nvGrpSpPr>
-        <p:cNvPr id="1" name=""/>
-        <p:cNvGrpSpPr/>
-        <p:nvPr/>
-      </p:nvGrpSpPr>
-      <p:grpSpPr>
-        <a:xfrm>
-          <a:off x="0" y="0"/>
-          <a:ext cx="0" cy="0"/>
-          <a:chOff x="0" y="0"/>
-          <a:chExt cx="0" cy="0"/>
-        </a:xfrm>
-      </p:grpSpPr>
-      <p:sp>
-        <p:nvSpPr>
-          <p:cNvPr id="2" name="Title 1"/>
-          <p:cNvSpPr>
-            <a:spLocks noGrp="1"/>
-          </p:cNvSpPr>
-          <p:nvPr>
-            <p:ph type="title"/>
-          </p:nvPr>
-        </p:nvSpPr>
-        <p:spPr>
-          <a:xfrm>
-            <a:off x="0" y="0"/>
-            <a:ext cx="12192000" cy="935915"/>
-          </a:xfrm>
-          <a:solidFill>
-            <a:schemeClr val="tx1"/>
-          </a:solidFill>
-        </p:spPr>
-        <p:txBody>
-          <a:bodyPr>
-            <a:normAutofit/>
-          </a:bodyPr>
-          <a:lstStyle/>
-          <a:p>
-            <a:pPr algn="ctr"/>
-            <a:r>
-              <a:rPr lang="en-US" b="1" dirty="0">
-                <a:solidFill>
-                  <a:schemeClr val="bg1"/>
-                </a:solidFill>
-              </a:rPr>
-              <a:t>Examples of Null Hypotheses </a:t>
-            </a:r>
-          </a:p>
-        </p:txBody>
-      </p:sp>
-      <p:sp>
-        <p:nvSpPr>
-          <p:cNvPr id="4" name="Rectangle 3"/>
-          <p:cNvSpPr/>
-          <p:nvPr/>
-        </p:nvSpPr>
-        <p:spPr>
-          <a:xfrm>
-            <a:off x="237995" y="1161821"/>
-            <a:ext cx="11786991" cy="3970318"/>
-          </a:xfrm>
-          <a:prstGeom prst="rect">
-            <a:avLst/>
-          </a:prstGeom>
-        </p:spPr>
-        <p:txBody>
-          <a:bodyPr wrap="square">
-            <a:spAutoFit/>
-          </a:bodyPr>
-          <a:lstStyle/>
-          <a:p>
-            <a:r>
-              <a:rPr lang="en-US" sz="2800" dirty="0"/>
-              <a:t>Fertilizer has no effect on the growth rate of oak trees.</a:t>
-            </a:r>
-          </a:p>
-          <a:p>
-            <a:endParaRPr lang="en-US" sz="2800" dirty="0"/>
-          </a:p>
-          <a:p>
-            <a:r>
-              <a:rPr lang="en-US" sz="2800" dirty="0"/>
-              <a:t>Blocking olfactory cues has no effect on mate choice in swordtail fishes.</a:t>
-            </a:r>
-          </a:p>
-          <a:p>
-            <a:r>
-              <a:rPr lang="en-US" sz="2800" dirty="0"/>
-              <a:t> </a:t>
-            </a:r>
-          </a:p>
-          <a:p>
-            <a:r>
-              <a:rPr lang="en-US" sz="2800" dirty="0"/>
-              <a:t>Rates of genome evolution are the same in two populations.</a:t>
-            </a:r>
-          </a:p>
-          <a:p>
-            <a:endParaRPr lang="en-US" sz="2800" dirty="0"/>
-          </a:p>
-          <a:p>
-            <a:r>
-              <a:rPr lang="en-US" sz="2800" dirty="0"/>
-              <a:t>Mutations in the 5’ UTR of msl-2 have no effect on translation. </a:t>
-            </a:r>
-          </a:p>
-          <a:p>
-            <a:pPr lvl="1"/>
-            <a:endParaRPr lang="en-US" sz="2800" dirty="0"/>
-          </a:p>
-          <a:p>
-            <a:pPr lvl="1"/>
-            <a:endParaRPr lang="en-US" sz="2800" dirty="0"/>
-          </a:p>
-        </p:txBody>
-      </p:sp>
-    </p:spTree>
-    <p:extLst>
-      <p:ext uri="{BB962C8B-B14F-4D97-AF65-F5344CB8AC3E}">
-        <p14:creationId xmlns:p14="http://schemas.microsoft.com/office/powerpoint/2010/main" val="1514196902"/>
-      </p:ext>
-    </p:extLst>
-  </p:cSld>
-  <p:clrMapOvr>
-    <a:masterClrMapping/>
-  </p:clrMapOvr>
-</p:sld>
-</file>
-
-<file path=ppt/slides/slide17.xml><?xml version="1.0" encoding="utf-8"?>
-<p:sld xmlns:a="http://schemas.openxmlformats.org/drawingml/2006/main" xmlns:r="http://schemas.openxmlformats.org/officeDocument/2006/relationships" xmlns:p="http://schemas.openxmlformats.org/presentationml/2006/main">
-  <p:cSld>
-    <p:spTree>
-      <p:nvGrpSpPr>
-        <p:cNvPr id="1" name=""/>
-        <p:cNvGrpSpPr/>
-        <p:nvPr/>
-      </p:nvGrpSpPr>
-      <p:grpSpPr>
-        <a:xfrm>
-          <a:off x="0" y="0"/>
-          <a:ext cx="0" cy="0"/>
-          <a:chOff x="0" y="0"/>
-          <a:chExt cx="0" cy="0"/>
-        </a:xfrm>
-      </p:grpSpPr>
-      <p:sp>
-        <p:nvSpPr>
-          <p:cNvPr id="2" name="Title 1"/>
-          <p:cNvSpPr>
-            <a:spLocks noGrp="1"/>
-          </p:cNvSpPr>
-          <p:nvPr>
-            <p:ph type="title"/>
-          </p:nvPr>
-        </p:nvSpPr>
-        <p:spPr>
-          <a:xfrm>
-            <a:off x="0" y="0"/>
-            <a:ext cx="12192000" cy="935915"/>
-          </a:xfrm>
-          <a:solidFill>
-            <a:schemeClr val="tx1"/>
-          </a:solidFill>
-        </p:spPr>
-        <p:txBody>
-          <a:bodyPr>
-            <a:normAutofit/>
-          </a:bodyPr>
-          <a:lstStyle/>
-          <a:p>
-            <a:pPr algn="ctr"/>
-            <a:r>
-              <a:rPr lang="en-US" b="1" dirty="0">
-                <a:solidFill>
-                  <a:schemeClr val="bg1"/>
-                </a:solidFill>
-              </a:rPr>
-              <a:t>Rejecting the Null </a:t>
-            </a:r>
-          </a:p>
-        </p:txBody>
-      </p:sp>
-      <p:sp>
-        <p:nvSpPr>
-          <p:cNvPr id="4" name="Rectangle 3"/>
-          <p:cNvSpPr/>
-          <p:nvPr/>
-        </p:nvSpPr>
-        <p:spPr>
-          <a:xfrm>
-            <a:off x="237995" y="1161821"/>
-            <a:ext cx="11786991" cy="5262979"/>
-          </a:xfrm>
-          <a:prstGeom prst="rect">
-            <a:avLst/>
-          </a:prstGeom>
-        </p:spPr>
-        <p:txBody>
-          <a:bodyPr wrap="square">
-            <a:spAutoFit/>
-          </a:bodyPr>
-          <a:lstStyle/>
-          <a:p>
-            <a:pPr marL="457200" indent="-457200">
-              <a:buFont typeface="Arial" charset="0"/>
-              <a:buChar char="•"/>
-            </a:pPr>
-            <a:r>
-              <a:rPr lang="en-US" sz="2800" dirty="0"/>
-              <a:t>Your statistical test will attempt to reject the null hypothesis </a:t>
-            </a:r>
-          </a:p>
-          <a:p>
-            <a:pPr marL="457200" indent="-457200">
-              <a:buFont typeface="Arial" charset="0"/>
-              <a:buChar char="•"/>
-            </a:pPr>
-            <a:endParaRPr lang="en-US" sz="2800" dirty="0"/>
-          </a:p>
-          <a:p>
-            <a:pPr marL="457200" indent="-457200">
-              <a:buFont typeface="Arial" charset="0"/>
-              <a:buChar char="•"/>
-            </a:pPr>
-            <a:r>
-              <a:rPr lang="en-US" sz="2800" dirty="0"/>
-              <a:t>If you reject the null, then one of the alternative hypotheses must be true </a:t>
-            </a:r>
-            <a:r>
-              <a:rPr lang="mr-IN" sz="2800" dirty="0"/>
-              <a:t>–</a:t>
-            </a:r>
-            <a:r>
-              <a:rPr lang="en-US" sz="2800" dirty="0"/>
-              <a:t> though not necessarily the one you believe to be true! </a:t>
-            </a:r>
-          </a:p>
-          <a:p>
-            <a:pPr marL="457200" indent="-457200">
-              <a:buFont typeface="Arial" charset="0"/>
-              <a:buChar char="•"/>
-            </a:pPr>
-            <a:endParaRPr lang="en-US" sz="2800" dirty="0"/>
-          </a:p>
-          <a:p>
-            <a:pPr marL="457200" indent="-457200">
-              <a:buFont typeface="Arial" charset="0"/>
-              <a:buChar char="•"/>
-            </a:pPr>
-            <a:r>
-              <a:rPr lang="en-US" sz="2800" dirty="0"/>
-              <a:t>You cannot </a:t>
-            </a:r>
-            <a:r>
-              <a:rPr lang="en-US" sz="2800" b="1" u="sng" dirty="0"/>
-              <a:t>prove</a:t>
-            </a:r>
-            <a:r>
-              <a:rPr lang="en-US" sz="2800" dirty="0"/>
-              <a:t> a hypothesis, but </a:t>
-            </a:r>
-          </a:p>
-          <a:p>
-            <a:pPr marL="914400" lvl="1" indent="-457200">
-              <a:buFont typeface="Arial" charset="0"/>
-              <a:buChar char="•"/>
-            </a:pPr>
-            <a:r>
-              <a:rPr lang="en-US" sz="2800" dirty="0"/>
-              <a:t>As frequentist you can find support for an alternative by rejecting the null. The more convincing the null and the more well designed the experiment the more evidence you provide for your alternative.</a:t>
-            </a:r>
-          </a:p>
-          <a:p>
-            <a:pPr marL="914400" lvl="1" indent="-457200">
-              <a:buFont typeface="Arial" charset="0"/>
-              <a:buChar char="•"/>
-            </a:pPr>
-            <a:r>
-              <a:rPr lang="en-US" sz="2800" dirty="0"/>
-              <a:t>As a Bayesian you can compare support for two competing hypotheses. </a:t>
-            </a:r>
-          </a:p>
-          <a:p>
-            <a:pPr lvl="1"/>
-            <a:endParaRPr lang="en-US" sz="2800" dirty="0"/>
-          </a:p>
-          <a:p>
-            <a:pPr lvl="1"/>
-            <a:endParaRPr lang="en-US" sz="2800" dirty="0"/>
-          </a:p>
-        </p:txBody>
-      </p:sp>
-    </p:spTree>
-    <p:extLst>
-      <p:ext uri="{BB962C8B-B14F-4D97-AF65-F5344CB8AC3E}">
-        <p14:creationId xmlns:p14="http://schemas.microsoft.com/office/powerpoint/2010/main" val="4213732978"/>
-      </p:ext>
-    </p:extLst>
-  </p:cSld>
-  <p:clrMapOvr>
-    <a:masterClrMapping/>
-  </p:clrMapOvr>
-</p:sld>
-</file>
-
-<file path=ppt/slides/slide18.xml><?xml version="1.0" encoding="utf-8"?>
-<p:sld xmlns:a="http://schemas.openxmlformats.org/drawingml/2006/main" xmlns:r="http://schemas.openxmlformats.org/officeDocument/2006/relationships" xmlns:p="http://schemas.openxmlformats.org/presentationml/2006/main">
-  <p:cSld>
-    <p:spTree>
-      <p:nvGrpSpPr>
-        <p:cNvPr id="1" name=""/>
-        <p:cNvGrpSpPr/>
-        <p:nvPr/>
-      </p:nvGrpSpPr>
-      <p:grpSpPr>
-        <a:xfrm>
-          <a:off x="0" y="0"/>
-          <a:ext cx="0" cy="0"/>
-          <a:chOff x="0" y="0"/>
-          <a:chExt cx="0" cy="0"/>
-        </a:xfrm>
-      </p:grpSpPr>
-      <p:sp>
-        <p:nvSpPr>
-          <p:cNvPr id="2" name="Title 1"/>
-          <p:cNvSpPr>
-            <a:spLocks noGrp="1"/>
-          </p:cNvSpPr>
-          <p:nvPr>
-            <p:ph type="title"/>
-          </p:nvPr>
-        </p:nvSpPr>
-        <p:spPr>
-          <a:xfrm>
-            <a:off x="0" y="0"/>
-            <a:ext cx="12192000" cy="935915"/>
-          </a:xfrm>
-          <a:solidFill>
-            <a:schemeClr val="tx1"/>
-          </a:solidFill>
-        </p:spPr>
-        <p:txBody>
-          <a:bodyPr>
-            <a:normAutofit/>
-          </a:bodyPr>
-          <a:lstStyle/>
-          <a:p>
-            <a:pPr algn="ctr"/>
-            <a:r>
-              <a:rPr lang="en-US" b="1" dirty="0">
-                <a:solidFill>
-                  <a:schemeClr val="bg1"/>
-                </a:solidFill>
-              </a:rPr>
-              <a:t>Type I versus Type II Error</a:t>
-            </a:r>
-          </a:p>
-        </p:txBody>
-      </p:sp>
-      <p:sp>
-        <p:nvSpPr>
-          <p:cNvPr id="4" name="Rectangle 3"/>
-          <p:cNvSpPr/>
-          <p:nvPr/>
-        </p:nvSpPr>
-        <p:spPr>
-          <a:xfrm>
-            <a:off x="237995" y="1161821"/>
-            <a:ext cx="11786991" cy="4401205"/>
-          </a:xfrm>
-          <a:prstGeom prst="rect">
-            <a:avLst/>
-          </a:prstGeom>
-        </p:spPr>
-        <p:txBody>
-          <a:bodyPr wrap="square">
-            <a:spAutoFit/>
-          </a:bodyPr>
-          <a:lstStyle/>
-          <a:p>
-            <a:r>
-              <a:rPr lang="en-US" sz="2800" dirty="0"/>
-              <a:t>Type I error refers to rejecting a true null hypothesis </a:t>
-            </a:r>
-          </a:p>
-          <a:p>
-            <a:endParaRPr lang="en-US" sz="2800" dirty="0"/>
-          </a:p>
-          <a:p>
-            <a:r>
-              <a:rPr lang="en-US" sz="2800" dirty="0"/>
-              <a:t>Type II error refers to failing to reject a false null hypothesis </a:t>
-            </a:r>
-          </a:p>
-          <a:p>
-            <a:endParaRPr lang="en-US" sz="2800" dirty="0"/>
-          </a:p>
-          <a:p>
-            <a:r>
-              <a:rPr lang="en-US" sz="2800" dirty="0"/>
-              <a:t>Power is a description of our probability of rejecting a false null hypothesis </a:t>
-            </a:r>
-          </a:p>
-          <a:p>
-            <a:endParaRPr lang="en-US" sz="2800" dirty="0"/>
-          </a:p>
-          <a:p>
-            <a:r>
-              <a:rPr lang="en-US" sz="2800" dirty="0"/>
-              <a:t>We usually set up statistical tests to avoid Type I errors, at the expense of possibly committing Type II errors </a:t>
-            </a:r>
-          </a:p>
-          <a:p>
-            <a:pPr lvl="1"/>
-            <a:endParaRPr lang="en-US" sz="2800" dirty="0"/>
-          </a:p>
-          <a:p>
-            <a:pPr lvl="1"/>
-            <a:endParaRPr lang="en-US" sz="2800" dirty="0"/>
-          </a:p>
-        </p:txBody>
-      </p:sp>
-      <p:sp>
-        <p:nvSpPr>
-          <p:cNvPr id="3" name="TextBox 2"/>
-          <p:cNvSpPr txBox="1"/>
-          <p:nvPr/>
-        </p:nvSpPr>
-        <p:spPr>
-          <a:xfrm>
-            <a:off x="576197" y="5204157"/>
-            <a:ext cx="6726477" cy="1077218"/>
-          </a:xfrm>
-          <a:prstGeom prst="rect">
-            <a:avLst/>
-          </a:prstGeom>
-          <a:noFill/>
-        </p:spPr>
-        <p:txBody>
-          <a:bodyPr wrap="square" rtlCol="0">
-            <a:spAutoFit/>
-          </a:bodyPr>
-          <a:lstStyle/>
-          <a:p>
-            <a:r>
-              <a:rPr lang="en-US" sz="3200" b="1" dirty="0">
-                <a:solidFill>
-                  <a:srgbClr val="C00000"/>
-                </a:solidFill>
-              </a:rPr>
-              <a:t>Type I error = FALSE POSITIVE</a:t>
-            </a:r>
-          </a:p>
-          <a:p>
-            <a:r>
-              <a:rPr lang="en-US" sz="3200" b="1" dirty="0">
-                <a:solidFill>
-                  <a:srgbClr val="C00000"/>
-                </a:solidFill>
-              </a:rPr>
-              <a:t>1 </a:t>
-            </a:r>
-            <a:r>
-              <a:rPr lang="mr-IN" sz="3200" b="1" dirty="0">
-                <a:solidFill>
-                  <a:srgbClr val="C00000"/>
-                </a:solidFill>
-              </a:rPr>
-              <a:t>–</a:t>
-            </a:r>
-            <a:r>
-              <a:rPr lang="en-US" sz="3200" b="1" dirty="0">
-                <a:solidFill>
-                  <a:srgbClr val="C00000"/>
-                </a:solidFill>
-              </a:rPr>
-              <a:t> Type 2 error = POWER</a:t>
-            </a:r>
-          </a:p>
-        </p:txBody>
-      </p:sp>
-    </p:spTree>
-    <p:extLst>
-      <p:ext uri="{BB962C8B-B14F-4D97-AF65-F5344CB8AC3E}">
-        <p14:creationId xmlns:p14="http://schemas.microsoft.com/office/powerpoint/2010/main" val="5474229"/>
-      </p:ext>
-    </p:extLst>
-  </p:cSld>
-  <p:clrMapOvr>
-    <a:masterClrMapping/>
-  </p:clrMapOvr>
-</p:sld>
-</file>
-
-<file path=ppt/slides/slide19.xml><?xml version="1.0" encoding="utf-8"?>
-<p:sld xmlns:a="http://schemas.openxmlformats.org/drawingml/2006/main" xmlns:r="http://schemas.openxmlformats.org/officeDocument/2006/relationships" xmlns:p="http://schemas.openxmlformats.org/presentationml/2006/main">
-  <p:cSld>
-    <p:spTree>
-      <p:nvGrpSpPr>
-        <p:cNvPr id="1" name=""/>
-        <p:cNvGrpSpPr/>
-        <p:nvPr/>
-      </p:nvGrpSpPr>
-      <p:grpSpPr>
-        <a:xfrm>
-          <a:off x="0" y="0"/>
-          <a:ext cx="0" cy="0"/>
-          <a:chOff x="0" y="0"/>
-          <a:chExt cx="0" cy="0"/>
-        </a:xfrm>
-      </p:grpSpPr>
-      <p:sp>
-        <p:nvSpPr>
-          <p:cNvPr id="2" name="Title 1"/>
-          <p:cNvSpPr>
-            <a:spLocks noGrp="1"/>
-          </p:cNvSpPr>
-          <p:nvPr>
-            <p:ph type="title"/>
-          </p:nvPr>
-        </p:nvSpPr>
-        <p:spPr>
-          <a:xfrm>
-            <a:off x="0" y="0"/>
-            <a:ext cx="12192000" cy="935915"/>
-          </a:xfrm>
-          <a:solidFill>
-            <a:schemeClr val="tx1"/>
-          </a:solidFill>
-        </p:spPr>
-        <p:txBody>
-          <a:bodyPr>
-            <a:normAutofit/>
-          </a:bodyPr>
-          <a:lstStyle/>
-          <a:p>
-            <a:pPr algn="ctr"/>
-            <a:r>
-              <a:rPr lang="en-US" b="1" dirty="0">
-                <a:solidFill>
-                  <a:schemeClr val="bg1"/>
-                </a:solidFill>
-              </a:rPr>
-              <a:t>Analyzing Proportions </a:t>
-            </a:r>
-          </a:p>
-        </p:txBody>
-      </p:sp>
-      <p:sp>
-        <p:nvSpPr>
-          <p:cNvPr id="4" name="Rectangle 3"/>
-          <p:cNvSpPr/>
-          <p:nvPr/>
-        </p:nvSpPr>
-        <p:spPr>
-          <a:xfrm>
-            <a:off x="237995" y="1161821"/>
-            <a:ext cx="11786991" cy="3970318"/>
-          </a:xfrm>
-          <a:prstGeom prst="rect">
-            <a:avLst/>
-          </a:prstGeom>
-        </p:spPr>
-        <p:txBody>
-          <a:bodyPr wrap="square">
-            <a:spAutoFit/>
-          </a:bodyPr>
-          <a:lstStyle/>
-          <a:p>
-            <a:r>
-              <a:rPr lang="en-US" sz="2800" dirty="0"/>
-              <a:t>Several chapters in the book deal with this topic </a:t>
-            </a:r>
-          </a:p>
-          <a:p>
-            <a:endParaRPr lang="en-US" sz="2800" dirty="0"/>
-          </a:p>
-          <a:p>
-            <a:r>
-              <a:rPr lang="en-US" sz="2800" dirty="0"/>
-              <a:t>The experiment boils down to this: </a:t>
-            </a:r>
-          </a:p>
-          <a:p>
-            <a:pPr marL="914400" lvl="1" indent="-457200">
-              <a:buFont typeface="Arial" charset="0"/>
-              <a:buChar char="•"/>
-            </a:pPr>
-            <a:r>
-              <a:rPr lang="en-US" sz="2800" dirty="0"/>
-              <a:t>Your subjects have some alternative outcomes</a:t>
-            </a:r>
-          </a:p>
-          <a:p>
-            <a:pPr marL="914400" lvl="1" indent="-457200">
-              <a:buFont typeface="Arial" charset="0"/>
-              <a:buChar char="•"/>
-            </a:pPr>
-            <a:r>
-              <a:rPr lang="en-US" sz="2800" dirty="0"/>
-              <a:t>Each individual has some probability of each outcome</a:t>
-            </a:r>
-          </a:p>
-          <a:p>
-            <a:pPr marL="914400" lvl="1" indent="-457200">
-              <a:buFont typeface="Arial" charset="0"/>
-              <a:buChar char="•"/>
-            </a:pPr>
-            <a:r>
-              <a:rPr lang="en-US" sz="2800" dirty="0"/>
-              <a:t>You are trying to find the conditions that impact that probability</a:t>
-            </a:r>
-          </a:p>
-          <a:p>
-            <a:pPr marL="914400" lvl="1" indent="-457200">
-              <a:buFont typeface="Arial" charset="0"/>
-              <a:buChar char="•"/>
-            </a:pPr>
-            <a:endParaRPr lang="en-US" sz="2800" dirty="0"/>
-          </a:p>
-          <a:p>
-            <a:r>
-              <a:rPr lang="en-US" sz="2800" dirty="0"/>
-              <a:t>When would this type of problem come up in the biological sciences? </a:t>
-            </a:r>
-          </a:p>
-          <a:p>
-            <a:pPr lvl="1"/>
-            <a:endParaRPr lang="en-US" sz="2800" dirty="0"/>
-          </a:p>
-        </p:txBody>
-      </p:sp>
-    </p:spTree>
-    <p:extLst>
-      <p:ext uri="{BB962C8B-B14F-4D97-AF65-F5344CB8AC3E}">
-        <p14:creationId xmlns:p14="http://schemas.microsoft.com/office/powerpoint/2010/main" val="956117488"/>
-      </p:ext>
-    </p:extLst>
-  </p:cSld>
-  <p:clrMapOvr>
-    <a:masterClrMapping/>
-  </p:clrMapOvr>
-</p:sld>
-</file>
-
-<file path=ppt/slides/slide2.xml><?xml version="1.0" encoding="utf-8"?>
-<p:sld xmlns:a="http://schemas.openxmlformats.org/drawingml/2006/main" xmlns:r="http://schemas.openxmlformats.org/officeDocument/2006/relationships" xmlns:p="http://schemas.openxmlformats.org/presentationml/2006/main">
-  <p:cSld>
-    <p:spTree>
-      <p:nvGrpSpPr>
-        <p:cNvPr id="1" name=""/>
-        <p:cNvGrpSpPr/>
-        <p:nvPr/>
-      </p:nvGrpSpPr>
-      <p:grpSpPr>
-        <a:xfrm>
-          <a:off x="0" y="0"/>
-          <a:ext cx="0" cy="0"/>
-          <a:chOff x="0" y="0"/>
-          <a:chExt cx="0" cy="0"/>
-        </a:xfrm>
-      </p:grpSpPr>
-      <p:sp>
-        <p:nvSpPr>
-          <p:cNvPr id="2" name="Title 1"/>
-          <p:cNvSpPr>
-            <a:spLocks noGrp="1"/>
-          </p:cNvSpPr>
-          <p:nvPr>
-            <p:ph type="title"/>
-          </p:nvPr>
-        </p:nvSpPr>
-        <p:spPr>
-          <a:xfrm>
-            <a:off x="0" y="0"/>
-            <a:ext cx="12192000" cy="935915"/>
-          </a:xfrm>
-          <a:solidFill>
-            <a:schemeClr val="tx1"/>
-          </a:solidFill>
-        </p:spPr>
-        <p:txBody>
-          <a:bodyPr/>
-          <a:lstStyle/>
-          <a:p>
-            <a:pPr algn="ctr"/>
-            <a:r>
-              <a:rPr lang="en-US" b="1" dirty="0">
-                <a:solidFill>
-                  <a:schemeClr val="bg1"/>
-                </a:solidFill>
-              </a:rPr>
-              <a:t>Last week</a:t>
-            </a:r>
-          </a:p>
-        </p:txBody>
-      </p:sp>
-      <p:sp>
-        <p:nvSpPr>
-          <p:cNvPr id="4" name="Rectangle 3"/>
-          <p:cNvSpPr/>
-          <p:nvPr/>
-        </p:nvSpPr>
-        <p:spPr>
-          <a:xfrm>
-            <a:off x="204396" y="1762479"/>
-            <a:ext cx="11801138" cy="1938992"/>
-          </a:xfrm>
-          <a:prstGeom prst="rect">
-            <a:avLst/>
-          </a:prstGeom>
-        </p:spPr>
-        <p:txBody>
-          <a:bodyPr wrap="square">
-            <a:spAutoFit/>
-          </a:bodyPr>
-          <a:lstStyle/>
-          <a:p>
-            <a:pPr marL="742950" indent="-742950">
-              <a:buFont typeface="+mj-lt"/>
-              <a:buAutoNum type="arabicPeriod"/>
-            </a:pPr>
-            <a:r>
-              <a:rPr lang="en-US" sz="4000" dirty="0"/>
-              <a:t>If I say the 95% CI is 1.2-1.7, what do I mean?</a:t>
-            </a:r>
-          </a:p>
-          <a:p>
-            <a:pPr marL="742950" indent="-742950">
-              <a:buFont typeface="+mj-lt"/>
-              <a:buAutoNum type="arabicPeriod"/>
-            </a:pPr>
-            <a:endParaRPr lang="en-US" sz="4000" dirty="0"/>
-          </a:p>
-          <a:p>
-            <a:pPr marL="742950" indent="-742950">
-              <a:buFont typeface="+mj-lt"/>
-              <a:buAutoNum type="arabicPeriod"/>
-            </a:pPr>
-            <a:r>
-              <a:rPr lang="en-US" sz="4000" dirty="0"/>
-              <a:t>What is the difference in a parameter and a statistic?</a:t>
-            </a:r>
-          </a:p>
-        </p:txBody>
-      </p:sp>
-    </p:spTree>
-    <p:extLst>
-      <p:ext uri="{BB962C8B-B14F-4D97-AF65-F5344CB8AC3E}">
-        <p14:creationId xmlns:p14="http://schemas.microsoft.com/office/powerpoint/2010/main" val="617954734"/>
-      </p:ext>
-    </p:extLst>
-  </p:cSld>
-  <p:clrMapOvr>
-    <a:masterClrMapping/>
-  </p:clrMapOvr>
-</p:sld>
-</file>
-
-<file path=ppt/slides/slide20.xml><?xml version="1.0" encoding="utf-8"?>
-<p:sld xmlns:a="http://schemas.openxmlformats.org/drawingml/2006/main" xmlns:r="http://schemas.openxmlformats.org/officeDocument/2006/relationships" xmlns:p="http://schemas.openxmlformats.org/presentationml/2006/main">
-  <p:cSld>
-    <p:spTree>
-      <p:nvGrpSpPr>
-        <p:cNvPr id="1" name=""/>
-        <p:cNvGrpSpPr/>
-        <p:nvPr/>
-      </p:nvGrpSpPr>
-      <p:grpSpPr>
-        <a:xfrm>
-          <a:off x="0" y="0"/>
-          <a:ext cx="0" cy="0"/>
-          <a:chOff x="0" y="0"/>
-          <a:chExt cx="0" cy="0"/>
-        </a:xfrm>
-      </p:grpSpPr>
-      <p:sp>
-        <p:nvSpPr>
-          <p:cNvPr id="2" name="Title 1"/>
-          <p:cNvSpPr>
-            <a:spLocks noGrp="1"/>
-          </p:cNvSpPr>
-          <p:nvPr>
-            <p:ph type="title"/>
-          </p:nvPr>
-        </p:nvSpPr>
-        <p:spPr>
-          <a:xfrm>
-            <a:off x="0" y="0"/>
-            <a:ext cx="12192000" cy="935915"/>
-          </a:xfrm>
-          <a:solidFill>
-            <a:schemeClr val="tx1"/>
-          </a:solidFill>
-        </p:spPr>
-        <p:txBody>
-          <a:bodyPr/>
-          <a:lstStyle/>
-          <a:p>
-            <a:pPr algn="ctr"/>
-            <a:r>
-              <a:rPr lang="en-US" b="1" dirty="0">
-                <a:solidFill>
-                  <a:schemeClr val="bg1"/>
-                </a:solidFill>
-              </a:rPr>
-              <a:t>Terms to know for probability</a:t>
-            </a:r>
-          </a:p>
-        </p:txBody>
-      </p:sp>
-      <p:sp>
-        <p:nvSpPr>
-          <p:cNvPr id="4" name="Rectangle 3"/>
-          <p:cNvSpPr/>
-          <p:nvPr/>
-        </p:nvSpPr>
-        <p:spPr>
-          <a:xfrm>
-            <a:off x="195431" y="1006798"/>
-            <a:ext cx="11801138" cy="5632311"/>
-          </a:xfrm>
-          <a:prstGeom prst="rect">
-            <a:avLst/>
-          </a:prstGeom>
-        </p:spPr>
-        <p:txBody>
-          <a:bodyPr wrap="square">
-            <a:spAutoFit/>
-          </a:bodyPr>
-          <a:lstStyle/>
-          <a:p>
-            <a:r>
-              <a:rPr lang="en-US" sz="2400" b="1" dirty="0"/>
-              <a:t>Sample space:</a:t>
-            </a:r>
-            <a:r>
-              <a:rPr lang="en-US" sz="2400" dirty="0"/>
-              <a:t> All the potential outcomes of a random trial.</a:t>
-            </a:r>
-          </a:p>
-          <a:p>
-            <a:endParaRPr lang="en-US" sz="2400" dirty="0"/>
-          </a:p>
-          <a:p>
-            <a:r>
-              <a:rPr lang="en-US" sz="2400" b="1" dirty="0"/>
-              <a:t>Probability:</a:t>
-            </a:r>
-            <a:r>
-              <a:rPr lang="en-US" sz="2400" dirty="0"/>
-              <a:t> The proportion of events with a given outcome if the random trial was repeated many times.</a:t>
-            </a:r>
-          </a:p>
-          <a:p>
-            <a:endParaRPr lang="en-US" sz="2400" dirty="0"/>
-          </a:p>
-          <a:p>
-            <a:r>
-              <a:rPr lang="en-US" sz="2400" b="1" dirty="0"/>
-              <a:t>Mutually exclusive:</a:t>
-            </a:r>
-            <a:r>
-              <a:rPr lang="en-US" sz="2400" dirty="0"/>
-              <a:t> If one outcome excludes the others, they are mutually exclusive.</a:t>
-            </a:r>
-          </a:p>
-          <a:p>
-            <a:endParaRPr lang="en-US" sz="2400" dirty="0"/>
-          </a:p>
-          <a:p>
-            <a:r>
-              <a:rPr lang="en-US" sz="2400" b="1" dirty="0"/>
-              <a:t>Conditional probability:</a:t>
-            </a:r>
-            <a:r>
-              <a:rPr lang="en-US" sz="2400" dirty="0"/>
-              <a:t> The probability of one outcome, if we know that some other outcome occurred.</a:t>
-            </a:r>
-          </a:p>
-          <a:p>
-            <a:endParaRPr lang="en-US" sz="2400" dirty="0"/>
-          </a:p>
-          <a:p>
-            <a:r>
-              <a:rPr lang="en-US" sz="2400" b="1" dirty="0"/>
-              <a:t>Independent:</a:t>
-            </a:r>
-            <a:r>
-              <a:rPr lang="en-US" sz="2400" dirty="0"/>
-              <a:t> When one outcome provides no information about another, they are independent.</a:t>
-            </a:r>
-          </a:p>
-          <a:p>
-            <a:endParaRPr lang="en-US" sz="2400" dirty="0"/>
-          </a:p>
-          <a:p>
-            <a:r>
-              <a:rPr lang="en-US" sz="2400" b="1" dirty="0"/>
-              <a:t>Non-Independent:</a:t>
-            </a:r>
-            <a:r>
-              <a:rPr lang="en-US" sz="2400" dirty="0"/>
-              <a:t> When knowing one outcome changes the probability of another, they are non-independent.</a:t>
-            </a:r>
-            <a:endParaRPr lang="en-US" sz="4800" dirty="0"/>
-          </a:p>
-        </p:txBody>
-      </p:sp>
-    </p:spTree>
-    <p:extLst>
-      <p:ext uri="{BB962C8B-B14F-4D97-AF65-F5344CB8AC3E}">
-        <p14:creationId xmlns:p14="http://schemas.microsoft.com/office/powerpoint/2010/main" val="1632464439"/>
-      </p:ext>
-    </p:extLst>
-  </p:cSld>
-  <p:clrMapOvr>
-    <a:masterClrMapping/>
-  </p:clrMapOvr>
-</p:sld>
-</file>
-
-<file path=ppt/slides/slide21.xml><?xml version="1.0" encoding="utf-8"?>
-<p:sld xmlns:a="http://schemas.openxmlformats.org/drawingml/2006/main" xmlns:r="http://schemas.openxmlformats.org/officeDocument/2006/relationships" xmlns:p="http://schemas.openxmlformats.org/presentationml/2006/main">
-  <p:cSld>
-    <p:spTree>
-      <p:nvGrpSpPr>
-        <p:cNvPr id="1" name=""/>
-        <p:cNvGrpSpPr/>
-        <p:nvPr/>
-      </p:nvGrpSpPr>
-      <p:grpSpPr>
-        <a:xfrm>
-          <a:off x="0" y="0"/>
-          <a:ext cx="0" cy="0"/>
-          <a:chOff x="0" y="0"/>
-          <a:chExt cx="0" cy="0"/>
-        </a:xfrm>
-      </p:grpSpPr>
-      <p:sp>
-        <p:nvSpPr>
-          <p:cNvPr id="2" name="Title 1"/>
-          <p:cNvSpPr>
-            <a:spLocks noGrp="1"/>
-          </p:cNvSpPr>
-          <p:nvPr>
-            <p:ph type="title"/>
-          </p:nvPr>
-        </p:nvSpPr>
-        <p:spPr>
-          <a:xfrm>
-            <a:off x="0" y="0"/>
-            <a:ext cx="12192000" cy="935915"/>
-          </a:xfrm>
-          <a:solidFill>
-            <a:schemeClr val="tx1"/>
-          </a:solidFill>
-        </p:spPr>
-        <p:txBody>
-          <a:bodyPr/>
-          <a:lstStyle/>
-          <a:p>
-            <a:pPr algn="ctr"/>
-            <a:r>
-              <a:rPr lang="en-US" b="1" dirty="0">
-                <a:solidFill>
-                  <a:schemeClr val="bg1"/>
-                </a:solidFill>
-              </a:rPr>
-              <a:t>Terms to know for probability</a:t>
-            </a:r>
-          </a:p>
-        </p:txBody>
-      </p:sp>
-      <p:pic>
-        <p:nvPicPr>
-          <p:cNvPr id="5" name="Picture 4">
-            <a:extLst>
-              <a:ext uri="{FF2B5EF4-FFF2-40B4-BE49-F238E27FC236}">
-                <a16:creationId xmlns:a16="http://schemas.microsoft.com/office/drawing/2014/main" id="{6C0C8C1D-9D04-BD48-8A20-8548BCFB5B69}"/>
-              </a:ext>
-            </a:extLst>
-          </p:cNvPr>
-          <p:cNvPicPr>
-            <a:picLocks noChangeAspect="1"/>
-          </p:cNvPicPr>
-          <p:nvPr/>
-        </p:nvPicPr>
-        <p:blipFill>
-          <a:blip r:embed="rId2">
-            <a:extLst>
-              <a:ext uri="{28A0092B-C50C-407E-A947-70E740481C1C}">
-                <a14:useLocalDpi xmlns:a14="http://schemas.microsoft.com/office/drawing/2010/main" val="0"/>
-              </a:ext>
-            </a:extLst>
-          </a:blip>
-          <a:stretch>
-            <a:fillRect/>
-          </a:stretch>
-        </p:blipFill>
-        <p:spPr>
-          <a:xfrm>
-            <a:off x="3547706" y="935915"/>
-            <a:ext cx="5401388" cy="4558850"/>
-          </a:xfrm>
-          <a:prstGeom prst="rect">
-            <a:avLst/>
-          </a:prstGeom>
-        </p:spPr>
-      </p:pic>
-      <p:sp>
-        <p:nvSpPr>
-          <p:cNvPr id="3" name="TextBox 2">
-            <a:extLst>
-              <a:ext uri="{FF2B5EF4-FFF2-40B4-BE49-F238E27FC236}">
-                <a16:creationId xmlns:a16="http://schemas.microsoft.com/office/drawing/2014/main" id="{C06B9171-FB39-6A4F-89B6-03E2B5A93873}"/>
-              </a:ext>
-            </a:extLst>
-          </p:cNvPr>
-          <p:cNvSpPr txBox="1"/>
-          <p:nvPr/>
-        </p:nvSpPr>
-        <p:spPr>
-          <a:xfrm>
-            <a:off x="755073" y="5784349"/>
-            <a:ext cx="10986654" cy="646331"/>
-          </a:xfrm>
-          <a:prstGeom prst="rect">
-            <a:avLst/>
-          </a:prstGeom>
-          <a:noFill/>
-        </p:spPr>
-        <p:txBody>
-          <a:bodyPr wrap="square" rtlCol="0">
-            <a:spAutoFit/>
-          </a:bodyPr>
-          <a:lstStyle/>
-          <a:p>
-            <a:r>
-              <a:rPr lang="en-US" dirty="0"/>
-              <a:t>Conditional probability: The probability of being struck by lightning changes if you know the statistic about 45 American a year being killed by lightning</a:t>
-            </a:r>
-          </a:p>
-        </p:txBody>
-      </p:sp>
-    </p:spTree>
-    <p:extLst>
-      <p:ext uri="{BB962C8B-B14F-4D97-AF65-F5344CB8AC3E}">
-        <p14:creationId xmlns:p14="http://schemas.microsoft.com/office/powerpoint/2010/main" val="3498413816"/>
-      </p:ext>
-    </p:extLst>
-  </p:cSld>
-  <p:clrMapOvr>
-    <a:masterClrMapping/>
-  </p:clrMapOvr>
-  <p:timing>
-    <p:tnLst>
-      <p:par>
-        <p:cTn id="1" dur="indefinite" restart="never" nodeType="tmRoot">
-          <p:childTnLst>
-            <p:seq concurrent="1" nextAc="seek">
-              <p:cTn id="2" dur="indefinite" nodeType="mainSeq">
-                <p:childTnLst>
-                  <p:par>
-                    <p:cTn id="3" fill="hold">
-                      <p:stCondLst>
-                        <p:cond delay="indefinite"/>
-                      </p:stCondLst>
-                      <p:childTnLst>
-                        <p:par>
-                          <p:cTn id="4" fill="hold">
-                            <p:stCondLst>
-                              <p:cond delay="0"/>
-                            </p:stCondLst>
-                            <p:childTnLst>
-                              <p:par>
-                                <p:cTn id="5" presetID="1" presetClass="entr" presetSubtype="0" fill="hold" grpId="0" nodeType="clickEffect">
-                                  <p:stCondLst>
-                                    <p:cond delay="0"/>
-                                  </p:stCondLst>
-                                  <p:childTnLst>
-                                    <p:set>
-                                      <p:cBhvr>
-                                        <p:cTn id="6" dur="1" fill="hold">
-                                          <p:stCondLst>
-                                            <p:cond delay="0"/>
-                                          </p:stCondLst>
-                                        </p:cTn>
-                                        <p:tgtEl>
-                                          <p:spTgt spid="3"/>
-                                        </p:tgtEl>
-                                        <p:attrNameLst>
-                                          <p:attrName>style.visibility</p:attrName>
-                                        </p:attrNameLst>
-                                      </p:cBhvr>
-                                      <p:to>
-                                        <p:strVal val="visible"/>
-                                      </p:to>
-                                    </p:set>
-                                  </p:childTnLst>
-                                </p:cTn>
-                              </p:par>
-                            </p:childTnLst>
-                          </p:cTn>
-                        </p:par>
-                      </p:childTnLst>
-                    </p:cTn>
-                  </p:par>
-                </p:childTnLst>
-              </p:cTn>
-              <p:prevCondLst>
-                <p:cond evt="onPrev" delay="0">
-                  <p:tgtEl>
-                    <p:sldTgt/>
-                  </p:tgtEl>
-                </p:cond>
-              </p:prevCondLst>
-              <p:nextCondLst>
-                <p:cond evt="onNext" delay="0">
-                  <p:tgtEl>
-                    <p:sldTgt/>
-                  </p:tgtEl>
-                </p:cond>
-              </p:nextCondLst>
-            </p:seq>
-          </p:childTnLst>
-        </p:cTn>
-      </p:par>
-    </p:tnLst>
-    <p:bldLst>
-      <p:bldP spid="3" grpId="0"/>
-    </p:bldLst>
-  </p:timing>
-</p:sld>
-</file>
-
-<file path=ppt/slides/slide22.xml><?xml version="1.0" encoding="utf-8"?>
-<p:sld xmlns:a="http://schemas.openxmlformats.org/drawingml/2006/main" xmlns:r="http://schemas.openxmlformats.org/officeDocument/2006/relationships" xmlns:p="http://schemas.openxmlformats.org/presentationml/2006/main">
-  <p:cSld>
-    <p:spTree>
-      <p:nvGrpSpPr>
-        <p:cNvPr id="1" name=""/>
-        <p:cNvGrpSpPr/>
-        <p:nvPr/>
-      </p:nvGrpSpPr>
-      <p:grpSpPr>
-        <a:xfrm>
-          <a:off x="0" y="0"/>
-          <a:ext cx="0" cy="0"/>
-          <a:chOff x="0" y="0"/>
-          <a:chExt cx="0" cy="0"/>
-        </a:xfrm>
-      </p:grpSpPr>
-      <p:sp>
-        <p:nvSpPr>
-          <p:cNvPr id="2" name="Title 1"/>
-          <p:cNvSpPr>
-            <a:spLocks noGrp="1"/>
-          </p:cNvSpPr>
-          <p:nvPr>
-            <p:ph type="title"/>
-          </p:nvPr>
-        </p:nvSpPr>
-        <p:spPr>
-          <a:xfrm>
-            <a:off x="0" y="0"/>
-            <a:ext cx="12192000" cy="935915"/>
-          </a:xfrm>
-          <a:solidFill>
-            <a:schemeClr val="tx1"/>
-          </a:solidFill>
-        </p:spPr>
-        <p:txBody>
-          <a:bodyPr/>
-          <a:lstStyle/>
-          <a:p>
-            <a:pPr algn="ctr"/>
-            <a:r>
-              <a:rPr lang="en-US" b="1" dirty="0">
-                <a:solidFill>
-                  <a:schemeClr val="bg1"/>
-                </a:solidFill>
-              </a:rPr>
-              <a:t>A simple example</a:t>
-            </a:r>
-          </a:p>
-        </p:txBody>
-      </p:sp>
-      <p:sp>
-        <p:nvSpPr>
-          <p:cNvPr id="4" name="Rectangle 3"/>
-          <p:cNvSpPr/>
-          <p:nvPr/>
-        </p:nvSpPr>
-        <p:spPr>
-          <a:xfrm>
-            <a:off x="195431" y="935915"/>
-            <a:ext cx="11801138" cy="5909310"/>
-          </a:xfrm>
-          <a:prstGeom prst="rect">
-            <a:avLst/>
-          </a:prstGeom>
-        </p:spPr>
-        <p:txBody>
-          <a:bodyPr wrap="square">
-            <a:spAutoFit/>
-          </a:bodyPr>
-          <a:lstStyle/>
-          <a:p>
-            <a:r>
-              <a:rPr lang="en-US" sz="3200" dirty="0"/>
-              <a:t>What is the probability of drawing an ace then a king from a deck cards?</a:t>
-            </a:r>
-          </a:p>
-          <a:p>
-            <a:endParaRPr lang="en-US" sz="3200" dirty="0"/>
-          </a:p>
-          <a:p>
-            <a:r>
-              <a:rPr lang="en-US" sz="3200" dirty="0"/>
-              <a:t>What is the sample space?</a:t>
-            </a:r>
-          </a:p>
-          <a:p>
-            <a:endParaRPr lang="en-US" sz="3200" dirty="0"/>
-          </a:p>
-          <a:p>
-            <a:r>
-              <a:rPr lang="en-US" sz="3200" dirty="0"/>
-              <a:t>Are the events independent or dependent?</a:t>
-            </a:r>
-          </a:p>
-          <a:p>
-            <a:endParaRPr lang="en-US" sz="3200" dirty="0"/>
-          </a:p>
-          <a:p>
-            <a:r>
-              <a:rPr lang="en-US" sz="3200" dirty="0"/>
-              <a:t>What is the probability of this event?</a:t>
-            </a:r>
-          </a:p>
-          <a:p>
-            <a:endParaRPr lang="en-US" sz="3200" dirty="0"/>
-          </a:p>
-          <a:p>
-            <a:r>
-              <a:rPr lang="en-US" sz="3200" dirty="0"/>
-              <a:t>What is the conditional probability of drawing a king if we have already drawn an ace?</a:t>
-            </a:r>
-            <a:endParaRPr lang="en-US" sz="200" dirty="0"/>
-          </a:p>
-          <a:p>
-            <a:endParaRPr lang="en-US" sz="200" dirty="0"/>
-          </a:p>
-          <a:p>
-            <a:endParaRPr lang="en-US" sz="200" dirty="0"/>
-          </a:p>
-          <a:p>
-            <a:pPr algn="r"/>
-            <a:r>
-              <a:rPr lang="en-US" sz="2000" dirty="0">
-                <a:solidFill>
-                  <a:schemeClr val="tx1">
-                    <a:lumMod val="50000"/>
-                    <a:lumOff val="50000"/>
-                  </a:schemeClr>
-                </a:solidFill>
-              </a:rPr>
-              <a:t>assume standard deck with no jokers</a:t>
-            </a:r>
-          </a:p>
-        </p:txBody>
-      </p:sp>
-    </p:spTree>
-    <p:extLst>
-      <p:ext uri="{BB962C8B-B14F-4D97-AF65-F5344CB8AC3E}">
-        <p14:creationId xmlns:p14="http://schemas.microsoft.com/office/powerpoint/2010/main" val="3198898071"/>
-      </p:ext>
-    </p:extLst>
-  </p:cSld>
-  <p:clrMapOvr>
-    <a:masterClrMapping/>
-  </p:clrMapOvr>
-</p:sld>
-</file>
-
-<file path=ppt/slides/slide23.xml><?xml version="1.0" encoding="utf-8"?>
-<p:sld xmlns:a="http://schemas.openxmlformats.org/drawingml/2006/main" xmlns:r="http://schemas.openxmlformats.org/officeDocument/2006/relationships" xmlns:p="http://schemas.openxmlformats.org/presentationml/2006/main">
-  <p:cSld>
-    <p:spTree>
-      <p:nvGrpSpPr>
-        <p:cNvPr id="1" name=""/>
-        <p:cNvGrpSpPr/>
-        <p:nvPr/>
-      </p:nvGrpSpPr>
-      <p:grpSpPr>
-        <a:xfrm>
-          <a:off x="0" y="0"/>
-          <a:ext cx="0" cy="0"/>
-          <a:chOff x="0" y="0"/>
-          <a:chExt cx="0" cy="0"/>
-        </a:xfrm>
-      </p:grpSpPr>
-      <p:sp>
-        <p:nvSpPr>
-          <p:cNvPr id="2" name="Title 1"/>
-          <p:cNvSpPr>
-            <a:spLocks noGrp="1"/>
-          </p:cNvSpPr>
-          <p:nvPr>
-            <p:ph type="title"/>
-          </p:nvPr>
-        </p:nvSpPr>
-        <p:spPr>
-          <a:xfrm>
-            <a:off x="0" y="0"/>
-            <a:ext cx="12192000" cy="935915"/>
-          </a:xfrm>
-          <a:solidFill>
-            <a:schemeClr val="tx1"/>
-          </a:solidFill>
-        </p:spPr>
-        <p:txBody>
-          <a:bodyPr/>
-          <a:lstStyle/>
-          <a:p>
-            <a:pPr algn="ctr"/>
-            <a:r>
-              <a:rPr lang="en-US" b="1" dirty="0">
-                <a:solidFill>
-                  <a:srgbClr val="FF0000"/>
-                </a:solidFill>
-              </a:rPr>
-              <a:t>What is a p-value?</a:t>
-            </a:r>
-          </a:p>
-        </p:txBody>
-      </p:sp>
-      <p:sp>
-        <p:nvSpPr>
-          <p:cNvPr id="4" name="Rectangle 3"/>
-          <p:cNvSpPr/>
-          <p:nvPr/>
-        </p:nvSpPr>
-        <p:spPr>
-          <a:xfrm>
-            <a:off x="468643" y="1107407"/>
-            <a:ext cx="11522243" cy="954107"/>
-          </a:xfrm>
-          <a:prstGeom prst="rect">
-            <a:avLst/>
-          </a:prstGeom>
-        </p:spPr>
-        <p:txBody>
-          <a:bodyPr wrap="square">
-            <a:spAutoFit/>
-          </a:bodyPr>
-          <a:lstStyle/>
-          <a:p>
-            <a:r>
-              <a:rPr lang="en-US" sz="2800" dirty="0">
-                <a:solidFill>
-                  <a:srgbClr val="222222"/>
-                </a:solidFill>
-                <a:latin typeface="Roboto" charset="0"/>
-              </a:rPr>
-              <a:t>Is the probability of finding the observed, or more extreme, statistic when the null hypothesis is true (generating the data).</a:t>
-            </a:r>
-            <a:endParaRPr lang="en-US" sz="2800" dirty="0"/>
-          </a:p>
-        </p:txBody>
-      </p:sp>
-      <p:grpSp>
-        <p:nvGrpSpPr>
-          <p:cNvPr id="11" name="Group 10">
-            <a:extLst>
-              <a:ext uri="{FF2B5EF4-FFF2-40B4-BE49-F238E27FC236}">
-                <a16:creationId xmlns:a16="http://schemas.microsoft.com/office/drawing/2014/main" id="{6BDC10BC-69B2-1C48-879F-6B505F41AD24}"/>
-              </a:ext>
-            </a:extLst>
-          </p:cNvPr>
-          <p:cNvGrpSpPr/>
-          <p:nvPr/>
-        </p:nvGrpSpPr>
-        <p:grpSpPr>
-          <a:xfrm>
-            <a:off x="572937" y="2459640"/>
-            <a:ext cx="10600477" cy="4022935"/>
-            <a:chOff x="572937" y="2459640"/>
-            <a:chExt cx="10600477" cy="4022935"/>
-          </a:xfrm>
-        </p:grpSpPr>
-        <mc:AlternateContent xmlns:mc="http://schemas.openxmlformats.org/markup-compatibility/2006">
-          <mc:Choice xmlns:a14="http://schemas.microsoft.com/office/drawing/2010/main" Requires="a14">
-            <p:sp>
-              <p:nvSpPr>
-                <p:cNvPr id="6" name="Rectangle 5">
-                  <a:extLst>
-                    <a:ext uri="{FF2B5EF4-FFF2-40B4-BE49-F238E27FC236}">
-                      <a16:creationId xmlns:a16="http://schemas.microsoft.com/office/drawing/2014/main" id="{F7CCEEDC-9F7A-9447-B95B-78DAFFB4B62E}"/>
-                    </a:ext>
-                  </a:extLst>
-                </p:cNvPr>
-                <p:cNvSpPr/>
-                <p:nvPr/>
-              </p:nvSpPr>
-              <p:spPr>
-                <a:xfrm>
-                  <a:off x="7959264" y="3631211"/>
-                  <a:ext cx="3214150" cy="1268552"/>
-                </a:xfrm>
-                <a:prstGeom prst="rect">
-                  <a:avLst/>
-                </a:prstGeom>
-              </p:spPr>
-              <p:txBody>
-                <a:bodyPr wrap="none">
-                  <a:spAutoFit/>
-                </a:bodyPr>
-                <a:lstStyle/>
-                <a:p>
-                  <a14:m>
-                    <m:oMathPara xmlns:m="http://schemas.openxmlformats.org/officeDocument/2006/math">
-                      <m:oMathParaPr>
-                        <m:jc m:val="centerGroup"/>
-                      </m:oMathParaPr>
-                      <m:oMath xmlns:m="http://schemas.openxmlformats.org/officeDocument/2006/math">
-                        <m:sSup>
-                          <m:sSupPr>
-                            <m:ctrlPr>
-                              <a:rPr lang="en-US" sz="2800" i="1">
-                                <a:latin typeface="Cambria Math" panose="02040503050406030204" pitchFamily="18" charset="0"/>
-                              </a:rPr>
-                            </m:ctrlPr>
-                          </m:sSupPr>
-                          <m:e>
-                            <m:r>
-                              <a:rPr lang="en-US" sz="2800" i="1">
-                                <a:latin typeface="Cambria Math" charset="0"/>
-                                <a:ea typeface="Cambria Math" charset="0"/>
-                                <a:cs typeface="Cambria Math" charset="0"/>
-                              </a:rPr>
-                              <m:t>𝜒</m:t>
-                            </m:r>
-                          </m:e>
-                          <m:sup>
-                            <m:r>
-                              <a:rPr lang="en-US" sz="2800" i="1">
-                                <a:latin typeface="Cambria Math" charset="0"/>
-                              </a:rPr>
-                              <m:t>2</m:t>
-                            </m:r>
-                          </m:sup>
-                        </m:sSup>
-                        <m:r>
-                          <a:rPr lang="en-US" sz="2800" i="1">
-                            <a:latin typeface="Cambria Math" charset="0"/>
-                          </a:rPr>
-                          <m:t>=</m:t>
-                        </m:r>
-                        <m:nary>
-                          <m:naryPr>
-                            <m:chr m:val="∑"/>
-                            <m:ctrlPr>
-                              <a:rPr lang="is-IS" sz="2800" i="1">
-                                <a:latin typeface="Cambria Math" panose="02040503050406030204" pitchFamily="18" charset="0"/>
-                              </a:rPr>
-                            </m:ctrlPr>
-                          </m:naryPr>
-                          <m:sub>
-                            <m:r>
-                              <m:rPr>
-                                <m:brk m:alnAt="23"/>
-                              </m:rPr>
-                              <a:rPr lang="en-US" sz="2800" i="1">
-                                <a:latin typeface="Cambria Math" charset="0"/>
-                              </a:rPr>
-                              <m:t>𝑖</m:t>
-                            </m:r>
-                            <m:r>
-                              <a:rPr lang="en-US" sz="2800" i="1">
-                                <a:latin typeface="Cambria Math" charset="0"/>
-                              </a:rPr>
-                              <m:t>=1</m:t>
-                            </m:r>
-                          </m:sub>
-                          <m:sup>
-                            <m:r>
-                              <a:rPr lang="en-US" sz="2800" i="1">
-                                <a:latin typeface="Cambria Math" charset="0"/>
-                              </a:rPr>
-                              <m:t>𝑛</m:t>
-                            </m:r>
-                          </m:sup>
-                          <m:e>
-                            <m:f>
-                              <m:fPr>
-                                <m:ctrlPr>
-                                  <a:rPr lang="mr-IN" sz="2800" i="1">
-                                    <a:latin typeface="Cambria Math" panose="02040503050406030204" pitchFamily="18" charset="0"/>
-                                  </a:rPr>
-                                </m:ctrlPr>
-                              </m:fPr>
-                              <m:num>
-                                <m:sSup>
-                                  <m:sSupPr>
-                                    <m:ctrlPr>
-                                      <a:rPr lang="mr-IN" sz="2800" i="1">
-                                        <a:latin typeface="Cambria Math" panose="02040503050406030204" pitchFamily="18" charset="0"/>
-                                      </a:rPr>
-                                    </m:ctrlPr>
-                                  </m:sSupPr>
-                                  <m:e>
-                                    <m:d>
-                                      <m:dPr>
-                                        <m:ctrlPr>
-                                          <a:rPr lang="mr-IN" sz="2800" i="1">
-                                            <a:latin typeface="Cambria Math" panose="02040503050406030204" pitchFamily="18" charset="0"/>
-                                          </a:rPr>
-                                        </m:ctrlPr>
-                                      </m:dPr>
-                                      <m:e>
-                                        <m:sSub>
-                                          <m:sSubPr>
-                                            <m:ctrlPr>
-                                              <a:rPr lang="en-US" sz="2800" i="1">
-                                                <a:latin typeface="Cambria Math" panose="02040503050406030204" pitchFamily="18" charset="0"/>
-                                              </a:rPr>
-                                            </m:ctrlPr>
-                                          </m:sSubPr>
-                                          <m:e>
-                                            <m:r>
-                                              <a:rPr lang="en-US" sz="2800" i="1">
-                                                <a:latin typeface="Cambria Math" charset="0"/>
-                                              </a:rPr>
-                                              <m:t>𝑂</m:t>
-                                            </m:r>
-                                          </m:e>
-                                          <m:sub>
-                                            <m:r>
-                                              <a:rPr lang="en-US" sz="2800" i="1">
-                                                <a:latin typeface="Cambria Math" charset="0"/>
-                                              </a:rPr>
-                                              <m:t>𝑖</m:t>
-                                            </m:r>
-                                          </m:sub>
-                                        </m:sSub>
-                                        <m:r>
-                                          <a:rPr lang="en-US" sz="2800" i="1">
-                                            <a:latin typeface="Cambria Math" charset="0"/>
-                                          </a:rPr>
-                                          <m:t>−</m:t>
-                                        </m:r>
-                                        <m:sSub>
-                                          <m:sSubPr>
-                                            <m:ctrlPr>
-                                              <a:rPr lang="en-US" sz="2800" i="1">
-                                                <a:latin typeface="Cambria Math" panose="02040503050406030204" pitchFamily="18" charset="0"/>
-                                              </a:rPr>
-                                            </m:ctrlPr>
-                                          </m:sSubPr>
-                                          <m:e>
-                                            <m:r>
-                                              <a:rPr lang="en-US" sz="2800" i="1">
-                                                <a:latin typeface="Cambria Math" charset="0"/>
-                                              </a:rPr>
-                                              <m:t>𝐸</m:t>
-                                            </m:r>
-                                          </m:e>
-                                          <m:sub>
-                                            <m:r>
-                                              <a:rPr lang="en-US" sz="2800" i="1">
-                                                <a:latin typeface="Cambria Math" charset="0"/>
-                                              </a:rPr>
-                                              <m:t>𝑖</m:t>
-                                            </m:r>
-                                          </m:sub>
-                                        </m:sSub>
-                                      </m:e>
-                                    </m:d>
-                                  </m:e>
-                                  <m:sup>
-                                    <m:r>
-                                      <a:rPr lang="en-US" sz="2800" i="1">
-                                        <a:latin typeface="Cambria Math" charset="0"/>
-                                      </a:rPr>
-                                      <m:t>2</m:t>
-                                    </m:r>
-                                  </m:sup>
-                                </m:sSup>
-                              </m:num>
-                              <m:den>
-                                <m:sSub>
-                                  <m:sSubPr>
-                                    <m:ctrlPr>
-                                      <a:rPr lang="en-US" sz="2800" i="1">
-                                        <a:latin typeface="Cambria Math" panose="02040503050406030204" pitchFamily="18" charset="0"/>
-                                      </a:rPr>
-                                    </m:ctrlPr>
-                                  </m:sSubPr>
-                                  <m:e>
-                                    <m:r>
-                                      <a:rPr lang="en-US" sz="2800" i="1">
-                                        <a:latin typeface="Cambria Math" charset="0"/>
-                                      </a:rPr>
-                                      <m:t>𝐸</m:t>
-                                    </m:r>
-                                  </m:e>
-                                  <m:sub>
-                                    <m:r>
-                                      <a:rPr lang="en-US" sz="2800" i="1">
-                                        <a:latin typeface="Cambria Math" charset="0"/>
-                                      </a:rPr>
-                                      <m:t>𝑖</m:t>
-                                    </m:r>
-                                  </m:sub>
-                                </m:sSub>
-                              </m:den>
-                            </m:f>
-                          </m:e>
-                        </m:nary>
-                      </m:oMath>
-                    </m:oMathPara>
-                  </a14:m>
-                  <a:endParaRPr lang="en-US" sz="2800" dirty="0"/>
-                </a:p>
-              </p:txBody>
-            </p:sp>
-          </mc:Choice>
-          <mc:Fallback>
-            <p:sp>
-              <p:nvSpPr>
-                <p:cNvPr id="6" name="Rectangle 5">
-                  <a:extLst>
-                    <a:ext uri="{FF2B5EF4-FFF2-40B4-BE49-F238E27FC236}">
-                      <a16:creationId xmlns:a16="http://schemas.microsoft.com/office/drawing/2014/main" id="{F7CCEEDC-9F7A-9447-B95B-78DAFFB4B62E}"/>
-                    </a:ext>
-                  </a:extLst>
-                </p:cNvPr>
-                <p:cNvSpPr>
-                  <a:spLocks noRot="1" noChangeAspect="1" noMove="1" noResize="1" noEditPoints="1" noAdjustHandles="1" noChangeArrowheads="1" noChangeShapeType="1" noTextEdit="1"/>
-                </p:cNvSpPr>
-                <p:nvPr/>
-              </p:nvSpPr>
-              <p:spPr>
-                <a:xfrm>
-                  <a:off x="7959264" y="3631211"/>
-                  <a:ext cx="3214150" cy="1268552"/>
-                </a:xfrm>
-                <a:prstGeom prst="rect">
-                  <a:avLst/>
-                </a:prstGeom>
-                <a:blipFill>
-                  <a:blip r:embed="rId2"/>
-                  <a:stretch>
-                    <a:fillRect l="-10630" t="-108000" b="-164000"/>
-                  </a:stretch>
-                </a:blipFill>
-              </p:spPr>
-              <p:txBody>
-                <a:bodyPr/>
-                <a:lstStyle/>
-                <a:p>
-                  <a:r>
-                    <a:rPr lang="en-US">
-                      <a:noFill/>
-                    </a:rPr>
-                    <a:t> </a:t>
-                  </a:r>
-                </a:p>
-              </p:txBody>
-            </p:sp>
-          </mc:Fallback>
-        </mc:AlternateContent>
-        <p:grpSp>
-          <p:nvGrpSpPr>
-            <p:cNvPr id="10" name="Group 9">
-              <a:extLst>
-                <a:ext uri="{FF2B5EF4-FFF2-40B4-BE49-F238E27FC236}">
-                  <a16:creationId xmlns:a16="http://schemas.microsoft.com/office/drawing/2014/main" id="{C036184B-C663-C44B-940D-0416FA90882B}"/>
-                </a:ext>
-              </a:extLst>
-            </p:cNvPr>
-            <p:cNvGrpSpPr/>
-            <p:nvPr/>
-          </p:nvGrpSpPr>
-          <p:grpSpPr>
-            <a:xfrm>
-              <a:off x="572937" y="2459640"/>
-              <a:ext cx="6513848" cy="4022935"/>
-              <a:chOff x="572937" y="2459640"/>
-              <a:chExt cx="6513848" cy="4022935"/>
-            </a:xfrm>
-          </p:grpSpPr>
-          <p:pic>
-            <p:nvPicPr>
-              <p:cNvPr id="7" name="Picture 6">
-                <a:extLst>
-                  <a:ext uri="{FF2B5EF4-FFF2-40B4-BE49-F238E27FC236}">
-                    <a16:creationId xmlns:a16="http://schemas.microsoft.com/office/drawing/2014/main" id="{D99C80AA-D8E0-6F4C-A438-2BCA971D766D}"/>
-                  </a:ext>
-                </a:extLst>
-              </p:cNvPr>
-              <p:cNvPicPr>
-                <a:picLocks noChangeAspect="1"/>
-              </p:cNvPicPr>
-              <p:nvPr/>
-            </p:nvPicPr>
-            <p:blipFill>
-              <a:blip r:embed="rId3">
-                <a:extLst>
-                  <a:ext uri="{28A0092B-C50C-407E-A947-70E740481C1C}">
-                    <a14:useLocalDpi xmlns:a14="http://schemas.microsoft.com/office/drawing/2010/main" val="0"/>
-                  </a:ext>
-                </a:extLst>
-              </a:blip>
-              <a:stretch>
-                <a:fillRect/>
-              </a:stretch>
-            </p:blipFill>
-            <p:spPr>
-              <a:xfrm>
-                <a:off x="572937" y="2459640"/>
-                <a:ext cx="6513848" cy="4022935"/>
-              </a:xfrm>
-              <a:prstGeom prst="rect">
-                <a:avLst/>
-              </a:prstGeom>
-            </p:spPr>
-          </p:pic>
-          <p:sp>
-            <p:nvSpPr>
-              <p:cNvPr id="8" name="Right Brace 7">
-                <a:extLst>
-                  <a:ext uri="{FF2B5EF4-FFF2-40B4-BE49-F238E27FC236}">
-                    <a16:creationId xmlns:a16="http://schemas.microsoft.com/office/drawing/2014/main" id="{4FA08B6B-987A-1B4E-B032-43D9FD6ACAFA}"/>
-                  </a:ext>
-                </a:extLst>
-              </p:cNvPr>
-              <p:cNvSpPr/>
-              <p:nvPr/>
-            </p:nvSpPr>
-            <p:spPr>
-              <a:xfrm>
-                <a:off x="2795239" y="2802673"/>
-                <a:ext cx="267629" cy="1538868"/>
-              </a:xfrm>
-              <a:prstGeom prst="rightBrace">
-                <a:avLst/>
-              </a:prstGeom>
-              <a:ln w="28575"/>
-            </p:spPr>
-            <p:style>
-              <a:lnRef idx="1">
-                <a:schemeClr val="dk1"/>
-              </a:lnRef>
-              <a:fillRef idx="0">
-                <a:schemeClr val="dk1"/>
-              </a:fillRef>
-              <a:effectRef idx="0">
-                <a:schemeClr val="dk1"/>
-              </a:effectRef>
-              <a:fontRef idx="minor">
-                <a:schemeClr val="tx1"/>
-              </a:fontRef>
-            </p:style>
-            <p:txBody>
-              <a:bodyPr rtlCol="0" anchor="ctr"/>
-              <a:lstStyle/>
-              <a:p>
-                <a:pPr algn="ctr"/>
-                <a:endParaRPr lang="en-US"/>
-              </a:p>
-            </p:txBody>
-          </p:sp>
-          <p:sp>
-            <p:nvSpPr>
-              <p:cNvPr id="9" name="TextBox 8">
-                <a:extLst>
-                  <a:ext uri="{FF2B5EF4-FFF2-40B4-BE49-F238E27FC236}">
-                    <a16:creationId xmlns:a16="http://schemas.microsoft.com/office/drawing/2014/main" id="{06F0DF0F-6DA9-7344-91D4-36A1A08D76F7}"/>
-                  </a:ext>
-                </a:extLst>
-              </p:cNvPr>
-              <p:cNvSpPr txBox="1"/>
-              <p:nvPr/>
-            </p:nvSpPr>
-            <p:spPr>
-              <a:xfrm>
-                <a:off x="3266720" y="3031047"/>
-                <a:ext cx="3820065" cy="1200329"/>
-              </a:xfrm>
-              <a:prstGeom prst="rect">
-                <a:avLst/>
-              </a:prstGeom>
-              <a:noFill/>
-            </p:spPr>
-            <p:txBody>
-              <a:bodyPr wrap="square" rtlCol="0">
-                <a:spAutoFit/>
-              </a:bodyPr>
-              <a:lstStyle/>
-              <a:p>
-                <a:r>
-                  <a:rPr lang="en-US" dirty="0"/>
-                  <a:t>Number of women on titanic who survived (first column) or died (second column) in first, second, third, or crew classes (rows 1:4 respectively). </a:t>
-                </a:r>
-              </a:p>
-            </p:txBody>
-          </p:sp>
-        </p:grpSp>
-      </p:grpSp>
-    </p:spTree>
-    <p:extLst>
-      <p:ext uri="{BB962C8B-B14F-4D97-AF65-F5344CB8AC3E}">
-        <p14:creationId xmlns:p14="http://schemas.microsoft.com/office/powerpoint/2010/main" val="804797343"/>
-      </p:ext>
-    </p:extLst>
-  </p:cSld>
-  <p:clrMapOvr>
-    <a:masterClrMapping/>
-  </p:clrMapOvr>
-  <p:timing>
-    <p:tnLst>
-      <p:par>
-        <p:cTn id="1" dur="indefinite" restart="never" nodeType="tmRoot">
-          <p:childTnLst>
-            <p:seq concurrent="1" nextAc="seek">
-              <p:cTn id="2" dur="indefinite" nodeType="mainSeq">
-                <p:childTnLst>
-                  <p:par>
-                    <p:cTn id="3" fill="hold">
-                      <p:stCondLst>
-                        <p:cond delay="indefinite"/>
-                      </p:stCondLst>
-                      <p:childTnLst>
-                        <p:par>
-                          <p:cTn id="4" fill="hold">
-                            <p:stCondLst>
-                              <p:cond delay="0"/>
-                            </p:stCondLst>
-                            <p:childTnLst>
-                              <p:par>
-                                <p:cTn id="5" presetID="1" presetClass="entr" presetSubtype="0" fill="hold" grpId="0" nodeType="clickEffect">
-                                  <p:stCondLst>
-                                    <p:cond delay="0"/>
-                                  </p:stCondLst>
-                                  <p:childTnLst>
-                                    <p:set>
-                                      <p:cBhvr>
-                                        <p:cTn id="6" dur="1" fill="hold">
-                                          <p:stCondLst>
-                                            <p:cond delay="0"/>
-                                          </p:stCondLst>
-                                        </p:cTn>
-                                        <p:tgtEl>
-                                          <p:spTgt spid="4"/>
-                                        </p:tgtEl>
-                                        <p:attrNameLst>
-                                          <p:attrName>style.visibility</p:attrName>
-                                        </p:attrNameLst>
-                                      </p:cBhvr>
-                                      <p:to>
-                                        <p:strVal val="visible"/>
-                                      </p:to>
-                                    </p:set>
-                                  </p:childTnLst>
-                                </p:cTn>
-                              </p:par>
-                            </p:childTnLst>
-                          </p:cTn>
-                        </p:par>
-                      </p:childTnLst>
-                    </p:cTn>
-                  </p:par>
-                  <p:par>
-                    <p:cTn id="7" fill="hold">
-                      <p:stCondLst>
-                        <p:cond delay="indefinite"/>
-                      </p:stCondLst>
-                      <p:childTnLst>
-                        <p:par>
-                          <p:cTn id="8" fill="hold">
-                            <p:stCondLst>
-                              <p:cond delay="0"/>
-                            </p:stCondLst>
-                            <p:childTnLst>
-                              <p:par>
-                                <p:cTn id="9" presetID="1" presetClass="entr" presetSubtype="0" fill="hold" nodeType="clickEffect">
-                                  <p:stCondLst>
-                                    <p:cond delay="0"/>
-                                  </p:stCondLst>
-                                  <p:childTnLst>
-                                    <p:set>
-                                      <p:cBhvr>
-                                        <p:cTn id="10" dur="1" fill="hold">
-                                          <p:stCondLst>
-                                            <p:cond delay="0"/>
-                                          </p:stCondLst>
-                                        </p:cTn>
-                                        <p:tgtEl>
-                                          <p:spTgt spid="11"/>
-                                        </p:tgtEl>
-                                        <p:attrNameLst>
-                                          <p:attrName>style.visibility</p:attrName>
-                                        </p:attrNameLst>
-                                      </p:cBhvr>
-                                      <p:to>
-                                        <p:strVal val="visible"/>
-                                      </p:to>
-                                    </p:set>
-                                  </p:childTnLst>
-                                </p:cTn>
-                              </p:par>
-                            </p:childTnLst>
-                          </p:cTn>
-                        </p:par>
-                      </p:childTnLst>
-                    </p:cTn>
-                  </p:par>
-                </p:childTnLst>
-              </p:cTn>
-              <p:prevCondLst>
-                <p:cond evt="onPrev" delay="0">
-                  <p:tgtEl>
-                    <p:sldTgt/>
-                  </p:tgtEl>
-                </p:cond>
-              </p:prevCondLst>
-              <p:nextCondLst>
-                <p:cond evt="onNext" delay="0">
-                  <p:tgtEl>
-                    <p:sldTgt/>
-                  </p:tgtEl>
-                </p:cond>
-              </p:nextCondLst>
-            </p:seq>
-          </p:childTnLst>
-        </p:cTn>
-      </p:par>
-    </p:tnLst>
-    <p:bldLst>
-      <p:bldP spid="4" grpId="0"/>
-    </p:bldLst>
-  </p:timing>
-</p:sld>
-</file>
-
-<file path=ppt/slides/slide24.xml><?xml version="1.0" encoding="utf-8"?>
-<p:sld xmlns:a="http://schemas.openxmlformats.org/drawingml/2006/main" xmlns:r="http://schemas.openxmlformats.org/officeDocument/2006/relationships" xmlns:p="http://schemas.openxmlformats.org/presentationml/2006/main">
-  <p:cSld>
-    <p:spTree>
-      <p:nvGrpSpPr>
-        <p:cNvPr id="1" name=""/>
-        <p:cNvGrpSpPr/>
-        <p:nvPr/>
-      </p:nvGrpSpPr>
-      <p:grpSpPr>
-        <a:xfrm>
-          <a:off x="0" y="0"/>
-          <a:ext cx="0" cy="0"/>
-          <a:chOff x="0" y="0"/>
-          <a:chExt cx="0" cy="0"/>
-        </a:xfrm>
-      </p:grpSpPr>
-      <p:sp>
-        <p:nvSpPr>
-          <p:cNvPr id="2" name="Title 1"/>
-          <p:cNvSpPr>
-            <a:spLocks noGrp="1"/>
-          </p:cNvSpPr>
-          <p:nvPr>
-            <p:ph type="title"/>
-          </p:nvPr>
-        </p:nvSpPr>
-        <p:spPr>
-          <a:xfrm>
-            <a:off x="0" y="0"/>
-            <a:ext cx="12192000" cy="935915"/>
-          </a:xfrm>
-          <a:solidFill>
-            <a:schemeClr val="tx1"/>
-          </a:solidFill>
-        </p:spPr>
-        <p:txBody>
-          <a:bodyPr/>
-          <a:lstStyle/>
-          <a:p>
-            <a:pPr algn="ctr"/>
-            <a:r>
-              <a:rPr lang="en-US" b="1" dirty="0">
-                <a:solidFill>
-                  <a:srgbClr val="FF0000"/>
-                </a:solidFill>
-              </a:rPr>
-              <a:t>Misconceptions about p-values</a:t>
-            </a:r>
-          </a:p>
-        </p:txBody>
-      </p:sp>
-      <p:sp>
-        <p:nvSpPr>
-          <p:cNvPr id="3" name="Rectangle 2">
-            <a:extLst>
-              <a:ext uri="{FF2B5EF4-FFF2-40B4-BE49-F238E27FC236}">
-                <a16:creationId xmlns:a16="http://schemas.microsoft.com/office/drawing/2014/main" id="{221BCD65-3244-1340-98F4-015FC84107E2}"/>
-              </a:ext>
-            </a:extLst>
-          </p:cNvPr>
-          <p:cNvSpPr/>
-          <p:nvPr/>
-        </p:nvSpPr>
-        <p:spPr>
-          <a:xfrm>
-            <a:off x="443345" y="1176010"/>
-            <a:ext cx="11388436" cy="4031873"/>
-          </a:xfrm>
-          <a:prstGeom prst="rect">
-            <a:avLst/>
-          </a:prstGeom>
-        </p:spPr>
-        <p:txBody>
-          <a:bodyPr wrap="square">
-            <a:spAutoFit/>
-          </a:bodyPr>
-          <a:lstStyle/>
-          <a:p>
-            <a:r>
-              <a:rPr lang="en-US" sz="2400" dirty="0">
-                <a:solidFill>
-                  <a:srgbClr val="202122"/>
-                </a:solidFill>
-                <a:latin typeface="Arial" panose="020B0604020202020204" pitchFamily="34" charset="0"/>
-              </a:rPr>
-              <a:t>The p-value is not the probability that the observed statistic is due to random chance.</a:t>
-            </a:r>
-          </a:p>
-          <a:p>
-            <a:endParaRPr lang="en-US" sz="2400" dirty="0">
-              <a:solidFill>
-                <a:srgbClr val="202122"/>
-              </a:solidFill>
-              <a:latin typeface="Arial" panose="020B0604020202020204" pitchFamily="34" charset="0"/>
-            </a:endParaRPr>
-          </a:p>
-          <a:p>
-            <a:r>
-              <a:rPr lang="en-US" sz="2400" dirty="0">
-                <a:solidFill>
-                  <a:srgbClr val="202122"/>
-                </a:solidFill>
-                <a:latin typeface="Arial" panose="020B0604020202020204" pitchFamily="34" charset="0"/>
-              </a:rPr>
-              <a:t>A p-value is not the probability that your alternative is false.</a:t>
-            </a:r>
-          </a:p>
-          <a:p>
-            <a:endParaRPr lang="en-US" sz="2400" dirty="0">
-              <a:solidFill>
-                <a:srgbClr val="202122"/>
-              </a:solidFill>
-              <a:latin typeface="Arial" panose="020B0604020202020204" pitchFamily="34" charset="0"/>
-            </a:endParaRPr>
-          </a:p>
-          <a:p>
-            <a:r>
-              <a:rPr lang="en-US" sz="2400" dirty="0">
-                <a:solidFill>
-                  <a:srgbClr val="202122"/>
-                </a:solidFill>
-                <a:latin typeface="Arial" panose="020B0604020202020204" pitchFamily="34" charset="0"/>
-              </a:rPr>
-              <a:t>A p-value is not the probability that the null hypothesis is true.</a:t>
-            </a:r>
-          </a:p>
-          <a:p>
-            <a:endParaRPr lang="en-US" sz="2400" dirty="0">
-              <a:solidFill>
-                <a:srgbClr val="202122"/>
-              </a:solidFill>
-              <a:latin typeface="Arial" panose="020B0604020202020204" pitchFamily="34" charset="0"/>
-            </a:endParaRPr>
-          </a:p>
-          <a:p>
-            <a:r>
-              <a:rPr lang="en-US" sz="2400" dirty="0">
-                <a:solidFill>
-                  <a:srgbClr val="202122"/>
-                </a:solidFill>
-                <a:latin typeface="Arial" panose="020B0604020202020204" pitchFamily="34" charset="0"/>
-              </a:rPr>
-              <a:t>The magnitude of the p-value does not indicate the importance of an effect. Statistical significance does not equate to biological significance.</a:t>
-            </a:r>
-            <a:endParaRPr lang="en-US" sz="2400" baseline="30000" dirty="0">
-              <a:solidFill>
-                <a:srgbClr val="0645AD"/>
-              </a:solidFill>
-              <a:latin typeface="Arial" panose="020B0604020202020204" pitchFamily="34" charset="0"/>
-            </a:endParaRPr>
-          </a:p>
-          <a:p>
-            <a:endParaRPr lang="en-US" sz="2400" baseline="30000" dirty="0">
-              <a:solidFill>
-                <a:srgbClr val="0645AD"/>
-              </a:solidFill>
-              <a:latin typeface="Arial" panose="020B0604020202020204" pitchFamily="34" charset="0"/>
-            </a:endParaRPr>
-          </a:p>
-          <a:p>
-            <a:r>
-              <a:rPr lang="en-US" sz="2400" dirty="0">
-                <a:solidFill>
-                  <a:srgbClr val="202122"/>
-                </a:solidFill>
-                <a:latin typeface="Arial" panose="020B0604020202020204" pitchFamily="34" charset="0"/>
-              </a:rPr>
-              <a:t>Studies with p-values on opposite sides of 0.05 are equally “correct”.</a:t>
-            </a:r>
-            <a:endParaRPr lang="en-US" sz="2400" dirty="0">
-              <a:solidFill>
-                <a:srgbClr val="202122"/>
-              </a:solidFill>
-              <a:effectLst/>
-              <a:latin typeface="Arial" panose="020B0604020202020204" pitchFamily="34" charset="0"/>
-            </a:endParaRPr>
-          </a:p>
-        </p:txBody>
-      </p:sp>
-    </p:spTree>
-    <p:extLst>
-      <p:ext uri="{BB962C8B-B14F-4D97-AF65-F5344CB8AC3E}">
-        <p14:creationId xmlns:p14="http://schemas.microsoft.com/office/powerpoint/2010/main" val="2011851239"/>
-      </p:ext>
-    </p:extLst>
-  </p:cSld>
-  <p:clrMapOvr>
-    <a:masterClrMapping/>
-  </p:clrMapOvr>
-  <p:timing>
-    <p:tnLst>
-      <p:par>
-        <p:cTn id="1" dur="indefinite" restart="never" nodeType="tmRoot">
-          <p:childTnLst>
-            <p:seq concurrent="1" nextAc="seek">
-              <p:cTn id="2" dur="indefinite" nodeType="mainSeq">
-                <p:childTnLst>
-                  <p:par>
-                    <p:cTn id="3" fill="hold">
-                      <p:stCondLst>
-                        <p:cond delay="indefinite"/>
-                      </p:stCondLst>
-                      <p:childTnLst>
-                        <p:par>
-                          <p:cTn id="4" fill="hold">
-                            <p:stCondLst>
-                              <p:cond delay="0"/>
-                            </p:stCondLst>
-                            <p:childTnLst>
-                              <p:par>
-                                <p:cTn id="5" presetID="1" presetClass="entr" presetSubtype="0" fill="hold" nodeType="clickEffect">
-                                  <p:stCondLst>
-                                    <p:cond delay="0"/>
-                                  </p:stCondLst>
-                                  <p:childTnLst>
-                                    <p:set>
-                                      <p:cBhvr>
-                                        <p:cTn id="6" dur="1" fill="hold">
-                                          <p:stCondLst>
-                                            <p:cond delay="0"/>
-                                          </p:stCondLst>
-                                        </p:cTn>
-                                        <p:tgtEl>
-                                          <p:spTgt spid="3">
-                                            <p:txEl>
-                                              <p:pRg st="0" end="0"/>
-                                            </p:txEl>
-                                          </p:spTgt>
-                                        </p:tgtEl>
-                                        <p:attrNameLst>
-                                          <p:attrName>style.visibility</p:attrName>
-                                        </p:attrNameLst>
-                                      </p:cBhvr>
-                                      <p:to>
-                                        <p:strVal val="visible"/>
-                                      </p:to>
-                                    </p:set>
-                                  </p:childTnLst>
-                                </p:cTn>
-                              </p:par>
-                            </p:childTnLst>
-                          </p:cTn>
-                        </p:par>
-                      </p:childTnLst>
-                    </p:cTn>
-                  </p:par>
-                  <p:par>
-                    <p:cTn id="7" fill="hold">
-                      <p:stCondLst>
-                        <p:cond delay="indefinite"/>
-                      </p:stCondLst>
-                      <p:childTnLst>
-                        <p:par>
-                          <p:cTn id="8" fill="hold">
-                            <p:stCondLst>
-                              <p:cond delay="0"/>
-                            </p:stCondLst>
-                            <p:childTnLst>
-                              <p:par>
-                                <p:cTn id="9" presetID="1" presetClass="entr" presetSubtype="0" fill="hold" nodeType="clickEffect">
-                                  <p:stCondLst>
-                                    <p:cond delay="0"/>
-                                  </p:stCondLst>
-                                  <p:childTnLst>
-                                    <p:set>
-                                      <p:cBhvr>
-                                        <p:cTn id="10" dur="1" fill="hold">
-                                          <p:stCondLst>
-                                            <p:cond delay="0"/>
-                                          </p:stCondLst>
-                                        </p:cTn>
-                                        <p:tgtEl>
-                                          <p:spTgt spid="3">
-                                            <p:txEl>
-                                              <p:pRg st="2" end="2"/>
-                                            </p:txEl>
-                                          </p:spTgt>
-                                        </p:tgtEl>
-                                        <p:attrNameLst>
-                                          <p:attrName>style.visibility</p:attrName>
-                                        </p:attrNameLst>
-                                      </p:cBhvr>
-                                      <p:to>
-                                        <p:strVal val="visible"/>
-                                      </p:to>
-                                    </p:set>
-                                  </p:childTnLst>
-                                </p:cTn>
-                              </p:par>
-                            </p:childTnLst>
-                          </p:cTn>
-                        </p:par>
-                      </p:childTnLst>
-                    </p:cTn>
-                  </p:par>
-                  <p:par>
-                    <p:cTn id="11" fill="hold">
-                      <p:stCondLst>
-                        <p:cond delay="indefinite"/>
-                      </p:stCondLst>
-                      <p:childTnLst>
-                        <p:par>
-                          <p:cTn id="12" fill="hold">
-                            <p:stCondLst>
-                              <p:cond delay="0"/>
-                            </p:stCondLst>
-                            <p:childTnLst>
-                              <p:par>
-                                <p:cTn id="13" presetID="1" presetClass="entr" presetSubtype="0" fill="hold" nodeType="clickEffect">
-                                  <p:stCondLst>
-                                    <p:cond delay="0"/>
-                                  </p:stCondLst>
-                                  <p:childTnLst>
-                                    <p:set>
-                                      <p:cBhvr>
-                                        <p:cTn id="14" dur="1" fill="hold">
-                                          <p:stCondLst>
-                                            <p:cond delay="0"/>
-                                          </p:stCondLst>
-                                        </p:cTn>
-                                        <p:tgtEl>
-                                          <p:spTgt spid="3">
-                                            <p:txEl>
-                                              <p:pRg st="4" end="4"/>
-                                            </p:txEl>
-                                          </p:spTgt>
-                                        </p:tgtEl>
-                                        <p:attrNameLst>
-                                          <p:attrName>style.visibility</p:attrName>
-                                        </p:attrNameLst>
-                                      </p:cBhvr>
-                                      <p:to>
-                                        <p:strVal val="visible"/>
-                                      </p:to>
-                                    </p:set>
-                                  </p:childTnLst>
-                                </p:cTn>
-                              </p:par>
-                            </p:childTnLst>
-                          </p:cTn>
-                        </p:par>
-                      </p:childTnLst>
-                    </p:cTn>
-                  </p:par>
-                  <p:par>
-                    <p:cTn id="15" fill="hold">
-                      <p:stCondLst>
-                        <p:cond delay="indefinite"/>
-                      </p:stCondLst>
-                      <p:childTnLst>
-                        <p:par>
-                          <p:cTn id="16" fill="hold">
-                            <p:stCondLst>
-                              <p:cond delay="0"/>
-                            </p:stCondLst>
-                            <p:childTnLst>
-                              <p:par>
-                                <p:cTn id="17" presetID="1" presetClass="entr" presetSubtype="0" fill="hold" nodeType="clickEffect">
-                                  <p:stCondLst>
-                                    <p:cond delay="0"/>
-                                  </p:stCondLst>
-                                  <p:childTnLst>
-                                    <p:set>
-                                      <p:cBhvr>
-                                        <p:cTn id="18" dur="1" fill="hold">
-                                          <p:stCondLst>
-                                            <p:cond delay="0"/>
-                                          </p:stCondLst>
-                                        </p:cTn>
-                                        <p:tgtEl>
-                                          <p:spTgt spid="3">
-                                            <p:txEl>
-                                              <p:pRg st="6" end="6"/>
-                                            </p:txEl>
-                                          </p:spTgt>
-                                        </p:tgtEl>
-                                        <p:attrNameLst>
-                                          <p:attrName>style.visibility</p:attrName>
-                                        </p:attrNameLst>
-                                      </p:cBhvr>
-                                      <p:to>
-                                        <p:strVal val="visible"/>
-                                      </p:to>
-                                    </p:set>
-                                  </p:childTnLst>
-                                </p:cTn>
-                              </p:par>
-                            </p:childTnLst>
-                          </p:cTn>
-                        </p:par>
-                      </p:childTnLst>
-                    </p:cTn>
-                  </p:par>
-                  <p:par>
-                    <p:cTn id="19" fill="hold">
-                      <p:stCondLst>
-                        <p:cond delay="indefinite"/>
-                      </p:stCondLst>
-                      <p:childTnLst>
-                        <p:par>
-                          <p:cTn id="20" fill="hold">
-                            <p:stCondLst>
-                              <p:cond delay="0"/>
-                            </p:stCondLst>
-                            <p:childTnLst>
-                              <p:par>
-                                <p:cTn id="21" presetID="1" presetClass="entr" presetSubtype="0" fill="hold" nodeType="clickEffect">
-                                  <p:stCondLst>
-                                    <p:cond delay="0"/>
-                                  </p:stCondLst>
-                                  <p:childTnLst>
-                                    <p:set>
-                                      <p:cBhvr>
-                                        <p:cTn id="22" dur="1" fill="hold">
-                                          <p:stCondLst>
-                                            <p:cond delay="0"/>
-                                          </p:stCondLst>
-                                        </p:cTn>
-                                        <p:tgtEl>
-                                          <p:spTgt spid="3">
-                                            <p:txEl>
-                                              <p:pRg st="8" end="8"/>
-                                            </p:txEl>
-                                          </p:spTgt>
-                                        </p:tgtEl>
-                                        <p:attrNameLst>
-                                          <p:attrName>style.visibility</p:attrName>
-                                        </p:attrNameLst>
-                                      </p:cBhvr>
-                                      <p:to>
-                                        <p:strVal val="visible"/>
-                                      </p:to>
-                                    </p:set>
-                                  </p:childTnLst>
-                                </p:cTn>
-                              </p:par>
-                            </p:childTnLst>
-                          </p:cTn>
-                        </p:par>
-                      </p:childTnLst>
-                    </p:cTn>
-                  </p:par>
-                </p:childTnLst>
-              </p:cTn>
-              <p:prevCondLst>
-                <p:cond evt="onPrev" delay="0">
-                  <p:tgtEl>
-                    <p:sldTgt/>
-                  </p:tgtEl>
-                </p:cond>
-              </p:prevCondLst>
-              <p:nextCondLst>
-                <p:cond evt="onNext" delay="0">
-                  <p:tgtEl>
-                    <p:sldTgt/>
-                  </p:tgtEl>
-                </p:cond>
-              </p:nextCondLst>
-            </p:seq>
-          </p:childTnLst>
-        </p:cTn>
-      </p:par>
-    </p:tnLst>
-  </p:timing>
-</p:sld>
-</file>
-
-<file path=ppt/slides/slide25.xml><?xml version="1.0" encoding="utf-8"?>
-<p:sld xmlns:a="http://schemas.openxmlformats.org/drawingml/2006/main" xmlns:r="http://schemas.openxmlformats.org/officeDocument/2006/relationships" xmlns:p="http://schemas.openxmlformats.org/presentationml/2006/main">
-  <p:cSld>
-    <p:spTree>
-      <p:nvGrpSpPr>
-        <p:cNvPr id="1" name=""/>
-        <p:cNvGrpSpPr/>
-        <p:nvPr/>
-      </p:nvGrpSpPr>
-      <p:grpSpPr>
-        <a:xfrm>
-          <a:off x="0" y="0"/>
-          <a:ext cx="0" cy="0"/>
-          <a:chOff x="0" y="0"/>
-          <a:chExt cx="0" cy="0"/>
-        </a:xfrm>
-      </p:grpSpPr>
-      <p:sp>
-        <p:nvSpPr>
-          <p:cNvPr id="2" name="Title 1"/>
-          <p:cNvSpPr>
-            <a:spLocks noGrp="1"/>
-          </p:cNvSpPr>
-          <p:nvPr>
-            <p:ph type="title"/>
-          </p:nvPr>
-        </p:nvSpPr>
-        <p:spPr>
-          <a:xfrm>
-            <a:off x="0" y="0"/>
-            <a:ext cx="12192000" cy="935915"/>
-          </a:xfrm>
-          <a:solidFill>
-            <a:schemeClr val="tx1"/>
-          </a:solidFill>
-        </p:spPr>
-        <p:txBody>
-          <a:bodyPr/>
-          <a:lstStyle/>
-          <a:p>
-            <a:pPr algn="ctr"/>
-            <a:r>
-              <a:rPr lang="en-US" b="1" dirty="0">
-                <a:solidFill>
-                  <a:srgbClr val="FF0000"/>
-                </a:solidFill>
-              </a:rPr>
-              <a:t>There are many ways of calculating p-values</a:t>
-            </a:r>
-          </a:p>
-        </p:txBody>
-      </p:sp>
-      <p:sp>
-        <p:nvSpPr>
-          <p:cNvPr id="3" name="Rectangle 2">
-            <a:extLst>
-              <a:ext uri="{FF2B5EF4-FFF2-40B4-BE49-F238E27FC236}">
-                <a16:creationId xmlns:a16="http://schemas.microsoft.com/office/drawing/2014/main" id="{221BCD65-3244-1340-98F4-015FC84107E2}"/>
-              </a:ext>
-            </a:extLst>
-          </p:cNvPr>
-          <p:cNvSpPr/>
-          <p:nvPr/>
-        </p:nvSpPr>
-        <p:spPr>
-          <a:xfrm>
-            <a:off x="443345" y="1176010"/>
-            <a:ext cx="11388436" cy="1938992"/>
-          </a:xfrm>
-          <a:prstGeom prst="rect">
-            <a:avLst/>
-          </a:prstGeom>
-        </p:spPr>
-        <p:txBody>
-          <a:bodyPr wrap="square">
-            <a:spAutoFit/>
-          </a:bodyPr>
-          <a:lstStyle/>
-          <a:p>
-            <a:r>
-              <a:rPr lang="en-US" sz="2400" dirty="0">
-                <a:solidFill>
-                  <a:srgbClr val="202122"/>
-                </a:solidFill>
-                <a:latin typeface="Arial" panose="020B0604020202020204" pitchFamily="34" charset="0"/>
-              </a:rPr>
-              <a:t>Traditional statistical tests</a:t>
-            </a:r>
-          </a:p>
-          <a:p>
-            <a:endParaRPr lang="en-US" sz="2400" dirty="0">
-              <a:solidFill>
-                <a:srgbClr val="202122"/>
-              </a:solidFill>
-              <a:latin typeface="Arial" panose="020B0604020202020204" pitchFamily="34" charset="0"/>
-            </a:endParaRPr>
-          </a:p>
-          <a:p>
-            <a:r>
-              <a:rPr lang="en-US" sz="2400" dirty="0">
-                <a:solidFill>
-                  <a:srgbClr val="202122"/>
-                </a:solidFill>
-                <a:latin typeface="Arial" panose="020B0604020202020204" pitchFamily="34" charset="0"/>
-              </a:rPr>
-              <a:t>For many questions/experiments there isn’t a ready made statistical test.</a:t>
-            </a:r>
-          </a:p>
-          <a:p>
-            <a:r>
-              <a:rPr lang="en-US" sz="2400" dirty="0">
-                <a:solidFill>
-                  <a:srgbClr val="202122"/>
-                </a:solidFill>
-                <a:effectLst/>
-                <a:latin typeface="Arial" panose="020B0604020202020204" pitchFamily="34" charset="0"/>
-              </a:rPr>
-              <a:t> - Randomization of datasets</a:t>
-            </a:r>
-          </a:p>
-          <a:p>
-            <a:r>
-              <a:rPr lang="en-US" sz="2400" dirty="0">
-                <a:solidFill>
-                  <a:srgbClr val="202122"/>
-                </a:solidFill>
-                <a:latin typeface="Arial" panose="020B0604020202020204" pitchFamily="34" charset="0"/>
-              </a:rPr>
-              <a:t> - Comparison to simulated datasets</a:t>
-            </a:r>
-            <a:endParaRPr lang="en-US" sz="2400" dirty="0">
-              <a:solidFill>
-                <a:srgbClr val="202122"/>
-              </a:solidFill>
-              <a:effectLst/>
-              <a:latin typeface="Arial" panose="020B0604020202020204" pitchFamily="34" charset="0"/>
-            </a:endParaRPr>
-          </a:p>
-        </p:txBody>
-      </p:sp>
-    </p:spTree>
-    <p:extLst>
-      <p:ext uri="{BB962C8B-B14F-4D97-AF65-F5344CB8AC3E}">
-        <p14:creationId xmlns:p14="http://schemas.microsoft.com/office/powerpoint/2010/main" val="1073502556"/>
-      </p:ext>
-    </p:extLst>
-  </p:cSld>
-  <p:clrMapOvr>
-    <a:masterClrMapping/>
-  </p:clrMapOvr>
-</p:sld>
-</file>
-
-<file path=ppt/slides/slide26.xml><?xml version="1.0" encoding="utf-8"?>
-<p:sld xmlns:a="http://schemas.openxmlformats.org/drawingml/2006/main" xmlns:r="http://schemas.openxmlformats.org/officeDocument/2006/relationships" xmlns:p="http://schemas.openxmlformats.org/presentationml/2006/main">
-  <p:cSld>
-    <p:spTree>
-      <p:nvGrpSpPr>
-        <p:cNvPr id="1" name=""/>
-        <p:cNvGrpSpPr/>
-        <p:nvPr/>
-      </p:nvGrpSpPr>
-      <p:grpSpPr>
-        <a:xfrm>
-          <a:off x="0" y="0"/>
-          <a:ext cx="0" cy="0"/>
-          <a:chOff x="0" y="0"/>
-          <a:chExt cx="0" cy="0"/>
-        </a:xfrm>
-      </p:grpSpPr>
-      <p:sp>
-        <p:nvSpPr>
-          <p:cNvPr id="2" name="Title 1"/>
-          <p:cNvSpPr>
-            <a:spLocks noGrp="1"/>
-          </p:cNvSpPr>
-          <p:nvPr>
-            <p:ph type="title"/>
-          </p:nvPr>
-        </p:nvSpPr>
-        <p:spPr>
-          <a:xfrm>
-            <a:off x="0" y="0"/>
-            <a:ext cx="12192000" cy="935915"/>
-          </a:xfrm>
-          <a:solidFill>
-            <a:schemeClr val="tx1"/>
-          </a:solidFill>
-        </p:spPr>
-        <p:txBody>
-          <a:bodyPr>
-            <a:normAutofit/>
-          </a:bodyPr>
-          <a:lstStyle/>
-          <a:p>
-            <a:pPr algn="ctr"/>
-            <a:r>
-              <a:rPr lang="en-US" b="1" dirty="0">
-                <a:solidFill>
-                  <a:schemeClr val="bg1"/>
-                </a:solidFill>
-              </a:rPr>
-              <a:t>Binomial Test </a:t>
-            </a:r>
-          </a:p>
-        </p:txBody>
-      </p:sp>
-      <p:sp>
-        <p:nvSpPr>
-          <p:cNvPr id="4" name="Rectangle 3"/>
-          <p:cNvSpPr/>
-          <p:nvPr/>
-        </p:nvSpPr>
-        <p:spPr>
-          <a:xfrm>
-            <a:off x="237995" y="1161821"/>
-            <a:ext cx="11786991" cy="4401205"/>
-          </a:xfrm>
-          <a:prstGeom prst="rect">
-            <a:avLst/>
-          </a:prstGeom>
-        </p:spPr>
-        <p:txBody>
-          <a:bodyPr wrap="square">
-            <a:spAutoFit/>
-          </a:bodyPr>
-          <a:lstStyle/>
-          <a:p>
-            <a:r>
-              <a:rPr lang="en-US" sz="2800" dirty="0"/>
-              <a:t>A test to determine whether or not the observed proportion adheres to the expected proportion under the null hypothesis </a:t>
-            </a:r>
-          </a:p>
-          <a:p>
-            <a:endParaRPr lang="en-US" sz="2800" dirty="0"/>
-          </a:p>
-          <a:p>
-            <a:r>
-              <a:rPr lang="en-US" sz="2800" dirty="0"/>
-              <a:t>Some possible uses: </a:t>
-            </a:r>
-          </a:p>
-          <a:p>
-            <a:pPr marL="914400" lvl="1" indent="-457200">
-              <a:buFont typeface="Arial" charset="0"/>
-              <a:buChar char="•"/>
-            </a:pPr>
-            <a:r>
-              <a:rPr lang="en-US" sz="2800" dirty="0"/>
-              <a:t>Are frogs equally likely to be right or left handed? </a:t>
-            </a:r>
-          </a:p>
-          <a:p>
-            <a:pPr marL="914400" lvl="1" indent="-457200">
-              <a:buFont typeface="Arial" charset="0"/>
-              <a:buChar char="•"/>
-            </a:pPr>
-            <a:r>
-              <a:rPr lang="en-US" sz="2800" dirty="0"/>
-              <a:t>Is the sex ratio half male and half female? </a:t>
-            </a:r>
-          </a:p>
-          <a:p>
-            <a:pPr marL="914400" lvl="1" indent="-457200">
-              <a:buFont typeface="Arial" charset="0"/>
-              <a:buChar char="•"/>
-            </a:pPr>
-            <a:r>
-              <a:rPr lang="en-US" sz="2800" dirty="0"/>
-              <a:t>Are the offspring phenotypes a 3:1 ratio? </a:t>
-            </a:r>
-          </a:p>
-          <a:p>
-            <a:pPr marL="914400" lvl="1" indent="-457200">
-              <a:buFont typeface="Arial" charset="0"/>
-              <a:buChar char="•"/>
-            </a:pPr>
-            <a:r>
-              <a:rPr lang="en-US" sz="2800" dirty="0"/>
-              <a:t>Do some beetles win more fights?</a:t>
-            </a:r>
-          </a:p>
-          <a:p>
-            <a:pPr lvl="1"/>
-            <a:r>
-              <a:rPr lang="en-US" sz="2800" dirty="0"/>
-              <a:t> </a:t>
-            </a:r>
-          </a:p>
-          <a:p>
-            <a:pPr lvl="1"/>
-            <a:endParaRPr lang="en-US" sz="2800" dirty="0"/>
-          </a:p>
-        </p:txBody>
-      </p:sp>
-    </p:spTree>
-    <p:extLst>
-      <p:ext uri="{BB962C8B-B14F-4D97-AF65-F5344CB8AC3E}">
-        <p14:creationId xmlns:p14="http://schemas.microsoft.com/office/powerpoint/2010/main" val="148188859"/>
-      </p:ext>
-    </p:extLst>
-  </p:cSld>
-  <p:clrMapOvr>
-    <a:masterClrMapping/>
-  </p:clrMapOvr>
-</p:sld>
-</file>
-
-<file path=ppt/slides/slide27.xml><?xml version="1.0" encoding="utf-8"?>
-<p:sld xmlns:a="http://schemas.openxmlformats.org/drawingml/2006/main" xmlns:r="http://schemas.openxmlformats.org/officeDocument/2006/relationships" xmlns:p="http://schemas.openxmlformats.org/presentationml/2006/main">
-  <p:cSld>
-    <p:spTree>
-      <p:nvGrpSpPr>
-        <p:cNvPr id="1" name=""/>
-        <p:cNvGrpSpPr/>
-        <p:nvPr/>
-      </p:nvGrpSpPr>
-      <p:grpSpPr>
-        <a:xfrm>
-          <a:off x="0" y="0"/>
-          <a:ext cx="0" cy="0"/>
-          <a:chOff x="0" y="0"/>
-          <a:chExt cx="0" cy="0"/>
-        </a:xfrm>
-      </p:grpSpPr>
-      <p:sp>
-        <p:nvSpPr>
-          <p:cNvPr id="2" name="Title 1"/>
-          <p:cNvSpPr>
-            <a:spLocks noGrp="1"/>
-          </p:cNvSpPr>
-          <p:nvPr>
-            <p:ph type="title"/>
-          </p:nvPr>
-        </p:nvSpPr>
-        <p:spPr>
-          <a:xfrm>
-            <a:off x="0" y="0"/>
-            <a:ext cx="12192000" cy="935915"/>
-          </a:xfrm>
-          <a:solidFill>
-            <a:schemeClr val="tx1"/>
-          </a:solidFill>
-        </p:spPr>
-        <p:txBody>
-          <a:bodyPr>
-            <a:normAutofit/>
-          </a:bodyPr>
-          <a:lstStyle/>
-          <a:p>
-            <a:pPr algn="ctr"/>
-            <a:r>
-              <a:rPr lang="en-US" b="1" dirty="0">
-                <a:solidFill>
-                  <a:schemeClr val="bg1"/>
-                </a:solidFill>
-              </a:rPr>
-              <a:t>Binomial Test </a:t>
-            </a:r>
-          </a:p>
-        </p:txBody>
-      </p:sp>
-      <p:sp>
-        <p:nvSpPr>
-          <p:cNvPr id="4" name="Rectangle 3"/>
-          <p:cNvSpPr/>
-          <p:nvPr/>
-        </p:nvSpPr>
-        <p:spPr>
-          <a:xfrm>
-            <a:off x="237995" y="1161821"/>
-            <a:ext cx="11786991" cy="4401205"/>
-          </a:xfrm>
-          <a:prstGeom prst="rect">
-            <a:avLst/>
-          </a:prstGeom>
-        </p:spPr>
-        <p:txBody>
-          <a:bodyPr wrap="square">
-            <a:spAutoFit/>
-          </a:bodyPr>
-          <a:lstStyle/>
-          <a:p>
-            <a:r>
-              <a:rPr lang="en-US" sz="2800" dirty="0"/>
-              <a:t>As in most statistical tests, a test statistic is compared to a distribution </a:t>
-            </a:r>
-          </a:p>
-          <a:p>
-            <a:endParaRPr lang="en-US" sz="2800" dirty="0"/>
-          </a:p>
-          <a:p>
-            <a:r>
-              <a:rPr lang="en-US" sz="2800" b="1" dirty="0">
-                <a:solidFill>
-                  <a:srgbClr val="FF0000"/>
-                </a:solidFill>
-              </a:rPr>
-              <a:t>In this case, the test statistic is just the observed number (number of right-handed toads, number of females in the population, number of fights won) </a:t>
-            </a:r>
-          </a:p>
-          <a:p>
-            <a:endParaRPr lang="en-US" sz="2800" b="1" dirty="0">
-              <a:solidFill>
-                <a:srgbClr val="FF0000"/>
-              </a:solidFill>
-            </a:endParaRPr>
-          </a:p>
-          <a:p>
-            <a:r>
-              <a:rPr lang="en-US" sz="2800" dirty="0"/>
-              <a:t>Note that this test is only appropriate when there are two categories of individuals and your hypothesis allows you to provide a probability of the outcomes.</a:t>
-            </a:r>
-          </a:p>
-          <a:p>
-            <a:endParaRPr lang="en-US" sz="2800" dirty="0"/>
-          </a:p>
-          <a:p>
-            <a:pPr lvl="1"/>
-            <a:endParaRPr lang="en-US" sz="2800" dirty="0"/>
-          </a:p>
-        </p:txBody>
-      </p:sp>
-    </p:spTree>
-    <p:extLst>
-      <p:ext uri="{BB962C8B-B14F-4D97-AF65-F5344CB8AC3E}">
-        <p14:creationId xmlns:p14="http://schemas.microsoft.com/office/powerpoint/2010/main" val="3327206644"/>
-      </p:ext>
-    </p:extLst>
-  </p:cSld>
-  <p:clrMapOvr>
-    <a:masterClrMapping/>
-  </p:clrMapOvr>
-</p:sld>
-</file>
-
-<file path=ppt/slides/slide28.xml><?xml version="1.0" encoding="utf-8"?>
-<p:sld xmlns:a="http://schemas.openxmlformats.org/drawingml/2006/main" xmlns:r="http://schemas.openxmlformats.org/officeDocument/2006/relationships" xmlns:p="http://schemas.openxmlformats.org/presentationml/2006/main">
-  <p:cSld>
-    <p:spTree>
-      <p:nvGrpSpPr>
-        <p:cNvPr id="1" name=""/>
-        <p:cNvGrpSpPr/>
-        <p:nvPr/>
-      </p:nvGrpSpPr>
-      <p:grpSpPr>
-        <a:xfrm>
-          <a:off x="0" y="0"/>
-          <a:ext cx="0" cy="0"/>
-          <a:chOff x="0" y="0"/>
-          <a:chExt cx="0" cy="0"/>
-        </a:xfrm>
-      </p:grpSpPr>
-      <p:sp>
-        <p:nvSpPr>
-          <p:cNvPr id="2" name="Title 1"/>
-          <p:cNvSpPr>
-            <a:spLocks noGrp="1"/>
-          </p:cNvSpPr>
-          <p:nvPr>
-            <p:ph type="title"/>
-          </p:nvPr>
-        </p:nvSpPr>
-        <p:spPr>
-          <a:xfrm>
-            <a:off x="0" y="0"/>
-            <a:ext cx="12192000" cy="935915"/>
-          </a:xfrm>
-          <a:solidFill>
-            <a:schemeClr val="tx1"/>
-          </a:solidFill>
-        </p:spPr>
-        <p:txBody>
-          <a:bodyPr>
-            <a:normAutofit/>
-          </a:bodyPr>
-          <a:lstStyle/>
-          <a:p>
-            <a:pPr algn="ctr"/>
-            <a:r>
-              <a:rPr lang="en-US" b="1" dirty="0">
-                <a:solidFill>
-                  <a:schemeClr val="bg1"/>
-                </a:solidFill>
-              </a:rPr>
-              <a:t>Binomial Test </a:t>
-            </a:r>
-          </a:p>
-        </p:txBody>
-      </p:sp>
-      <p:sp>
-        <p:nvSpPr>
-          <p:cNvPr id="4" name="Rectangle 3"/>
-          <p:cNvSpPr/>
-          <p:nvPr/>
-        </p:nvSpPr>
-        <p:spPr>
-          <a:xfrm>
-            <a:off x="237996" y="1161821"/>
-            <a:ext cx="5667954" cy="4401205"/>
-          </a:xfrm>
-          <a:prstGeom prst="rect">
-            <a:avLst/>
-          </a:prstGeom>
-        </p:spPr>
-        <p:txBody>
-          <a:bodyPr wrap="square">
-            <a:spAutoFit/>
-          </a:bodyPr>
-          <a:lstStyle/>
-          <a:p>
-            <a:r>
-              <a:rPr lang="en-US" sz="2800" dirty="0"/>
-              <a:t>With the binomial test our null hypothesis is the probability of one of the two outcomes.  This probability and the number of observations defines the distribution we will compare our observation to.</a:t>
-            </a:r>
-          </a:p>
-          <a:p>
-            <a:endParaRPr lang="en-US" sz="2800" b="0" dirty="0">
-              <a:ea typeface="Cambria Math" charset="0"/>
-              <a:cs typeface="Cambria Math" charset="0"/>
-            </a:endParaRPr>
-          </a:p>
-          <a:p>
-            <a:endParaRPr lang="en-US" sz="2800" dirty="0">
-              <a:ea typeface="Cambria Math" charset="0"/>
-              <a:cs typeface="Cambria Math" charset="0"/>
-            </a:endParaRPr>
-          </a:p>
-          <a:p>
-            <a:r>
-              <a:rPr lang="en-US" sz="2800" b="0" dirty="0">
-                <a:ea typeface="Cambria Math" charset="0"/>
-                <a:cs typeface="Cambria Math" charset="0"/>
-              </a:rPr>
-              <a:t>Distribution when the null is 50% and we have 100 observations</a:t>
-            </a:r>
-          </a:p>
-        </p:txBody>
-      </p:sp>
-      <p:grpSp>
-        <p:nvGrpSpPr>
-          <p:cNvPr id="7" name="Group 6"/>
-          <p:cNvGrpSpPr/>
-          <p:nvPr/>
-        </p:nvGrpSpPr>
-        <p:grpSpPr>
-          <a:xfrm>
-            <a:off x="5905949" y="1265168"/>
-            <a:ext cx="6286052" cy="5275481"/>
-            <a:chOff x="7606256" y="2849557"/>
-            <a:chExt cx="4585744" cy="4008443"/>
-          </a:xfrm>
-        </p:grpSpPr>
-        <p:pic>
-          <p:nvPicPr>
-            <p:cNvPr id="3" name="Picture 2"/>
-            <p:cNvPicPr>
-              <a:picLocks noChangeAspect="1"/>
-            </p:cNvPicPr>
-            <p:nvPr/>
-          </p:nvPicPr>
-          <p:blipFill>
-            <a:blip r:embed="rId2">
-              <a:extLst>
-                <a:ext uri="{28A0092B-C50C-407E-A947-70E740481C1C}">
-                  <a14:useLocalDpi xmlns:a14="http://schemas.microsoft.com/office/drawing/2010/main" val="0"/>
-                </a:ext>
-              </a:extLst>
-            </a:blip>
-            <a:stretch>
-              <a:fillRect/>
-            </a:stretch>
-          </p:blipFill>
-          <p:spPr>
-            <a:xfrm>
-              <a:off x="7606256" y="3961741"/>
-              <a:ext cx="4585744" cy="2896259"/>
-            </a:xfrm>
-            <a:prstGeom prst="rect">
-              <a:avLst/>
-            </a:prstGeom>
-          </p:spPr>
-        </p:pic>
-        <p:pic>
-          <p:nvPicPr>
-            <p:cNvPr id="6" name="Picture 5"/>
-            <p:cNvPicPr>
-              <a:picLocks noChangeAspect="1"/>
-            </p:cNvPicPr>
-            <p:nvPr/>
-          </p:nvPicPr>
-          <p:blipFill>
-            <a:blip r:embed="rId3">
-              <a:extLst>
-                <a:ext uri="{28A0092B-C50C-407E-A947-70E740481C1C}">
-                  <a14:useLocalDpi xmlns:a14="http://schemas.microsoft.com/office/drawing/2010/main" val="0"/>
-                </a:ext>
-              </a:extLst>
-            </a:blip>
-            <a:stretch>
-              <a:fillRect/>
-            </a:stretch>
-          </p:blipFill>
-          <p:spPr>
-            <a:xfrm>
-              <a:off x="7606256" y="2849557"/>
-              <a:ext cx="4585744" cy="1112184"/>
-            </a:xfrm>
-            <a:prstGeom prst="rect">
-              <a:avLst/>
-            </a:prstGeom>
-          </p:spPr>
-        </p:pic>
-      </p:grpSp>
-      <p:grpSp>
-        <p:nvGrpSpPr>
-          <p:cNvPr id="10" name="Group 9">
-            <a:extLst>
-              <a:ext uri="{FF2B5EF4-FFF2-40B4-BE49-F238E27FC236}">
-                <a16:creationId xmlns:a16="http://schemas.microsoft.com/office/drawing/2014/main" id="{9CDC3471-4371-6D48-A3A4-9CEA7B7D3462}"/>
-              </a:ext>
-            </a:extLst>
-          </p:cNvPr>
-          <p:cNvGrpSpPr/>
-          <p:nvPr/>
-        </p:nvGrpSpPr>
-        <p:grpSpPr>
-          <a:xfrm>
-            <a:off x="971905" y="4281055"/>
-            <a:ext cx="8077070" cy="2444260"/>
-            <a:chOff x="971905" y="4281055"/>
-            <a:chExt cx="8077070" cy="2444260"/>
-          </a:xfrm>
-        </p:grpSpPr>
-        <p:sp>
-          <p:nvSpPr>
-            <p:cNvPr id="5" name="TextBox 4">
-              <a:extLst>
-                <a:ext uri="{FF2B5EF4-FFF2-40B4-BE49-F238E27FC236}">
-                  <a16:creationId xmlns:a16="http://schemas.microsoft.com/office/drawing/2014/main" id="{99184B55-98F1-6D4B-82EA-16FD4E47C62E}"/>
-                </a:ext>
-              </a:extLst>
-            </p:cNvPr>
-            <p:cNvSpPr txBox="1"/>
-            <p:nvPr/>
-          </p:nvSpPr>
-          <p:spPr>
-            <a:xfrm>
-              <a:off x="971905" y="6355983"/>
-              <a:ext cx="5124095" cy="369332"/>
-            </a:xfrm>
-            <a:prstGeom prst="rect">
-              <a:avLst/>
-            </a:prstGeom>
-            <a:noFill/>
-          </p:spPr>
-          <p:txBody>
-            <a:bodyPr wrap="none" rtlCol="0">
-              <a:spAutoFit/>
-            </a:bodyPr>
-            <a:lstStyle/>
-            <a:p>
-              <a:r>
-                <a:rPr lang="en-US" dirty="0">
-                  <a:solidFill>
-                    <a:schemeClr val="accent6">
-                      <a:lumMod val="50000"/>
-                    </a:schemeClr>
-                  </a:solidFill>
-                </a:rPr>
-                <a:t>use a simulation to see if you can replicate this curve</a:t>
-              </a:r>
-            </a:p>
-          </p:txBody>
-        </p:sp>
-        <p:cxnSp>
-          <p:nvCxnSpPr>
-            <p:cNvPr id="9" name="Straight Arrow Connector 8">
-              <a:extLst>
-                <a:ext uri="{FF2B5EF4-FFF2-40B4-BE49-F238E27FC236}">
-                  <a16:creationId xmlns:a16="http://schemas.microsoft.com/office/drawing/2014/main" id="{FD8F8976-F7EE-AF48-951F-40474096D62C}"/>
-                </a:ext>
-              </a:extLst>
-            </p:cNvPr>
-            <p:cNvCxnSpPr>
-              <a:stCxn id="5" idx="0"/>
-            </p:cNvCxnSpPr>
-            <p:nvPr/>
-          </p:nvCxnSpPr>
-          <p:spPr>
-            <a:xfrm flipV="1">
-              <a:off x="3533953" y="4281055"/>
-              <a:ext cx="5515022" cy="2074928"/>
-            </a:xfrm>
-            <a:prstGeom prst="straightConnector1">
-              <a:avLst/>
-            </a:prstGeom>
-            <a:ln w="28575">
-              <a:solidFill>
-                <a:schemeClr val="accent6">
-                  <a:lumMod val="50000"/>
-                </a:schemeClr>
-              </a:solidFill>
-              <a:tailEnd type="triangle"/>
-            </a:ln>
-          </p:spPr>
-          <p:style>
-            <a:lnRef idx="1">
-              <a:schemeClr val="dk1"/>
-            </a:lnRef>
-            <a:fillRef idx="0">
-              <a:schemeClr val="dk1"/>
-            </a:fillRef>
-            <a:effectRef idx="0">
-              <a:schemeClr val="dk1"/>
-            </a:effectRef>
-            <a:fontRef idx="minor">
-              <a:schemeClr val="tx1"/>
-            </a:fontRef>
-          </p:style>
-        </p:cxnSp>
-      </p:grpSp>
-    </p:spTree>
-    <p:extLst>
-      <p:ext uri="{BB962C8B-B14F-4D97-AF65-F5344CB8AC3E}">
-        <p14:creationId xmlns:p14="http://schemas.microsoft.com/office/powerpoint/2010/main" val="1790701729"/>
-      </p:ext>
-    </p:extLst>
-  </p:cSld>
-  <p:clrMapOvr>
-    <a:masterClrMapping/>
-  </p:clrMapOvr>
-  <p:timing>
-    <p:tnLst>
-      <p:par>
-        <p:cTn id="1" dur="indefinite" restart="never" nodeType="tmRoot">
-          <p:childTnLst>
-            <p:seq concurrent="1" nextAc="seek">
-              <p:cTn id="2" dur="indefinite" nodeType="mainSeq">
-                <p:childTnLst>
-                  <p:par>
-                    <p:cTn id="3" fill="hold">
-                      <p:stCondLst>
-                        <p:cond delay="indefinite"/>
-                      </p:stCondLst>
-                      <p:childTnLst>
-                        <p:par>
-                          <p:cTn id="4" fill="hold">
-                            <p:stCondLst>
-                              <p:cond delay="0"/>
-                            </p:stCondLst>
-                            <p:childTnLst>
-                              <p:par>
-                                <p:cTn id="5" presetID="1" presetClass="entr" presetSubtype="0" fill="hold" nodeType="clickEffect">
-                                  <p:stCondLst>
-                                    <p:cond delay="0"/>
-                                  </p:stCondLst>
-                                  <p:childTnLst>
-                                    <p:set>
-                                      <p:cBhvr>
-                                        <p:cTn id="6" dur="1" fill="hold">
-                                          <p:stCondLst>
-                                            <p:cond delay="0"/>
-                                          </p:stCondLst>
-                                        </p:cTn>
-                                        <p:tgtEl>
-                                          <p:spTgt spid="10"/>
-                                        </p:tgtEl>
-                                        <p:attrNameLst>
-                                          <p:attrName>style.visibility</p:attrName>
-                                        </p:attrNameLst>
-                                      </p:cBhvr>
-                                      <p:to>
-                                        <p:strVal val="visible"/>
-                                      </p:to>
-                                    </p:set>
-                                  </p:childTnLst>
-                                </p:cTn>
-                              </p:par>
-                            </p:childTnLst>
-                          </p:cTn>
-                        </p:par>
-                      </p:childTnLst>
-                    </p:cTn>
-                  </p:par>
-                </p:childTnLst>
-              </p:cTn>
-              <p:prevCondLst>
-                <p:cond evt="onPrev" delay="0">
-                  <p:tgtEl>
-                    <p:sldTgt/>
-                  </p:tgtEl>
-                </p:cond>
-              </p:prevCondLst>
-              <p:nextCondLst>
-                <p:cond evt="onNext" delay="0">
-                  <p:tgtEl>
-                    <p:sldTgt/>
-                  </p:tgtEl>
-                </p:cond>
-              </p:nextCondLst>
-            </p:seq>
-          </p:childTnLst>
-        </p:cTn>
-      </p:par>
-    </p:tnLst>
-  </p:timing>
-</p:sld>
-</file>
-
-<file path=ppt/slides/slide29.xml><?xml version="1.0" encoding="utf-8"?>
-<p:sld xmlns:a="http://schemas.openxmlformats.org/drawingml/2006/main" xmlns:r="http://schemas.openxmlformats.org/officeDocument/2006/relationships" xmlns:p="http://schemas.openxmlformats.org/presentationml/2006/main">
-  <p:cSld>
-    <p:spTree>
-      <p:nvGrpSpPr>
-        <p:cNvPr id="1" name=""/>
-        <p:cNvGrpSpPr/>
-        <p:nvPr/>
-      </p:nvGrpSpPr>
-      <p:grpSpPr>
-        <a:xfrm>
-          <a:off x="0" y="0"/>
-          <a:ext cx="0" cy="0"/>
-          <a:chOff x="0" y="0"/>
-          <a:chExt cx="0" cy="0"/>
-        </a:xfrm>
-      </p:grpSpPr>
-      <p:sp>
-        <p:nvSpPr>
-          <p:cNvPr id="2" name="Title 1"/>
-          <p:cNvSpPr>
-            <a:spLocks noGrp="1"/>
-          </p:cNvSpPr>
-          <p:nvPr>
-            <p:ph type="title"/>
-          </p:nvPr>
-        </p:nvSpPr>
-        <p:spPr>
-          <a:xfrm>
-            <a:off x="0" y="0"/>
-            <a:ext cx="12192000" cy="935915"/>
-          </a:xfrm>
-          <a:solidFill>
-            <a:schemeClr val="tx1"/>
-          </a:solidFill>
-        </p:spPr>
-        <p:txBody>
-          <a:bodyPr>
-            <a:normAutofit/>
-          </a:bodyPr>
-          <a:lstStyle/>
-          <a:p>
-            <a:pPr algn="ctr"/>
-            <a:r>
               <a:rPr lang="en-US" b="1" dirty="0">
                 <a:solidFill>
                   <a:schemeClr val="bg1"/>
@@ -8956,133 +3739,7 @@
 </p:sld>
 </file>
 
-<file path=ppt/slides/slide3.xml><?xml version="1.0" encoding="utf-8"?>
-<p:sld xmlns:a="http://schemas.openxmlformats.org/drawingml/2006/main" xmlns:r="http://schemas.openxmlformats.org/officeDocument/2006/relationships" xmlns:p="http://schemas.openxmlformats.org/presentationml/2006/main">
-  <p:cSld>
-    <p:spTree>
-      <p:nvGrpSpPr>
-        <p:cNvPr id="1" name=""/>
-        <p:cNvGrpSpPr/>
-        <p:nvPr/>
-      </p:nvGrpSpPr>
-      <p:grpSpPr>
-        <a:xfrm>
-          <a:off x="0" y="0"/>
-          <a:ext cx="0" cy="0"/>
-          <a:chOff x="0" y="0"/>
-          <a:chExt cx="0" cy="0"/>
-        </a:xfrm>
-      </p:grpSpPr>
-      <p:sp>
-        <p:nvSpPr>
-          <p:cNvPr id="2" name="Title 1"/>
-          <p:cNvSpPr>
-            <a:spLocks noGrp="1"/>
-          </p:cNvSpPr>
-          <p:nvPr>
-            <p:ph type="title"/>
-          </p:nvPr>
-        </p:nvSpPr>
-        <p:spPr>
-          <a:xfrm>
-            <a:off x="0" y="0"/>
-            <a:ext cx="12192000" cy="935915"/>
-          </a:xfrm>
-          <a:solidFill>
-            <a:schemeClr val="tx1"/>
-          </a:solidFill>
-        </p:spPr>
-        <p:txBody>
-          <a:bodyPr/>
-          <a:lstStyle/>
-          <a:p>
-            <a:pPr algn="ctr"/>
-            <a:r>
-              <a:rPr lang="en-US" b="1" dirty="0">
-                <a:solidFill>
-                  <a:schemeClr val="bg1"/>
-                </a:solidFill>
-              </a:rPr>
-              <a:t>Today</a:t>
-            </a:r>
-          </a:p>
-        </p:txBody>
-      </p:sp>
-      <p:sp>
-        <p:nvSpPr>
-          <p:cNvPr id="4" name="Rectangle 3"/>
-          <p:cNvSpPr/>
-          <p:nvPr/>
-        </p:nvSpPr>
-        <p:spPr>
-          <a:xfrm>
-            <a:off x="195431" y="1006798"/>
-            <a:ext cx="11801138" cy="3613297"/>
-          </a:xfrm>
-          <a:prstGeom prst="rect">
-            <a:avLst/>
-          </a:prstGeom>
-        </p:spPr>
-        <p:txBody>
-          <a:bodyPr wrap="square">
-            <a:spAutoFit/>
-          </a:bodyPr>
-          <a:lstStyle/>
-          <a:p>
-            <a:pPr marL="742950" indent="-742950">
-              <a:lnSpc>
-                <a:spcPct val="200000"/>
-              </a:lnSpc>
-              <a:buFont typeface="+mj-lt"/>
-              <a:buAutoNum type="arabicPeriod"/>
-            </a:pPr>
-            <a:r>
-              <a:rPr lang="en-US" sz="4000" dirty="0"/>
-              <a:t>Basic experimental reminders</a:t>
-            </a:r>
-          </a:p>
-          <a:p>
-            <a:pPr marL="742950" indent="-742950">
-              <a:lnSpc>
-                <a:spcPct val="200000"/>
-              </a:lnSpc>
-              <a:buFont typeface="+mj-lt"/>
-              <a:buAutoNum type="arabicPeriod"/>
-            </a:pPr>
-            <a:r>
-              <a:rPr lang="en-US" sz="4000" dirty="0"/>
-              <a:t>Basics of Probability</a:t>
-            </a:r>
-          </a:p>
-          <a:p>
-            <a:pPr marL="742950" indent="-742950">
-              <a:lnSpc>
-                <a:spcPct val="200000"/>
-              </a:lnSpc>
-              <a:buFont typeface="+mj-lt"/>
-              <a:buAutoNum type="arabicPeriod"/>
-            </a:pPr>
-            <a:r>
-              <a:rPr lang="en-US" sz="4000" dirty="0"/>
-              <a:t>Binomial and Chi-square tests</a:t>
-            </a:r>
-          </a:p>
-        </p:txBody>
-      </p:sp>
-    </p:spTree>
-    <p:extLst>
-      <p:ext uri="{BB962C8B-B14F-4D97-AF65-F5344CB8AC3E}">
-        <p14:creationId xmlns:p14="http://schemas.microsoft.com/office/powerpoint/2010/main" val="1902704987"/>
-      </p:ext>
-    </p:extLst>
-  </p:cSld>
-  <p:clrMapOvr>
-    <a:masterClrMapping/>
-  </p:clrMapOvr>
-</p:sld>
-</file>
-
-<file path=ppt/slides/slide30.xml><?xml version="1.0" encoding="utf-8"?>
+<file path=ppt/slides/slide11.xml><?xml version="1.0" encoding="utf-8"?>
 <p:sld xmlns:a="http://schemas.openxmlformats.org/drawingml/2006/main" xmlns:r="http://schemas.openxmlformats.org/officeDocument/2006/relationships" xmlns:p="http://schemas.openxmlformats.org/presentationml/2006/main">
   <p:cSld>
     <p:spTree>
@@ -9219,7 +3876,7 @@
 </p:sld>
 </file>
 
-<file path=ppt/slides/slide31.xml><?xml version="1.0" encoding="utf-8"?>
+<file path=ppt/slides/slide12.xml><?xml version="1.0" encoding="utf-8"?>
 <p:sld xmlns:a="http://schemas.openxmlformats.org/drawingml/2006/main" xmlns:r="http://schemas.openxmlformats.org/officeDocument/2006/relationships" xmlns:p="http://schemas.openxmlformats.org/presentationml/2006/main">
   <p:cSld>
     <p:spTree>
@@ -9387,7 +4044,7 @@
 </p:sld>
 </file>
 
-<file path=ppt/slides/slide32.xml><?xml version="1.0" encoding="utf-8"?>
+<file path=ppt/slides/slide13.xml><?xml version="1.0" encoding="utf-8"?>
 <p:sld xmlns:a="http://schemas.openxmlformats.org/drawingml/2006/main" xmlns:r="http://schemas.openxmlformats.org/officeDocument/2006/relationships" xmlns:p="http://schemas.openxmlformats.org/presentationml/2006/main">
   <p:cSld>
     <p:spTree>
@@ -9664,7 +4321,7 @@
 </p:sld>
 </file>
 
-<file path=ppt/slides/slide33.xml><?xml version="1.0" encoding="utf-8"?>
+<file path=ppt/slides/slide14.xml><?xml version="1.0" encoding="utf-8"?>
 <p:sld xmlns:a="http://schemas.openxmlformats.org/drawingml/2006/main" xmlns:r="http://schemas.openxmlformats.org/officeDocument/2006/relationships" xmlns:p="http://schemas.openxmlformats.org/presentationml/2006/main">
   <p:cSld>
     <p:spTree>
@@ -9872,7 +4529,7 @@
 </p:sld>
 </file>
 
-<file path=ppt/slides/slide34.xml><?xml version="1.0" encoding="utf-8"?>
+<file path=ppt/slides/slide15.xml><?xml version="1.0" encoding="utf-8"?>
 <p:sld xmlns:a="http://schemas.openxmlformats.org/drawingml/2006/main" xmlns:r="http://schemas.openxmlformats.org/officeDocument/2006/relationships" xmlns:p="http://schemas.openxmlformats.org/presentationml/2006/main">
   <p:cSld>
     <p:spTree>
@@ -10201,7 +4858,7 @@
 </p:sld>
 </file>
 
-<file path=ppt/slides/slide35.xml><?xml version="1.0" encoding="utf-8"?>
+<file path=ppt/slides/slide16.xml><?xml version="1.0" encoding="utf-8"?>
 <p:sld xmlns:a="http://schemas.openxmlformats.org/drawingml/2006/main" xmlns:r="http://schemas.openxmlformats.org/officeDocument/2006/relationships" xmlns:p="http://schemas.openxmlformats.org/presentationml/2006/main">
   <p:cSld>
     <p:spTree>
@@ -10431,7 +5088,7 @@
 </p:sld>
 </file>
 
-<file path=ppt/slides/slide36.xml><?xml version="1.0" encoding="utf-8"?>
+<file path=ppt/slides/slide17.xml><?xml version="1.0" encoding="utf-8"?>
 <p:sld xmlns:a="http://schemas.openxmlformats.org/drawingml/2006/main" xmlns:r="http://schemas.openxmlformats.org/officeDocument/2006/relationships" xmlns:p="http://schemas.openxmlformats.org/presentationml/2006/main">
   <p:cSld>
     <p:spTree>
@@ -10612,7 +5269,7 @@
 </p:sld>
 </file>
 
-<file path=ppt/slides/slide37.xml><?xml version="1.0" encoding="utf-8"?>
+<file path=ppt/slides/slide18.xml><?xml version="1.0" encoding="utf-8"?>
 <p:sld xmlns:a="http://schemas.openxmlformats.org/drawingml/2006/main" xmlns:r="http://schemas.openxmlformats.org/officeDocument/2006/relationships" xmlns:p="http://schemas.openxmlformats.org/presentationml/2006/main">
   <p:cSld>
     <p:spTree>
@@ -11367,7 +6024,7 @@
 </p:sld>
 </file>
 
-<file path=ppt/slides/slide38.xml><?xml version="1.0" encoding="utf-8"?>
+<file path=ppt/slides/slide19.xml><?xml version="1.0" encoding="utf-8"?>
 <p:sld xmlns:a="http://schemas.openxmlformats.org/drawingml/2006/main" xmlns:r="http://schemas.openxmlformats.org/officeDocument/2006/relationships" xmlns:p="http://schemas.openxmlformats.org/presentationml/2006/main">
   <p:cSld>
     <p:spTree>
@@ -11799,7 +6456,121 @@
 </p:sld>
 </file>
 
-<file path=ppt/slides/slide39.xml><?xml version="1.0" encoding="utf-8"?>
+<file path=ppt/slides/slide2.xml><?xml version="1.0" encoding="utf-8"?>
+<p:sld xmlns:a="http://schemas.openxmlformats.org/drawingml/2006/main" xmlns:r="http://schemas.openxmlformats.org/officeDocument/2006/relationships" xmlns:p="http://schemas.openxmlformats.org/presentationml/2006/main">
+  <p:cSld>
+    <p:spTree>
+      <p:nvGrpSpPr>
+        <p:cNvPr id="1" name=""/>
+        <p:cNvGrpSpPr/>
+        <p:nvPr/>
+      </p:nvGrpSpPr>
+      <p:grpSpPr>
+        <a:xfrm>
+          <a:off x="0" y="0"/>
+          <a:ext cx="0" cy="0"/>
+          <a:chOff x="0" y="0"/>
+          <a:chExt cx="0" cy="0"/>
+        </a:xfrm>
+      </p:grpSpPr>
+      <p:sp>
+        <p:nvSpPr>
+          <p:cNvPr id="2" name="Title 1"/>
+          <p:cNvSpPr>
+            <a:spLocks noGrp="1"/>
+          </p:cNvSpPr>
+          <p:nvPr>
+            <p:ph type="title"/>
+          </p:nvPr>
+        </p:nvSpPr>
+        <p:spPr>
+          <a:xfrm>
+            <a:off x="0" y="0"/>
+            <a:ext cx="12192000" cy="935915"/>
+          </a:xfrm>
+          <a:solidFill>
+            <a:schemeClr val="tx1"/>
+          </a:solidFill>
+        </p:spPr>
+        <p:txBody>
+          <a:bodyPr/>
+          <a:lstStyle/>
+          <a:p>
+            <a:pPr algn="ctr"/>
+            <a:r>
+              <a:rPr lang="en-US" b="1" dirty="0">
+                <a:solidFill>
+                  <a:schemeClr val="bg1"/>
+                </a:solidFill>
+              </a:rPr>
+              <a:t>Last week</a:t>
+            </a:r>
+          </a:p>
+        </p:txBody>
+      </p:sp>
+      <p:sp>
+        <p:nvSpPr>
+          <p:cNvPr id="4" name="Rectangle 3"/>
+          <p:cNvSpPr/>
+          <p:nvPr/>
+        </p:nvSpPr>
+        <p:spPr>
+          <a:xfrm>
+            <a:off x="204396" y="1762479"/>
+            <a:ext cx="11801138" cy="1938992"/>
+          </a:xfrm>
+          <a:prstGeom prst="rect">
+            <a:avLst/>
+          </a:prstGeom>
+        </p:spPr>
+        <p:txBody>
+          <a:bodyPr wrap="square">
+            <a:spAutoFit/>
+          </a:bodyPr>
+          <a:lstStyle/>
+          <a:p>
+            <a:pPr marL="742950" indent="-742950">
+              <a:buFont typeface="+mj-lt"/>
+              <a:buAutoNum type="arabicPeriod"/>
+            </a:pPr>
+            <a:r>
+              <a:rPr lang="en-US" sz="4000" dirty="0"/>
+              <a:t>If I say the 95% CI is 1.2-1.7, what do I mean?</a:t>
+            </a:r>
+          </a:p>
+          <a:p>
+            <a:pPr marL="742950" indent="-742950">
+              <a:buFont typeface="+mj-lt"/>
+              <a:buAutoNum type="arabicPeriod"/>
+            </a:pPr>
+            <a:endParaRPr lang="en-US" sz="4000" dirty="0"/>
+          </a:p>
+          <a:p>
+            <a:pPr marL="742950" indent="-742950">
+              <a:buFont typeface="+mj-lt"/>
+              <a:buAutoNum type="arabicPeriod"/>
+            </a:pPr>
+            <a:r>
+              <a:rPr lang="en-US" sz="4000" dirty="0"/>
+              <a:t>What is the difference in a parameter and a statistic?</a:t>
+            </a:r>
+          </a:p>
+        </p:txBody>
+      </p:sp>
+    </p:spTree>
+    <p:extLst>
+      <p:ext uri="{BB962C8B-B14F-4D97-AF65-F5344CB8AC3E}">
+        <p14:creationId xmlns:p14="http://schemas.microsoft.com/office/powerpoint/2010/main" val="617954734"/>
+      </p:ext>
+    </p:extLst>
+  </p:cSld>
+  <p:clrMapOvr>
+    <a:masterClrMapping/>
+  </p:clrMapOvr>
+</p:sld>
+</file>
+
+<file path=ppt/slides/slide20.xml><?xml version="1.0" encoding="utf-8"?>
 <p:sld xmlns:a="http://schemas.openxmlformats.org/drawingml/2006/main" xmlns:r="http://schemas.openxmlformats.org/officeDocument/2006/relationships" xmlns:p="http://schemas.openxmlformats.org/presentationml/2006/main">
   <p:cSld>
     <p:spTree>
@@ -12763,577 +7534,7 @@
 </p:sld>
 </file>
 
-<file path=ppt/slides/slide4.xml><?xml version="1.0" encoding="utf-8"?>
-<p:sld xmlns:a="http://schemas.openxmlformats.org/drawingml/2006/main" xmlns:r="http://schemas.openxmlformats.org/officeDocument/2006/relationships" xmlns:p="http://schemas.openxmlformats.org/presentationml/2006/main">
-  <p:cSld>
-    <p:spTree>
-      <p:nvGrpSpPr>
-        <p:cNvPr id="1" name=""/>
-        <p:cNvGrpSpPr/>
-        <p:nvPr/>
-      </p:nvGrpSpPr>
-      <p:grpSpPr>
-        <a:xfrm>
-          <a:off x="0" y="0"/>
-          <a:ext cx="0" cy="0"/>
-          <a:chOff x="0" y="0"/>
-          <a:chExt cx="0" cy="0"/>
-        </a:xfrm>
-      </p:grpSpPr>
-      <p:sp>
-        <p:nvSpPr>
-          <p:cNvPr id="2" name="Title 1"/>
-          <p:cNvSpPr>
-            <a:spLocks noGrp="1"/>
-          </p:cNvSpPr>
-          <p:nvPr>
-            <p:ph type="title"/>
-          </p:nvPr>
-        </p:nvSpPr>
-        <p:spPr>
-          <a:xfrm>
-            <a:off x="0" y="0"/>
-            <a:ext cx="12192000" cy="935915"/>
-          </a:xfrm>
-          <a:solidFill>
-            <a:schemeClr val="tx1"/>
-          </a:solidFill>
-        </p:spPr>
-        <p:txBody>
-          <a:bodyPr/>
-          <a:lstStyle/>
-          <a:p>
-            <a:pPr algn="ctr"/>
-            <a:r>
-              <a:rPr lang="en-US" b="1" dirty="0">
-                <a:solidFill>
-                  <a:schemeClr val="bg1"/>
-                </a:solidFill>
-              </a:rPr>
-              <a:t>Some Experimental Design Considerations </a:t>
-            </a:r>
-          </a:p>
-        </p:txBody>
-      </p:sp>
-      <p:sp>
-        <p:nvSpPr>
-          <p:cNvPr id="4" name="Rectangle 3"/>
-          <p:cNvSpPr/>
-          <p:nvPr/>
-        </p:nvSpPr>
-        <p:spPr>
-          <a:xfrm>
-            <a:off x="195431" y="1149294"/>
-            <a:ext cx="11801138" cy="5262979"/>
-          </a:xfrm>
-          <a:prstGeom prst="rect">
-            <a:avLst/>
-          </a:prstGeom>
-        </p:spPr>
-        <p:txBody>
-          <a:bodyPr wrap="square">
-            <a:spAutoFit/>
-          </a:bodyPr>
-          <a:lstStyle/>
-          <a:p>
-            <a:r>
-              <a:rPr lang="en-US" sz="2400" b="1" dirty="0"/>
-              <a:t>Why do I need a control? </a:t>
-            </a:r>
-          </a:p>
-          <a:p>
-            <a:pPr lvl="1"/>
-            <a:r>
-              <a:rPr lang="en-US" sz="2400" dirty="0"/>
-              <a:t>To interpret an experiment, we need to compare the experimental subjects to the correct reference group. </a:t>
-            </a:r>
-          </a:p>
-          <a:p>
-            <a:pPr lvl="1"/>
-            <a:r>
-              <a:rPr lang="en-US" sz="2400" dirty="0"/>
-              <a:t>What about observational studies? </a:t>
-            </a:r>
-          </a:p>
-          <a:p>
-            <a:pPr lvl="1"/>
-            <a:endParaRPr lang="en-US" sz="2400" dirty="0"/>
-          </a:p>
-          <a:p>
-            <a:r>
-              <a:rPr lang="en-US" sz="2400" b="1" dirty="0"/>
-              <a:t>What is an appropriate control? </a:t>
-            </a:r>
-          </a:p>
-          <a:p>
-            <a:pPr lvl="1"/>
-            <a:r>
-              <a:rPr lang="en-US" sz="2400" dirty="0"/>
-              <a:t>Ideal controls are identical to the experimental population, except for the one parameter being manipulated </a:t>
-            </a:r>
-          </a:p>
-          <a:p>
-            <a:pPr lvl="1"/>
-            <a:r>
-              <a:rPr lang="en-US" sz="2400" dirty="0"/>
-              <a:t>The control population should be similar in all other respects to the experimental population </a:t>
-            </a:r>
-          </a:p>
-          <a:p>
-            <a:pPr lvl="1"/>
-            <a:r>
-              <a:rPr lang="en-US" sz="2400" dirty="0"/>
-              <a:t>The control population should experience sham manipulations that simulate any manipulations applied to the experimental population </a:t>
-            </a:r>
-          </a:p>
-          <a:p>
-            <a:pPr lvl="1"/>
-            <a:endParaRPr lang="en-US" sz="2400" dirty="0"/>
-          </a:p>
-          <a:p>
-            <a:r>
-              <a:rPr lang="en-US" sz="2400" b="1" dirty="0"/>
-              <a:t>Sometimes you might need multiple different controls. </a:t>
-            </a:r>
-          </a:p>
-        </p:txBody>
-      </p:sp>
-    </p:spTree>
-    <p:extLst>
-      <p:ext uri="{BB962C8B-B14F-4D97-AF65-F5344CB8AC3E}">
-        <p14:creationId xmlns:p14="http://schemas.microsoft.com/office/powerpoint/2010/main" val="2087825462"/>
-      </p:ext>
-    </p:extLst>
-  </p:cSld>
-  <p:clrMapOvr>
-    <a:masterClrMapping/>
-  </p:clrMapOvr>
-  <p:timing>
-    <p:tnLst>
-      <p:par>
-        <p:cTn id="1" dur="indefinite" restart="never" nodeType="tmRoot">
-          <p:childTnLst>
-            <p:seq concurrent="1" nextAc="seek">
-              <p:cTn id="2" dur="indefinite" nodeType="mainSeq">
-                <p:childTnLst>
-                  <p:par>
-                    <p:cTn id="3" fill="hold">
-                      <p:stCondLst>
-                        <p:cond delay="indefinite"/>
-                      </p:stCondLst>
-                      <p:childTnLst>
-                        <p:par>
-                          <p:cTn id="4" fill="hold">
-                            <p:stCondLst>
-                              <p:cond delay="0"/>
-                            </p:stCondLst>
-                            <p:childTnLst>
-                              <p:par>
-                                <p:cTn id="5" presetID="1" presetClass="entr" presetSubtype="0" fill="hold" nodeType="clickEffect">
-                                  <p:stCondLst>
-                                    <p:cond delay="0"/>
-                                  </p:stCondLst>
-                                  <p:childTnLst>
-                                    <p:set>
-                                      <p:cBhvr>
-                                        <p:cTn id="6" dur="1" fill="hold">
-                                          <p:stCondLst>
-                                            <p:cond delay="0"/>
-                                          </p:stCondLst>
-                                        </p:cTn>
-                                        <p:tgtEl>
-                                          <p:spTgt spid="4">
-                                            <p:txEl>
-                                              <p:pRg st="0" end="0"/>
-                                            </p:txEl>
-                                          </p:spTgt>
-                                        </p:tgtEl>
-                                        <p:attrNameLst>
-                                          <p:attrName>style.visibility</p:attrName>
-                                        </p:attrNameLst>
-                                      </p:cBhvr>
-                                      <p:to>
-                                        <p:strVal val="visible"/>
-                                      </p:to>
-                                    </p:set>
-                                  </p:childTnLst>
-                                </p:cTn>
-                              </p:par>
-                            </p:childTnLst>
-                          </p:cTn>
-                        </p:par>
-                      </p:childTnLst>
-                    </p:cTn>
-                  </p:par>
-                  <p:par>
-                    <p:cTn id="7" fill="hold">
-                      <p:stCondLst>
-                        <p:cond delay="indefinite"/>
-                      </p:stCondLst>
-                      <p:childTnLst>
-                        <p:par>
-                          <p:cTn id="8" fill="hold">
-                            <p:stCondLst>
-                              <p:cond delay="0"/>
-                            </p:stCondLst>
-                            <p:childTnLst>
-                              <p:par>
-                                <p:cTn id="9" presetID="1" presetClass="entr" presetSubtype="0" fill="hold" nodeType="clickEffect">
-                                  <p:stCondLst>
-                                    <p:cond delay="0"/>
-                                  </p:stCondLst>
-                                  <p:childTnLst>
-                                    <p:set>
-                                      <p:cBhvr>
-                                        <p:cTn id="10" dur="1" fill="hold">
-                                          <p:stCondLst>
-                                            <p:cond delay="0"/>
-                                          </p:stCondLst>
-                                        </p:cTn>
-                                        <p:tgtEl>
-                                          <p:spTgt spid="4">
-                                            <p:txEl>
-                                              <p:pRg st="1" end="1"/>
-                                            </p:txEl>
-                                          </p:spTgt>
-                                        </p:tgtEl>
-                                        <p:attrNameLst>
-                                          <p:attrName>style.visibility</p:attrName>
-                                        </p:attrNameLst>
-                                      </p:cBhvr>
-                                      <p:to>
-                                        <p:strVal val="visible"/>
-                                      </p:to>
-                                    </p:set>
-                                  </p:childTnLst>
-                                </p:cTn>
-                              </p:par>
-                            </p:childTnLst>
-                          </p:cTn>
-                        </p:par>
-                      </p:childTnLst>
-                    </p:cTn>
-                  </p:par>
-                  <p:par>
-                    <p:cTn id="11" fill="hold">
-                      <p:stCondLst>
-                        <p:cond delay="indefinite"/>
-                      </p:stCondLst>
-                      <p:childTnLst>
-                        <p:par>
-                          <p:cTn id="12" fill="hold">
-                            <p:stCondLst>
-                              <p:cond delay="0"/>
-                            </p:stCondLst>
-                            <p:childTnLst>
-                              <p:par>
-                                <p:cTn id="13" presetID="1" presetClass="entr" presetSubtype="0" fill="hold" nodeType="clickEffect">
-                                  <p:stCondLst>
-                                    <p:cond delay="0"/>
-                                  </p:stCondLst>
-                                  <p:childTnLst>
-                                    <p:set>
-                                      <p:cBhvr>
-                                        <p:cTn id="14" dur="1" fill="hold">
-                                          <p:stCondLst>
-                                            <p:cond delay="0"/>
-                                          </p:stCondLst>
-                                        </p:cTn>
-                                        <p:tgtEl>
-                                          <p:spTgt spid="4">
-                                            <p:txEl>
-                                              <p:pRg st="2" end="2"/>
-                                            </p:txEl>
-                                          </p:spTgt>
-                                        </p:tgtEl>
-                                        <p:attrNameLst>
-                                          <p:attrName>style.visibility</p:attrName>
-                                        </p:attrNameLst>
-                                      </p:cBhvr>
-                                      <p:to>
-                                        <p:strVal val="visible"/>
-                                      </p:to>
-                                    </p:set>
-                                  </p:childTnLst>
-                                </p:cTn>
-                              </p:par>
-                            </p:childTnLst>
-                          </p:cTn>
-                        </p:par>
-                      </p:childTnLst>
-                    </p:cTn>
-                  </p:par>
-                  <p:par>
-                    <p:cTn id="15" fill="hold">
-                      <p:stCondLst>
-                        <p:cond delay="indefinite"/>
-                      </p:stCondLst>
-                      <p:childTnLst>
-                        <p:par>
-                          <p:cTn id="16" fill="hold">
-                            <p:stCondLst>
-                              <p:cond delay="0"/>
-                            </p:stCondLst>
-                            <p:childTnLst>
-                              <p:par>
-                                <p:cTn id="17" presetID="1" presetClass="entr" presetSubtype="0" fill="hold" nodeType="clickEffect">
-                                  <p:stCondLst>
-                                    <p:cond delay="0"/>
-                                  </p:stCondLst>
-                                  <p:childTnLst>
-                                    <p:set>
-                                      <p:cBhvr>
-                                        <p:cTn id="18" dur="1" fill="hold">
-                                          <p:stCondLst>
-                                            <p:cond delay="0"/>
-                                          </p:stCondLst>
-                                        </p:cTn>
-                                        <p:tgtEl>
-                                          <p:spTgt spid="4">
-                                            <p:txEl>
-                                              <p:pRg st="4" end="4"/>
-                                            </p:txEl>
-                                          </p:spTgt>
-                                        </p:tgtEl>
-                                        <p:attrNameLst>
-                                          <p:attrName>style.visibility</p:attrName>
-                                        </p:attrNameLst>
-                                      </p:cBhvr>
-                                      <p:to>
-                                        <p:strVal val="visible"/>
-                                      </p:to>
-                                    </p:set>
-                                  </p:childTnLst>
-                                </p:cTn>
-                              </p:par>
-                            </p:childTnLst>
-                          </p:cTn>
-                        </p:par>
-                      </p:childTnLst>
-                    </p:cTn>
-                  </p:par>
-                  <p:par>
-                    <p:cTn id="19" fill="hold">
-                      <p:stCondLst>
-                        <p:cond delay="indefinite"/>
-                      </p:stCondLst>
-                      <p:childTnLst>
-                        <p:par>
-                          <p:cTn id="20" fill="hold">
-                            <p:stCondLst>
-                              <p:cond delay="0"/>
-                            </p:stCondLst>
-                            <p:childTnLst>
-                              <p:par>
-                                <p:cTn id="21" presetID="1" presetClass="entr" presetSubtype="0" fill="hold" nodeType="clickEffect">
-                                  <p:stCondLst>
-                                    <p:cond delay="0"/>
-                                  </p:stCondLst>
-                                  <p:childTnLst>
-                                    <p:set>
-                                      <p:cBhvr>
-                                        <p:cTn id="22" dur="1" fill="hold">
-                                          <p:stCondLst>
-                                            <p:cond delay="0"/>
-                                          </p:stCondLst>
-                                        </p:cTn>
-                                        <p:tgtEl>
-                                          <p:spTgt spid="4">
-                                            <p:txEl>
-                                              <p:pRg st="5" end="5"/>
-                                            </p:txEl>
-                                          </p:spTgt>
-                                        </p:tgtEl>
-                                        <p:attrNameLst>
-                                          <p:attrName>style.visibility</p:attrName>
-                                        </p:attrNameLst>
-                                      </p:cBhvr>
-                                      <p:to>
-                                        <p:strVal val="visible"/>
-                                      </p:to>
-                                    </p:set>
-                                  </p:childTnLst>
-                                </p:cTn>
-                              </p:par>
-                            </p:childTnLst>
-                          </p:cTn>
-                        </p:par>
-                      </p:childTnLst>
-                    </p:cTn>
-                  </p:par>
-                  <p:par>
-                    <p:cTn id="23" fill="hold">
-                      <p:stCondLst>
-                        <p:cond delay="indefinite"/>
-                      </p:stCondLst>
-                      <p:childTnLst>
-                        <p:par>
-                          <p:cTn id="24" fill="hold">
-                            <p:stCondLst>
-                              <p:cond delay="0"/>
-                            </p:stCondLst>
-                            <p:childTnLst>
-                              <p:par>
-                                <p:cTn id="25" presetID="1" presetClass="entr" presetSubtype="0" fill="hold" nodeType="clickEffect">
-                                  <p:stCondLst>
-                                    <p:cond delay="0"/>
-                                  </p:stCondLst>
-                                  <p:childTnLst>
-                                    <p:set>
-                                      <p:cBhvr>
-                                        <p:cTn id="26" dur="1" fill="hold">
-                                          <p:stCondLst>
-                                            <p:cond delay="0"/>
-                                          </p:stCondLst>
-                                        </p:cTn>
-                                        <p:tgtEl>
-                                          <p:spTgt spid="4">
-                                            <p:txEl>
-                                              <p:pRg st="6" end="6"/>
-                                            </p:txEl>
-                                          </p:spTgt>
-                                        </p:tgtEl>
-                                        <p:attrNameLst>
-                                          <p:attrName>style.visibility</p:attrName>
-                                        </p:attrNameLst>
-                                      </p:cBhvr>
-                                      <p:to>
-                                        <p:strVal val="visible"/>
-                                      </p:to>
-                                    </p:set>
-                                  </p:childTnLst>
-                                </p:cTn>
-                              </p:par>
-                            </p:childTnLst>
-                          </p:cTn>
-                        </p:par>
-                      </p:childTnLst>
-                    </p:cTn>
-                  </p:par>
-                  <p:par>
-                    <p:cTn id="27" fill="hold">
-                      <p:stCondLst>
-                        <p:cond delay="indefinite"/>
-                      </p:stCondLst>
-                      <p:childTnLst>
-                        <p:par>
-                          <p:cTn id="28" fill="hold">
-                            <p:stCondLst>
-                              <p:cond delay="0"/>
-                            </p:stCondLst>
-                            <p:childTnLst>
-                              <p:par>
-                                <p:cTn id="29" presetID="1" presetClass="entr" presetSubtype="0" fill="hold" nodeType="clickEffect">
-                                  <p:stCondLst>
-                                    <p:cond delay="0"/>
-                                  </p:stCondLst>
-                                  <p:childTnLst>
-                                    <p:set>
-                                      <p:cBhvr>
-                                        <p:cTn id="30" dur="1" fill="hold">
-                                          <p:stCondLst>
-                                            <p:cond delay="0"/>
-                                          </p:stCondLst>
-                                        </p:cTn>
-                                        <p:tgtEl>
-                                          <p:spTgt spid="4">
-                                            <p:txEl>
-                                              <p:pRg st="7" end="7"/>
-                                            </p:txEl>
-                                          </p:spTgt>
-                                        </p:tgtEl>
-                                        <p:attrNameLst>
-                                          <p:attrName>style.visibility</p:attrName>
-                                        </p:attrNameLst>
-                                      </p:cBhvr>
-                                      <p:to>
-                                        <p:strVal val="visible"/>
-                                      </p:to>
-                                    </p:set>
-                                  </p:childTnLst>
-                                </p:cTn>
-                              </p:par>
-                            </p:childTnLst>
-                          </p:cTn>
-                        </p:par>
-                      </p:childTnLst>
-                    </p:cTn>
-                  </p:par>
-                  <p:par>
-                    <p:cTn id="31" fill="hold">
-                      <p:stCondLst>
-                        <p:cond delay="indefinite"/>
-                      </p:stCondLst>
-                      <p:childTnLst>
-                        <p:par>
-                          <p:cTn id="32" fill="hold">
-                            <p:stCondLst>
-                              <p:cond delay="0"/>
-                            </p:stCondLst>
-                            <p:childTnLst>
-                              <p:par>
-                                <p:cTn id="33" presetID="1" presetClass="entr" presetSubtype="0" fill="hold" nodeType="clickEffect">
-                                  <p:stCondLst>
-                                    <p:cond delay="0"/>
-                                  </p:stCondLst>
-                                  <p:childTnLst>
-                                    <p:set>
-                                      <p:cBhvr>
-                                        <p:cTn id="34" dur="1" fill="hold">
-                                          <p:stCondLst>
-                                            <p:cond delay="0"/>
-                                          </p:stCondLst>
-                                        </p:cTn>
-                                        <p:tgtEl>
-                                          <p:spTgt spid="4">
-                                            <p:txEl>
-                                              <p:pRg st="9" end="9"/>
-                                            </p:txEl>
-                                          </p:spTgt>
-                                        </p:tgtEl>
-                                        <p:attrNameLst>
-                                          <p:attrName>style.visibility</p:attrName>
-                                        </p:attrNameLst>
-                                      </p:cBhvr>
-                                      <p:to>
-                                        <p:strVal val="visible"/>
-                                      </p:to>
-                                    </p:set>
-                                  </p:childTnLst>
-                                </p:cTn>
-                              </p:par>
-                            </p:childTnLst>
-                          </p:cTn>
-                        </p:par>
-                      </p:childTnLst>
-                    </p:cTn>
-                  </p:par>
-                </p:childTnLst>
-              </p:cTn>
-              <p:prevCondLst>
-                <p:cond evt="onPrev" delay="0">
-                  <p:tgtEl>
-                    <p:sldTgt/>
-                  </p:tgtEl>
-                </p:cond>
-              </p:prevCondLst>
-              <p:nextCondLst>
-                <p:cond evt="onNext" delay="0">
-                  <p:tgtEl>
-                    <p:sldTgt/>
-                  </p:tgtEl>
-                </p:cond>
-              </p:nextCondLst>
-            </p:seq>
-          </p:childTnLst>
-        </p:cTn>
-      </p:par>
-    </p:tnLst>
-  </p:timing>
-</p:sld>
-</file>
-
-<file path=ppt/slides/slide40.xml><?xml version="1.0" encoding="utf-8"?>
+<file path=ppt/slides/slide21.xml><?xml version="1.0" encoding="utf-8"?>
 <p:sld xmlns:a="http://schemas.openxmlformats.org/drawingml/2006/main" xmlns:r="http://schemas.openxmlformats.org/officeDocument/2006/relationships" xmlns:p="http://schemas.openxmlformats.org/presentationml/2006/main">
   <p:cSld>
     <p:spTree>
@@ -14608,7 +8809,7 @@
 </p:sld>
 </file>
 
-<file path=ppt/slides/slide41.xml><?xml version="1.0" encoding="utf-8"?>
+<file path=ppt/slides/slide22.xml><?xml version="1.0" encoding="utf-8"?>
 <p:sld xmlns:a="http://schemas.openxmlformats.org/drawingml/2006/main" xmlns:r="http://schemas.openxmlformats.org/officeDocument/2006/relationships" xmlns:p="http://schemas.openxmlformats.org/presentationml/2006/main">
   <p:cSld>
     <p:spTree>
@@ -15883,7 +10084,7 @@
 </p:sld>
 </file>
 
-<file path=ppt/slides/slide42.xml><?xml version="1.0" encoding="utf-8"?>
+<file path=ppt/slides/slide23.xml><?xml version="1.0" encoding="utf-8"?>
 <p:sld xmlns:a="http://schemas.openxmlformats.org/drawingml/2006/main" xmlns:r="http://schemas.openxmlformats.org/officeDocument/2006/relationships" xmlns:p="http://schemas.openxmlformats.org/presentationml/2006/main">
   <p:cSld>
     <p:spTree>
@@ -17087,7 +11288,7 @@
 </p:sld>
 </file>
 
-<file path=ppt/slides/slide43.xml><?xml version="1.0" encoding="utf-8"?>
+<file path=ppt/slides/slide24.xml><?xml version="1.0" encoding="utf-8"?>
 <p:sld xmlns:a="http://schemas.openxmlformats.org/drawingml/2006/main" xmlns:r="http://schemas.openxmlformats.org/officeDocument/2006/relationships" xmlns:p="http://schemas.openxmlformats.org/presentationml/2006/main">
   <p:cSld>
     <p:spTree>
@@ -18074,7 +12275,7 @@
 </p:sld>
 </file>
 
-<file path=ppt/slides/slide44.xml><?xml version="1.0" encoding="utf-8"?>
+<file path=ppt/slides/slide25.xml><?xml version="1.0" encoding="utf-8"?>
 <p:sld xmlns:a="http://schemas.openxmlformats.org/drawingml/2006/main" xmlns:r="http://schemas.openxmlformats.org/officeDocument/2006/relationships" xmlns:p="http://schemas.openxmlformats.org/presentationml/2006/main">
   <p:cSld>
     <p:spTree>
@@ -18190,7 +12391,7 @@
 </p:sld>
 </file>
 
-<file path=ppt/slides/slide45.xml><?xml version="1.0" encoding="utf-8"?>
+<file path=ppt/slides/slide26.xml><?xml version="1.0" encoding="utf-8"?>
 <p:sld xmlns:a="http://schemas.openxmlformats.org/drawingml/2006/main" xmlns:r="http://schemas.openxmlformats.org/officeDocument/2006/relationships" xmlns:p="http://schemas.openxmlformats.org/presentationml/2006/main">
   <p:cSld>
     <p:spTree>
@@ -19886,7 +14087,7 @@
 </p:sld>
 </file>
 
-<file path=ppt/slides/slide46.xml><?xml version="1.0" encoding="utf-8"?>
+<file path=ppt/slides/slide27.xml><?xml version="1.0" encoding="utf-8"?>
 <p:sld xmlns:a="http://schemas.openxmlformats.org/drawingml/2006/main" xmlns:r="http://schemas.openxmlformats.org/officeDocument/2006/relationships" xmlns:p="http://schemas.openxmlformats.org/presentationml/2006/main">
   <p:cSld>
     <p:spTree>
@@ -20599,7 +14800,133 @@
 </p:sld>
 </file>
 
-<file path=ppt/slides/slide5.xml><?xml version="1.0" encoding="utf-8"?>
+<file path=ppt/slides/slide3.xml><?xml version="1.0" encoding="utf-8"?>
+<p:sld xmlns:a="http://schemas.openxmlformats.org/drawingml/2006/main" xmlns:r="http://schemas.openxmlformats.org/officeDocument/2006/relationships" xmlns:p="http://schemas.openxmlformats.org/presentationml/2006/main">
+  <p:cSld>
+    <p:spTree>
+      <p:nvGrpSpPr>
+        <p:cNvPr id="1" name=""/>
+        <p:cNvGrpSpPr/>
+        <p:nvPr/>
+      </p:nvGrpSpPr>
+      <p:grpSpPr>
+        <a:xfrm>
+          <a:off x="0" y="0"/>
+          <a:ext cx="0" cy="0"/>
+          <a:chOff x="0" y="0"/>
+          <a:chExt cx="0" cy="0"/>
+        </a:xfrm>
+      </p:grpSpPr>
+      <p:sp>
+        <p:nvSpPr>
+          <p:cNvPr id="2" name="Title 1"/>
+          <p:cNvSpPr>
+            <a:spLocks noGrp="1"/>
+          </p:cNvSpPr>
+          <p:nvPr>
+            <p:ph type="title"/>
+          </p:nvPr>
+        </p:nvSpPr>
+        <p:spPr>
+          <a:xfrm>
+            <a:off x="0" y="0"/>
+            <a:ext cx="12192000" cy="935915"/>
+          </a:xfrm>
+          <a:solidFill>
+            <a:schemeClr val="tx1"/>
+          </a:solidFill>
+        </p:spPr>
+        <p:txBody>
+          <a:bodyPr/>
+          <a:lstStyle/>
+          <a:p>
+            <a:pPr algn="ctr"/>
+            <a:r>
+              <a:rPr lang="en-US" b="1" dirty="0">
+                <a:solidFill>
+                  <a:schemeClr val="bg1"/>
+                </a:solidFill>
+              </a:rPr>
+              <a:t>Today</a:t>
+            </a:r>
+          </a:p>
+        </p:txBody>
+      </p:sp>
+      <p:sp>
+        <p:nvSpPr>
+          <p:cNvPr id="4" name="Rectangle 3"/>
+          <p:cNvSpPr/>
+          <p:nvPr/>
+        </p:nvSpPr>
+        <p:spPr>
+          <a:xfrm>
+            <a:off x="195431" y="1006798"/>
+            <a:ext cx="11801138" cy="3613297"/>
+          </a:xfrm>
+          <a:prstGeom prst="rect">
+            <a:avLst/>
+          </a:prstGeom>
+        </p:spPr>
+        <p:txBody>
+          <a:bodyPr wrap="square">
+            <a:spAutoFit/>
+          </a:bodyPr>
+          <a:lstStyle/>
+          <a:p>
+            <a:pPr marL="742950" indent="-742950">
+              <a:lnSpc>
+                <a:spcPct val="200000"/>
+              </a:lnSpc>
+              <a:buFont typeface="+mj-lt"/>
+              <a:buAutoNum type="arabicPeriod"/>
+            </a:pPr>
+            <a:r>
+              <a:rPr lang="en-US" sz="4000" dirty="0"/>
+              <a:t>Basic experimental reminders</a:t>
+            </a:r>
+          </a:p>
+          <a:p>
+            <a:pPr marL="742950" indent="-742950">
+              <a:lnSpc>
+                <a:spcPct val="200000"/>
+              </a:lnSpc>
+              <a:buFont typeface="+mj-lt"/>
+              <a:buAutoNum type="arabicPeriod"/>
+            </a:pPr>
+            <a:r>
+              <a:rPr lang="en-US" sz="4000" dirty="0"/>
+              <a:t>Basics of Probability</a:t>
+            </a:r>
+          </a:p>
+          <a:p>
+            <a:pPr marL="742950" indent="-742950">
+              <a:lnSpc>
+                <a:spcPct val="200000"/>
+              </a:lnSpc>
+              <a:buFont typeface="+mj-lt"/>
+              <a:buAutoNum type="arabicPeriod"/>
+            </a:pPr>
+            <a:r>
+              <a:rPr lang="en-US" sz="4000" dirty="0"/>
+              <a:t>Binomial and Chi-square tests</a:t>
+            </a:r>
+          </a:p>
+        </p:txBody>
+      </p:sp>
+    </p:spTree>
+    <p:extLst>
+      <p:ext uri="{BB962C8B-B14F-4D97-AF65-F5344CB8AC3E}">
+        <p14:creationId xmlns:p14="http://schemas.microsoft.com/office/powerpoint/2010/main" val="1902704987"/>
+      </p:ext>
+    </p:extLst>
+  </p:cSld>
+  <p:clrMapOvr>
+    <a:masterClrMapping/>
+  </p:clrMapOvr>
+</p:sld>
+</file>
+
+<file path=ppt/slides/slide4.xml><?xml version="1.0" encoding="utf-8"?>
 <p:sld xmlns:a="http://schemas.openxmlformats.org/drawingml/2006/main" xmlns:r="http://schemas.openxmlformats.org/officeDocument/2006/relationships" xmlns:p="http://schemas.openxmlformats.org/presentationml/2006/main">
   <p:cSld>
     <p:spTree>
@@ -20648,7 +14975,7 @@
                   <a:schemeClr val="bg1"/>
                 </a:solidFill>
               </a:rPr>
-              <a:t>Avoiding Experimenter Bias </a:t>
+              <a:t>Analyzing Proportions </a:t>
             </a:r>
           </a:p>
         </p:txBody>
@@ -20661,8 +14988,8 @@
         </p:nvSpPr>
         <p:spPr>
           <a:xfrm>
-            <a:off x="195431" y="1149294"/>
-            <a:ext cx="11801138" cy="3046988"/>
+            <a:off x="237995" y="1161821"/>
+            <a:ext cx="11786991" cy="3970318"/>
           </a:xfrm>
           <a:prstGeom prst="rect">
             <a:avLst/>
@@ -20675,66 +15002,208 @@
           <a:lstStyle/>
           <a:p>
             <a:r>
-              <a:rPr lang="en-US" sz="2400" b="1" dirty="0"/>
-              <a:t>Experimenter bias is real </a:t>
+              <a:rPr lang="en-US" sz="2800" dirty="0"/>
+              <a:t>Several chapters in the book deal with this topic </a:t>
+            </a:r>
+          </a:p>
+          <a:p>
+            <a:endParaRPr lang="en-US" sz="2800" dirty="0"/>
+          </a:p>
+          <a:p>
+            <a:r>
+              <a:rPr lang="en-US" sz="2800" dirty="0"/>
+              <a:t>The experiment boils down to this: </a:t>
+            </a:r>
+          </a:p>
+          <a:p>
+            <a:pPr marL="914400" lvl="1" indent="-457200">
+              <a:buFont typeface="Arial" charset="0"/>
+              <a:buChar char="•"/>
+            </a:pPr>
+            <a:r>
+              <a:rPr lang="en-US" sz="2800" dirty="0"/>
+              <a:t>Your subjects have some alternative outcomes</a:t>
+            </a:r>
+          </a:p>
+          <a:p>
+            <a:pPr marL="914400" lvl="1" indent="-457200">
+              <a:buFont typeface="Arial" charset="0"/>
+              <a:buChar char="•"/>
+            </a:pPr>
+            <a:r>
+              <a:rPr lang="en-US" sz="2800" dirty="0"/>
+              <a:t>Each individual has some probability of each outcome</a:t>
+            </a:r>
+          </a:p>
+          <a:p>
+            <a:pPr marL="914400" lvl="1" indent="-457200">
+              <a:buFont typeface="Arial" charset="0"/>
+              <a:buChar char="•"/>
+            </a:pPr>
+            <a:r>
+              <a:rPr lang="en-US" sz="2800" dirty="0"/>
+              <a:t>You are trying to find the conditions that impact that probability</a:t>
+            </a:r>
+          </a:p>
+          <a:p>
+            <a:pPr marL="914400" lvl="1" indent="-457200">
+              <a:buFont typeface="Arial" charset="0"/>
+              <a:buChar char="•"/>
+            </a:pPr>
+            <a:endParaRPr lang="en-US" sz="2800" dirty="0"/>
+          </a:p>
+          <a:p>
+            <a:r>
+              <a:rPr lang="en-US" sz="2800" dirty="0"/>
+              <a:t>When would this type of problem come up in the biological sciences? </a:t>
             </a:r>
           </a:p>
           <a:p>
             <a:pPr lvl="1"/>
-            <a:r>
-              <a:rPr lang="en-US" sz="2400" dirty="0"/>
-              <a:t>The results of your study can be influenced by your expectations </a:t>
-            </a:r>
-          </a:p>
-          <a:p>
-            <a:pPr lvl="1"/>
-            <a:endParaRPr lang="en-US" sz="2400" dirty="0"/>
-          </a:p>
-          <a:p>
-            <a:r>
-              <a:rPr lang="en-US" sz="2400" b="1" dirty="0"/>
-              <a:t>Some precautions </a:t>
-            </a:r>
-          </a:p>
-          <a:p>
-            <a:pPr lvl="1"/>
-            <a:r>
-              <a:rPr lang="en-US" sz="2400" dirty="0"/>
-              <a:t>Randomize assignment of subjects to controls and treatments (</a:t>
-            </a:r>
-            <a:r>
-              <a:rPr lang="en-US" sz="2400" b="1" dirty="0"/>
-              <a:t>use R or </a:t>
-            </a:r>
-            <a:r>
-              <a:rPr lang="en-US" sz="2400" b="1" dirty="0" err="1"/>
-              <a:t>random.org</a:t>
-            </a:r>
-            <a:r>
-              <a:rPr lang="en-US" sz="2400" dirty="0"/>
-              <a:t>).  </a:t>
-            </a:r>
-          </a:p>
-          <a:p>
-            <a:pPr lvl="1"/>
-            <a:endParaRPr lang="en-US" sz="2400" dirty="0"/>
-          </a:p>
-          <a:p>
-            <a:pPr lvl="1"/>
-            <a:r>
-              <a:rPr lang="en-US" sz="2400" dirty="0"/>
-              <a:t>Humans are bad at recognizing and creating randomness. </a:t>
-            </a:r>
-          </a:p>
-          <a:p>
-            <a:endParaRPr lang="en-US" sz="2400" b="1" dirty="0"/>
+            <a:endParaRPr lang="en-US" sz="2800" dirty="0"/>
           </a:p>
         </p:txBody>
       </p:sp>
     </p:spTree>
     <p:extLst>
       <p:ext uri="{BB962C8B-B14F-4D97-AF65-F5344CB8AC3E}">
-        <p14:creationId xmlns:p14="http://schemas.microsoft.com/office/powerpoint/2010/main" val="62600236"/>
+        <p14:creationId xmlns:p14="http://schemas.microsoft.com/office/powerpoint/2010/main" val="956117488"/>
+      </p:ext>
+    </p:extLst>
+  </p:cSld>
+  <p:clrMapOvr>
+    <a:masterClrMapping/>
+  </p:clrMapOvr>
+</p:sld>
+</file>
+
+<file path=ppt/slides/slide5.xml><?xml version="1.0" encoding="utf-8"?>
+<p:sld xmlns:a="http://schemas.openxmlformats.org/drawingml/2006/main" xmlns:r="http://schemas.openxmlformats.org/officeDocument/2006/relationships" xmlns:p="http://schemas.openxmlformats.org/presentationml/2006/main">
+  <p:cSld>
+    <p:spTree>
+      <p:nvGrpSpPr>
+        <p:cNvPr id="1" name=""/>
+        <p:cNvGrpSpPr/>
+        <p:nvPr/>
+      </p:nvGrpSpPr>
+      <p:grpSpPr>
+        <a:xfrm>
+          <a:off x="0" y="0"/>
+          <a:ext cx="0" cy="0"/>
+          <a:chOff x="0" y="0"/>
+          <a:chExt cx="0" cy="0"/>
+        </a:xfrm>
+      </p:grpSpPr>
+      <p:sp>
+        <p:nvSpPr>
+          <p:cNvPr id="2" name="Title 1"/>
+          <p:cNvSpPr>
+            <a:spLocks noGrp="1"/>
+          </p:cNvSpPr>
+          <p:nvPr>
+            <p:ph type="title"/>
+          </p:nvPr>
+        </p:nvSpPr>
+        <p:spPr>
+          <a:xfrm>
+            <a:off x="0" y="0"/>
+            <a:ext cx="12192000" cy="935915"/>
+          </a:xfrm>
+          <a:solidFill>
+            <a:schemeClr val="tx1"/>
+          </a:solidFill>
+        </p:spPr>
+        <p:txBody>
+          <a:bodyPr/>
+          <a:lstStyle/>
+          <a:p>
+            <a:pPr algn="ctr"/>
+            <a:r>
+              <a:rPr lang="en-US" b="1" dirty="0">
+                <a:solidFill>
+                  <a:schemeClr val="bg1"/>
+                </a:solidFill>
+              </a:rPr>
+              <a:t>Terms to know for probability</a:t>
+            </a:r>
+          </a:p>
+        </p:txBody>
+      </p:sp>
+      <p:pic>
+        <p:nvPicPr>
+          <p:cNvPr id="5" name="Picture 4">
+            <a:extLst>
+              <a:ext uri="{FF2B5EF4-FFF2-40B4-BE49-F238E27FC236}">
+                <a16:creationId xmlns:a16="http://schemas.microsoft.com/office/drawing/2014/main" id="{6C0C8C1D-9D04-BD48-8A20-8548BCFB5B69}"/>
+              </a:ext>
+            </a:extLst>
+          </p:cNvPr>
+          <p:cNvPicPr>
+            <a:picLocks noChangeAspect="1"/>
+          </p:cNvPicPr>
+          <p:nvPr/>
+        </p:nvPicPr>
+        <p:blipFill>
+          <a:blip r:embed="rId2">
+            <a:extLst>
+              <a:ext uri="{28A0092B-C50C-407E-A947-70E740481C1C}">
+                <a14:useLocalDpi xmlns:a14="http://schemas.microsoft.com/office/drawing/2010/main" val="0"/>
+              </a:ext>
+            </a:extLst>
+          </a:blip>
+          <a:stretch>
+            <a:fillRect/>
+          </a:stretch>
+        </p:blipFill>
+        <p:spPr>
+          <a:xfrm>
+            <a:off x="3547706" y="935915"/>
+            <a:ext cx="5401388" cy="4558850"/>
+          </a:xfrm>
+          <a:prstGeom prst="rect">
+            <a:avLst/>
+          </a:prstGeom>
+        </p:spPr>
+      </p:pic>
+      <p:sp>
+        <p:nvSpPr>
+          <p:cNvPr id="3" name="TextBox 2">
+            <a:extLst>
+              <a:ext uri="{FF2B5EF4-FFF2-40B4-BE49-F238E27FC236}">
+                <a16:creationId xmlns:a16="http://schemas.microsoft.com/office/drawing/2014/main" id="{C06B9171-FB39-6A4F-89B6-03E2B5A93873}"/>
+              </a:ext>
+            </a:extLst>
+          </p:cNvPr>
+          <p:cNvSpPr txBox="1"/>
+          <p:nvPr/>
+        </p:nvSpPr>
+        <p:spPr>
+          <a:xfrm>
+            <a:off x="755073" y="5784349"/>
+            <a:ext cx="10986654" cy="646331"/>
+          </a:xfrm>
+          <a:prstGeom prst="rect">
+            <a:avLst/>
+          </a:prstGeom>
+          <a:noFill/>
+        </p:spPr>
+        <p:txBody>
+          <a:bodyPr wrap="square" rtlCol="0">
+            <a:spAutoFit/>
+          </a:bodyPr>
+          <a:lstStyle/>
+          <a:p>
+            <a:r>
+              <a:rPr lang="en-US" dirty="0"/>
+              <a:t>Conditional probability: The probability of being struck by lightning changes if you know the statistic about 45 American a year being killed by lightning</a:t>
+            </a:r>
+          </a:p>
+        </p:txBody>
+      </p:sp>
+    </p:spTree>
+    <p:extLst>
+      <p:ext uri="{BB962C8B-B14F-4D97-AF65-F5344CB8AC3E}">
+        <p14:creationId xmlns:p14="http://schemas.microsoft.com/office/powerpoint/2010/main" val="3498413816"/>
       </p:ext>
     </p:extLst>
   </p:cSld>
@@ -20762,7 +15231,7 @@
                             </p:stCondLst>
                             <p:childTnLst>
                               <p:par>
-                                <p:cTn id="5" presetID="1" presetClass="entr" presetSubtype="0" fill="hold" nodeType="clickEffect">
+                                <p:cTn id="5" presetID="1" presetClass="entr" presetSubtype="0" fill="hold" grpId="0" nodeType="clickEffect">
                                   <p:stCondLst>
                                     <p:cond delay="0"/>
                                   </p:stCondLst>
@@ -20775,207 +15244,7 @@
                                           </p:stCondLst>
                                         </p:cTn>
                                         <p:tgtEl>
-                                          <p:spTgt spid="4">
-                                            <p:txEl>
-                                              <p:pRg st="0" end="0"/>
-                                            </p:txEl>
-                                          </p:spTgt>
-                                        </p:tgtEl>
-                                        <p:attrNameLst>
-                                          <p:attrName>style.visibility</p:attrName>
-                                        </p:attrNameLst>
-                                      </p:cBhvr>
-                                      <p:to>
-                                        <p:strVal val="visible"/>
-                                      </p:to>
-                                    </p:set>
-                                  </p:childTnLst>
-                                </p:cTn>
-                              </p:par>
-                            </p:childTnLst>
-                          </p:cTn>
-                        </p:par>
-                      </p:childTnLst>
-                    </p:cTn>
-                  </p:par>
-                  <p:par>
-                    <p:cTn id="7" fill="hold">
-                      <p:stCondLst>
-                        <p:cond delay="indefinite"/>
-                      </p:stCondLst>
-                      <p:childTnLst>
-                        <p:par>
-                          <p:cTn id="8" fill="hold">
-                            <p:stCondLst>
-                              <p:cond delay="0"/>
-                            </p:stCondLst>
-                            <p:childTnLst>
-                              <p:par>
-                                <p:cTn id="9" presetID="1" presetClass="entr" presetSubtype="0" fill="hold" nodeType="clickEffect">
-                                  <p:stCondLst>
-                                    <p:cond delay="0"/>
-                                  </p:stCondLst>
-                                  <p:childTnLst>
-                                    <p:set>
-                                      <p:cBhvr>
-                                        <p:cTn id="10" dur="1" fill="hold">
-                                          <p:stCondLst>
-                                            <p:cond delay="0"/>
-                                          </p:stCondLst>
-                                        </p:cTn>
-                                        <p:tgtEl>
-                                          <p:spTgt spid="4">
-                                            <p:txEl>
-                                              <p:pRg st="1" end="1"/>
-                                            </p:txEl>
-                                          </p:spTgt>
-                                        </p:tgtEl>
-                                        <p:attrNameLst>
-                                          <p:attrName>style.visibility</p:attrName>
-                                        </p:attrNameLst>
-                                      </p:cBhvr>
-                                      <p:to>
-                                        <p:strVal val="visible"/>
-                                      </p:to>
-                                    </p:set>
-                                  </p:childTnLst>
-                                </p:cTn>
-                              </p:par>
-                            </p:childTnLst>
-                          </p:cTn>
-                        </p:par>
-                      </p:childTnLst>
-                    </p:cTn>
-                  </p:par>
-                  <p:par>
-                    <p:cTn id="11" fill="hold">
-                      <p:stCondLst>
-                        <p:cond delay="indefinite"/>
-                      </p:stCondLst>
-                      <p:childTnLst>
-                        <p:par>
-                          <p:cTn id="12" fill="hold">
-                            <p:stCondLst>
-                              <p:cond delay="0"/>
-                            </p:stCondLst>
-                            <p:childTnLst>
-                              <p:par>
-                                <p:cTn id="13" presetID="1" presetClass="entr" presetSubtype="0" fill="hold" nodeType="clickEffect">
-                                  <p:stCondLst>
-                                    <p:cond delay="0"/>
-                                  </p:stCondLst>
-                                  <p:childTnLst>
-                                    <p:set>
-                                      <p:cBhvr>
-                                        <p:cTn id="14" dur="1" fill="hold">
-                                          <p:stCondLst>
-                                            <p:cond delay="0"/>
-                                          </p:stCondLst>
-                                        </p:cTn>
-                                        <p:tgtEl>
-                                          <p:spTgt spid="4">
-                                            <p:txEl>
-                                              <p:pRg st="3" end="3"/>
-                                            </p:txEl>
-                                          </p:spTgt>
-                                        </p:tgtEl>
-                                        <p:attrNameLst>
-                                          <p:attrName>style.visibility</p:attrName>
-                                        </p:attrNameLst>
-                                      </p:cBhvr>
-                                      <p:to>
-                                        <p:strVal val="visible"/>
-                                      </p:to>
-                                    </p:set>
-                                  </p:childTnLst>
-                                </p:cTn>
-                              </p:par>
-                            </p:childTnLst>
-                          </p:cTn>
-                        </p:par>
-                      </p:childTnLst>
-                    </p:cTn>
-                  </p:par>
-                  <p:par>
-                    <p:cTn id="15" fill="hold">
-                      <p:stCondLst>
-                        <p:cond delay="indefinite"/>
-                      </p:stCondLst>
-                      <p:childTnLst>
-                        <p:par>
-                          <p:cTn id="16" fill="hold">
-                            <p:stCondLst>
-                              <p:cond delay="0"/>
-                            </p:stCondLst>
-                            <p:childTnLst>
-                              <p:par>
-                                <p:cTn id="17" presetID="1" presetClass="entr" presetSubtype="0" fill="hold" nodeType="clickEffect">
-                                  <p:stCondLst>
-                                    <p:cond delay="0"/>
-                                  </p:stCondLst>
-                                  <p:childTnLst>
-                                    <p:set>
-                                      <p:cBhvr>
-                                        <p:cTn id="18" dur="1" fill="hold">
-                                          <p:stCondLst>
-                                            <p:cond delay="0"/>
-                                          </p:stCondLst>
-                                        </p:cTn>
-                                        <p:tgtEl>
-                                          <p:spTgt spid="4">
-                                            <p:txEl>
-                                              <p:pRg st="4" end="4"/>
-                                            </p:txEl>
-                                          </p:spTgt>
-                                        </p:tgtEl>
-                                        <p:attrNameLst>
-                                          <p:attrName>style.visibility</p:attrName>
-                                        </p:attrNameLst>
-                                      </p:cBhvr>
-                                      <p:to>
-                                        <p:strVal val="visible"/>
-                                      </p:to>
-                                    </p:set>
-                                  </p:childTnLst>
-                                </p:cTn>
-                              </p:par>
-                            </p:childTnLst>
-                          </p:cTn>
-                        </p:par>
-                      </p:childTnLst>
-                    </p:cTn>
-                  </p:par>
-                  <p:par>
-                    <p:cTn id="19" fill="hold">
-                      <p:stCondLst>
-                        <p:cond delay="indefinite"/>
-                      </p:stCondLst>
-                      <p:childTnLst>
-                        <p:par>
-                          <p:cTn id="20" fill="hold">
-                            <p:stCondLst>
-                              <p:cond delay="0"/>
-                            </p:stCondLst>
-                            <p:childTnLst>
-                              <p:par>
-                                <p:cTn id="21" presetID="1" presetClass="entr" presetSubtype="0" fill="hold" nodeType="clickEffect">
-                                  <p:stCondLst>
-                                    <p:cond delay="0"/>
-                                  </p:stCondLst>
-                                  <p:childTnLst>
-                                    <p:set>
-                                      <p:cBhvr>
-                                        <p:cTn id="22" dur="1" fill="hold">
-                                          <p:stCondLst>
-                                            <p:cond delay="0"/>
-                                          </p:stCondLst>
-                                        </p:cTn>
-                                        <p:tgtEl>
-                                          <p:spTgt spid="4">
-                                            <p:txEl>
-                                              <p:pRg st="6" end="6"/>
-                                            </p:txEl>
-                                          </p:spTgt>
+                                          <p:spTgt spid="3"/>
                                         </p:tgtEl>
                                         <p:attrNameLst>
                                           <p:attrName>style.visibility</p:attrName>
@@ -21015,6 +15284,9 @@
         </p:cTn>
       </p:par>
     </p:tnLst>
+    <p:bldLst>
+      <p:bldP spid="3" grpId="0"/>
+    </p:bldLst>
   </p:timing>
 </p:sld>
 </file>
@@ -21056,9 +15328,7 @@
           </a:solidFill>
         </p:spPr>
         <p:txBody>
-          <a:bodyPr>
-            <a:normAutofit/>
-          </a:bodyPr>
+          <a:bodyPr/>
           <a:lstStyle/>
           <a:p>
             <a:pPr algn="ctr"/>
@@ -21068,7 +15338,7 @@
                   <a:schemeClr val="bg1"/>
                 </a:solidFill>
               </a:rPr>
-              <a:t>Avoiding Experimenter Bias </a:t>
+              <a:t>A simple example</a:t>
             </a:r>
           </a:p>
         </p:txBody>
@@ -21081,8 +15351,8 @@
         </p:nvSpPr>
         <p:spPr>
           <a:xfrm>
-            <a:off x="195431" y="1149294"/>
-            <a:ext cx="11801138" cy="2308324"/>
+            <a:off x="195431" y="935915"/>
+            <a:ext cx="11801138" cy="5909310"/>
           </a:xfrm>
           <a:prstGeom prst="rect">
             <a:avLst/>
@@ -21095,32 +15365,65 @@
           <a:lstStyle/>
           <a:p>
             <a:r>
-              <a:rPr lang="en-US" sz="2400" b="1" dirty="0"/>
-              <a:t>Use a blind or double-blind experimental design </a:t>
-            </a:r>
-          </a:p>
-          <a:p>
-            <a:pPr lvl="1"/>
-            <a:r>
-              <a:rPr lang="en-US" sz="2400" dirty="0"/>
-              <a:t>Blind: the subject doesn’t know whether it’s an experimental or control subject </a:t>
-            </a:r>
-          </a:p>
-          <a:p>
-            <a:pPr lvl="1"/>
-            <a:r>
-              <a:rPr lang="en-US" sz="2400" dirty="0"/>
-              <a:t>Double-blind: neither the researcher nor subject know which subjects are experimental versus control</a:t>
-            </a:r>
-          </a:p>
-          <a:p>
-            <a:pPr lvl="1"/>
-            <a:endParaRPr lang="en-US" sz="2400" dirty="0"/>
-          </a:p>
-          <a:p>
-            <a:r>
-              <a:rPr lang="en-US" sz="2400" b="1" dirty="0"/>
-              <a:t>How can you apply this to your research? </a:t>
+              <a:rPr lang="en-US" sz="3200" dirty="0"/>
+              <a:t>What is the probability of drawing an ace then a king from a deck cards?</a:t>
+            </a:r>
+          </a:p>
+          <a:p>
+            <a:endParaRPr lang="en-US" sz="3200" dirty="0"/>
+          </a:p>
+          <a:p>
+            <a:r>
+              <a:rPr lang="en-US" sz="3200" dirty="0"/>
+              <a:t>What is the sample space?</a:t>
+            </a:r>
+          </a:p>
+          <a:p>
+            <a:endParaRPr lang="en-US" sz="3200" dirty="0"/>
+          </a:p>
+          <a:p>
+            <a:r>
+              <a:rPr lang="en-US" sz="3200" dirty="0"/>
+              <a:t>Are the events independent or dependent?</a:t>
+            </a:r>
+          </a:p>
+          <a:p>
+            <a:endParaRPr lang="en-US" sz="3200" dirty="0"/>
+          </a:p>
+          <a:p>
+            <a:r>
+              <a:rPr lang="en-US" sz="3200" dirty="0"/>
+              <a:t>What is the probability of this event?</a:t>
+            </a:r>
+          </a:p>
+          <a:p>
+            <a:endParaRPr lang="en-US" sz="3200" dirty="0"/>
+          </a:p>
+          <a:p>
+            <a:r>
+              <a:rPr lang="en-US" sz="3200" dirty="0"/>
+              <a:t>What is the conditional probability of drawing a king if we have already drawn an ace?</a:t>
+            </a:r>
+            <a:endParaRPr lang="en-US" sz="200" dirty="0"/>
+          </a:p>
+          <a:p>
+            <a:endParaRPr lang="en-US" sz="200" dirty="0"/>
+          </a:p>
+          <a:p>
+            <a:endParaRPr lang="en-US" sz="200" dirty="0"/>
+          </a:p>
+          <a:p>
+            <a:pPr algn="r"/>
+            <a:r>
+              <a:rPr lang="en-US" sz="2000" dirty="0">
+                <a:solidFill>
+                  <a:schemeClr val="tx1">
+                    <a:lumMod val="50000"/>
+                    <a:lumOff val="50000"/>
+                  </a:schemeClr>
+                </a:solidFill>
+              </a:rPr>
+              <a:t>assume standard deck with no jokers</a:t>
             </a:r>
           </a:p>
         </p:txBody>
@@ -21128,239 +15431,13 @@
     </p:spTree>
     <p:extLst>
       <p:ext uri="{BB962C8B-B14F-4D97-AF65-F5344CB8AC3E}">
-        <p14:creationId xmlns:p14="http://schemas.microsoft.com/office/powerpoint/2010/main" val="2929788924"/>
+        <p14:creationId xmlns:p14="http://schemas.microsoft.com/office/powerpoint/2010/main" val="3198898071"/>
       </p:ext>
     </p:extLst>
   </p:cSld>
   <p:clrMapOvr>
     <a:masterClrMapping/>
   </p:clrMapOvr>
-  <p:timing>
-    <p:tnLst>
-      <p:par>
-        <p:cTn id="1" dur="indefinite" restart="never" nodeType="tmRoot">
-          <p:childTnLst>
-            <p:seq concurrent="1" nextAc="seek">
-              <p:cTn id="2" dur="indefinite" nodeType="mainSeq">
-                <p:childTnLst>
-                  <p:par>
-                    <p:cTn id="3" fill="hold">
-                      <p:stCondLst>
-                        <p:cond delay="indefinite"/>
-                      </p:stCondLst>
-                      <p:childTnLst>
-                        <p:par>
-                          <p:cTn id="4" fill="hold">
-                            <p:stCondLst>
-                              <p:cond delay="0"/>
-                            </p:stCondLst>
-                            <p:childTnLst>
-                              <p:par>
-                                <p:cTn id="5" presetID="1" presetClass="entr" presetSubtype="0" fill="hold" nodeType="clickEffect">
-                                  <p:stCondLst>
-                                    <p:cond delay="0"/>
-                                  </p:stCondLst>
-                                  <p:childTnLst>
-                                    <p:set>
-                                      <p:cBhvr>
-                                        <p:cTn id="6" dur="1" fill="hold">
-                                          <p:stCondLst>
-                                            <p:cond delay="0"/>
-                                          </p:stCondLst>
-                                        </p:cTn>
-                                        <p:tgtEl>
-                                          <p:spTgt spid="4">
-                                            <p:txEl>
-                                              <p:pRg st="0" end="0"/>
-                                            </p:txEl>
-                                          </p:spTgt>
-                                        </p:tgtEl>
-                                        <p:attrNameLst>
-                                          <p:attrName>style.visibility</p:attrName>
-                                        </p:attrNameLst>
-                                      </p:cBhvr>
-                                      <p:to>
-                                        <p:strVal val="visible"/>
-                                      </p:to>
-                                    </p:set>
-                                  </p:childTnLst>
-                                </p:cTn>
-                              </p:par>
-                            </p:childTnLst>
-                          </p:cTn>
-                        </p:par>
-                      </p:childTnLst>
-                    </p:cTn>
-                  </p:par>
-                  <p:par>
-                    <p:cTn id="7" fill="hold">
-                      <p:stCondLst>
-                        <p:cond delay="indefinite"/>
-                      </p:stCondLst>
-                      <p:childTnLst>
-                        <p:par>
-                          <p:cTn id="8" fill="hold">
-                            <p:stCondLst>
-                              <p:cond delay="0"/>
-                            </p:stCondLst>
-                            <p:childTnLst>
-                              <p:par>
-                                <p:cTn id="9" presetID="1" presetClass="entr" presetSubtype="0" fill="hold" nodeType="clickEffect">
-                                  <p:stCondLst>
-                                    <p:cond delay="0"/>
-                                  </p:stCondLst>
-                                  <p:childTnLst>
-                                    <p:set>
-                                      <p:cBhvr>
-                                        <p:cTn id="10" dur="1" fill="hold">
-                                          <p:stCondLst>
-                                            <p:cond delay="0"/>
-                                          </p:stCondLst>
-                                        </p:cTn>
-                                        <p:tgtEl>
-                                          <p:spTgt spid="4">
-                                            <p:txEl>
-                                              <p:pRg st="1" end="1"/>
-                                            </p:txEl>
-                                          </p:spTgt>
-                                        </p:tgtEl>
-                                        <p:attrNameLst>
-                                          <p:attrName>style.visibility</p:attrName>
-                                        </p:attrNameLst>
-                                      </p:cBhvr>
-                                      <p:to>
-                                        <p:strVal val="visible"/>
-                                      </p:to>
-                                    </p:set>
-                                  </p:childTnLst>
-                                </p:cTn>
-                              </p:par>
-                            </p:childTnLst>
-                          </p:cTn>
-                        </p:par>
-                      </p:childTnLst>
-                    </p:cTn>
-                  </p:par>
-                  <p:par>
-                    <p:cTn id="11" fill="hold">
-                      <p:stCondLst>
-                        <p:cond delay="indefinite"/>
-                      </p:stCondLst>
-                      <p:childTnLst>
-                        <p:par>
-                          <p:cTn id="12" fill="hold">
-                            <p:stCondLst>
-                              <p:cond delay="0"/>
-                            </p:stCondLst>
-                            <p:childTnLst>
-                              <p:par>
-                                <p:cTn id="13" presetID="1" presetClass="entr" presetSubtype="0" fill="hold" nodeType="clickEffect">
-                                  <p:stCondLst>
-                                    <p:cond delay="0"/>
-                                  </p:stCondLst>
-                                  <p:childTnLst>
-                                    <p:set>
-                                      <p:cBhvr>
-                                        <p:cTn id="14" dur="1" fill="hold">
-                                          <p:stCondLst>
-                                            <p:cond delay="0"/>
-                                          </p:stCondLst>
-                                        </p:cTn>
-                                        <p:tgtEl>
-                                          <p:spTgt spid="4">
-                                            <p:txEl>
-                                              <p:pRg st="2" end="2"/>
-                                            </p:txEl>
-                                          </p:spTgt>
-                                        </p:tgtEl>
-                                        <p:attrNameLst>
-                                          <p:attrName>style.visibility</p:attrName>
-                                        </p:attrNameLst>
-                                      </p:cBhvr>
-                                      <p:to>
-                                        <p:strVal val="visible"/>
-                                      </p:to>
-                                    </p:set>
-                                  </p:childTnLst>
-                                </p:cTn>
-                              </p:par>
-                            </p:childTnLst>
-                          </p:cTn>
-                        </p:par>
-                      </p:childTnLst>
-                    </p:cTn>
-                  </p:par>
-                  <p:par>
-                    <p:cTn id="15" fill="hold">
-                      <p:stCondLst>
-                        <p:cond delay="indefinite"/>
-                      </p:stCondLst>
-                      <p:childTnLst>
-                        <p:par>
-                          <p:cTn id="16" fill="hold">
-                            <p:stCondLst>
-                              <p:cond delay="0"/>
-                            </p:stCondLst>
-                            <p:childTnLst>
-                              <p:par>
-                                <p:cTn id="17" presetID="1" presetClass="entr" presetSubtype="0" fill="hold" nodeType="clickEffect">
-                                  <p:stCondLst>
-                                    <p:cond delay="0"/>
-                                  </p:stCondLst>
-                                  <p:childTnLst>
-                                    <p:set>
-                                      <p:cBhvr>
-                                        <p:cTn id="18" dur="1" fill="hold">
-                                          <p:stCondLst>
-                                            <p:cond delay="0"/>
-                                          </p:stCondLst>
-                                        </p:cTn>
-                                        <p:tgtEl>
-                                          <p:spTgt spid="4">
-                                            <p:txEl>
-                                              <p:pRg st="4" end="4"/>
-                                            </p:txEl>
-                                          </p:spTgt>
-                                        </p:tgtEl>
-                                        <p:attrNameLst>
-                                          <p:attrName>style.visibility</p:attrName>
-                                        </p:attrNameLst>
-                                      </p:cBhvr>
-                                      <p:to>
-                                        <p:strVal val="visible"/>
-                                      </p:to>
-                                    </p:set>
-                                  </p:childTnLst>
-                                </p:cTn>
-                              </p:par>
-                            </p:childTnLst>
-                          </p:cTn>
-                        </p:par>
-                      </p:childTnLst>
-                    </p:cTn>
-                  </p:par>
-                </p:childTnLst>
-              </p:cTn>
-              <p:prevCondLst>
-                <p:cond evt="onPrev" delay="0">
-                  <p:tgtEl>
-                    <p:sldTgt/>
-                  </p:tgtEl>
-                </p:cond>
-              </p:prevCondLst>
-              <p:nextCondLst>
-                <p:cond evt="onNext" delay="0">
-                  <p:tgtEl>
-                    <p:sldTgt/>
-                  </p:tgtEl>
-                </p:cond>
-              </p:nextCondLst>
-            </p:seq>
-          </p:childTnLst>
-        </p:cTn>
-      </p:par>
-    </p:tnLst>
-  </p:timing>
 </p:sld>
 </file>
 
@@ -21413,7 +15490,7 @@
                   <a:schemeClr val="bg1"/>
                 </a:solidFill>
               </a:rPr>
-              <a:t>Confounding Variables </a:t>
+              <a:t>Binomial Test </a:t>
             </a:r>
           </a:p>
         </p:txBody>
@@ -21426,8 +15503,8 @@
         </p:nvSpPr>
         <p:spPr>
           <a:xfrm>
-            <a:off x="195431" y="1149294"/>
-            <a:ext cx="11801138" cy="3416320"/>
+            <a:off x="237995" y="1161821"/>
+            <a:ext cx="11786991" cy="4401205"/>
           </a:xfrm>
           <a:prstGeom prst="rect">
             <a:avLst/>
@@ -21439,49 +15516,69 @@
           </a:bodyPr>
           <a:lstStyle/>
           <a:p>
-            <a:br>
-              <a:rPr lang="en-US" sz="2400" dirty="0"/>
-            </a:br>
-            <a:endParaRPr lang="en-US" sz="2400" dirty="0"/>
-          </a:p>
-          <a:p>
-            <a:pPr marL="457200" indent="-457200">
-              <a:lnSpc>
-                <a:spcPct val="150000"/>
-              </a:lnSpc>
-              <a:buFont typeface="+mj-lt"/>
-              <a:buAutoNum type="arabicPeriod"/>
+            <a:r>
+              <a:rPr lang="en-US" sz="2800" dirty="0"/>
+              <a:t>A test to determine whether or not the observed proportion adheres to the expected proportion under the null hypothesis </a:t>
+            </a:r>
+          </a:p>
+          <a:p>
+            <a:endParaRPr lang="en-US" sz="2800" dirty="0"/>
+          </a:p>
+          <a:p>
+            <a:r>
+              <a:rPr lang="en-US" sz="2800" dirty="0"/>
+              <a:t>Some possible uses: </a:t>
+            </a:r>
+          </a:p>
+          <a:p>
+            <a:pPr marL="914400" lvl="1" indent="-457200">
+              <a:buFont typeface="Arial" charset="0"/>
+              <a:buChar char="•"/>
             </a:pPr>
             <a:r>
               <a:rPr lang="en-US" sz="2800" dirty="0"/>
-              <a:t>A difference between groups that the experimenter fails to account for </a:t>
-            </a:r>
-          </a:p>
-          <a:p>
-            <a:pPr marL="457200" indent="-457200">
-              <a:lnSpc>
-                <a:spcPct val="150000"/>
-              </a:lnSpc>
-              <a:buFont typeface="+mj-lt"/>
-              <a:buAutoNum type="arabicPeriod"/>
+              <a:t>Are frogs equally likely to be right or left handed? </a:t>
+            </a:r>
+          </a:p>
+          <a:p>
+            <a:pPr marL="914400" lvl="1" indent="-457200">
+              <a:buFont typeface="Arial" charset="0"/>
+              <a:buChar char="•"/>
             </a:pPr>
             <a:r>
               <a:rPr lang="en-US" sz="2800" dirty="0"/>
-              <a:t>A hidden variable that creates an apparent causal relationship that isn’t real </a:t>
-            </a:r>
-          </a:p>
-          <a:p>
-            <a:pPr marL="457200" indent="-457200">
-              <a:lnSpc>
-                <a:spcPct val="150000"/>
-              </a:lnSpc>
-              <a:buFont typeface="+mj-lt"/>
-              <a:buAutoNum type="arabicPeriod"/>
+              <a:t>Is the sex ratio half male and half female? </a:t>
+            </a:r>
+          </a:p>
+          <a:p>
+            <a:pPr marL="914400" lvl="1" indent="-457200">
+              <a:buFont typeface="Arial" charset="0"/>
+              <a:buChar char="•"/>
             </a:pPr>
             <a:r>
-              <a:rPr lang="en-US" sz="2800" b="1" dirty="0"/>
-              <a:t>An experiment with confounded variables can be impossible to interpret and impossible to fix </a:t>
-            </a:r>
+              <a:rPr lang="en-US" sz="2800" dirty="0"/>
+              <a:t>Are the offspring phenotypes a 3:1 ratio? </a:t>
+            </a:r>
+          </a:p>
+          <a:p>
+            <a:pPr marL="914400" lvl="1" indent="-457200">
+              <a:buFont typeface="Arial" charset="0"/>
+              <a:buChar char="•"/>
+            </a:pPr>
+            <a:r>
+              <a:rPr lang="en-US" sz="2800" dirty="0"/>
+              <a:t>Do some beetles win more fights?</a:t>
+            </a:r>
+          </a:p>
+          <a:p>
+            <a:pPr lvl="1"/>
+            <a:r>
+              <a:rPr lang="en-US" sz="2800" dirty="0"/>
+              <a:t> </a:t>
+            </a:r>
+          </a:p>
+          <a:p>
+            <a:pPr lvl="1"/>
             <a:endParaRPr lang="en-US" sz="2800" dirty="0"/>
           </a:p>
         </p:txBody>
@@ -21489,190 +15586,13 @@
     </p:spTree>
     <p:extLst>
       <p:ext uri="{BB962C8B-B14F-4D97-AF65-F5344CB8AC3E}">
-        <p14:creationId xmlns:p14="http://schemas.microsoft.com/office/powerpoint/2010/main" val="77252961"/>
+        <p14:creationId xmlns:p14="http://schemas.microsoft.com/office/powerpoint/2010/main" val="148188859"/>
       </p:ext>
     </p:extLst>
   </p:cSld>
   <p:clrMapOvr>
     <a:masterClrMapping/>
   </p:clrMapOvr>
-  <p:timing>
-    <p:tnLst>
-      <p:par>
-        <p:cTn id="1" dur="indefinite" restart="never" nodeType="tmRoot">
-          <p:childTnLst>
-            <p:seq concurrent="1" nextAc="seek">
-              <p:cTn id="2" dur="indefinite" nodeType="mainSeq">
-                <p:childTnLst>
-                  <p:par>
-                    <p:cTn id="3" fill="hold">
-                      <p:stCondLst>
-                        <p:cond delay="indefinite"/>
-                      </p:stCondLst>
-                      <p:childTnLst>
-                        <p:par>
-                          <p:cTn id="4" fill="hold">
-                            <p:stCondLst>
-                              <p:cond delay="0"/>
-                            </p:stCondLst>
-                            <p:childTnLst>
-                              <p:par>
-                                <p:cTn id="5" presetID="1" presetClass="entr" presetSubtype="0" fill="hold" nodeType="clickEffect">
-                                  <p:stCondLst>
-                                    <p:cond delay="0"/>
-                                  </p:stCondLst>
-                                  <p:childTnLst>
-                                    <p:set>
-                                      <p:cBhvr>
-                                        <p:cTn id="6" dur="1" fill="hold">
-                                          <p:stCondLst>
-                                            <p:cond delay="0"/>
-                                          </p:stCondLst>
-                                        </p:cTn>
-                                        <p:tgtEl>
-                                          <p:spTgt spid="4">
-                                            <p:txEl>
-                                              <p:pRg st="1" end="1"/>
-                                            </p:txEl>
-                                          </p:spTgt>
-                                        </p:tgtEl>
-                                        <p:attrNameLst>
-                                          <p:attrName>style.visibility</p:attrName>
-                                        </p:attrNameLst>
-                                      </p:cBhvr>
-                                      <p:to>
-                                        <p:strVal val="visible"/>
-                                      </p:to>
-                                    </p:set>
-                                  </p:childTnLst>
-                                </p:cTn>
-                              </p:par>
-                            </p:childTnLst>
-                          </p:cTn>
-                        </p:par>
-                      </p:childTnLst>
-                    </p:cTn>
-                  </p:par>
-                  <p:par>
-                    <p:cTn id="7" fill="hold">
-                      <p:stCondLst>
-                        <p:cond delay="indefinite"/>
-                      </p:stCondLst>
-                      <p:childTnLst>
-                        <p:par>
-                          <p:cTn id="8" fill="hold">
-                            <p:stCondLst>
-                              <p:cond delay="0"/>
-                            </p:stCondLst>
-                            <p:childTnLst>
-                              <p:par>
-                                <p:cTn id="9" presetID="1" presetClass="entr" presetSubtype="0" fill="hold" nodeType="clickEffect">
-                                  <p:stCondLst>
-                                    <p:cond delay="0"/>
-                                  </p:stCondLst>
-                                  <p:childTnLst>
-                                    <p:set>
-                                      <p:cBhvr>
-                                        <p:cTn id="10" dur="1" fill="hold">
-                                          <p:stCondLst>
-                                            <p:cond delay="0"/>
-                                          </p:stCondLst>
-                                        </p:cTn>
-                                        <p:tgtEl>
-                                          <p:spTgt spid="4">
-                                            <p:txEl>
-                                              <p:pRg st="2" end="2"/>
-                                            </p:txEl>
-                                          </p:spTgt>
-                                        </p:tgtEl>
-                                        <p:attrNameLst>
-                                          <p:attrName>style.visibility</p:attrName>
-                                        </p:attrNameLst>
-                                      </p:cBhvr>
-                                      <p:to>
-                                        <p:strVal val="visible"/>
-                                      </p:to>
-                                    </p:set>
-                                  </p:childTnLst>
-                                </p:cTn>
-                              </p:par>
-                            </p:childTnLst>
-                          </p:cTn>
-                        </p:par>
-                      </p:childTnLst>
-                    </p:cTn>
-                  </p:par>
-                  <p:par>
-                    <p:cTn id="11" fill="hold">
-                      <p:stCondLst>
-                        <p:cond delay="indefinite"/>
-                      </p:stCondLst>
-                      <p:childTnLst>
-                        <p:par>
-                          <p:cTn id="12" fill="hold">
-                            <p:stCondLst>
-                              <p:cond delay="0"/>
-                            </p:stCondLst>
-                            <p:childTnLst>
-                              <p:par>
-                                <p:cTn id="13" presetID="1" presetClass="entr" presetSubtype="0" fill="hold" nodeType="clickEffect">
-                                  <p:stCondLst>
-                                    <p:cond delay="0"/>
-                                  </p:stCondLst>
-                                  <p:childTnLst>
-                                    <p:set>
-                                      <p:cBhvr>
-                                        <p:cTn id="14" dur="1" fill="hold">
-                                          <p:stCondLst>
-                                            <p:cond delay="0"/>
-                                          </p:stCondLst>
-                                        </p:cTn>
-                                        <p:tgtEl>
-                                          <p:spTgt spid="4">
-                                            <p:txEl>
-                                              <p:pRg st="3" end="3"/>
-                                            </p:txEl>
-                                          </p:spTgt>
-                                        </p:tgtEl>
-                                        <p:attrNameLst>
-                                          <p:attrName>style.visibility</p:attrName>
-                                        </p:attrNameLst>
-                                      </p:cBhvr>
-                                      <p:to>
-                                        <p:strVal val="visible"/>
-                                      </p:to>
-                                    </p:set>
-                                  </p:childTnLst>
-                                </p:cTn>
-                              </p:par>
-                            </p:childTnLst>
-                          </p:cTn>
-                        </p:par>
-                      </p:childTnLst>
-                    </p:cTn>
-                  </p:par>
-                </p:childTnLst>
-              </p:cTn>
-              <p:prevCondLst>
-                <p:cond evt="onPrev" delay="0">
-                  <p:tgtEl>
-                    <p:sldTgt/>
-                  </p:tgtEl>
-                </p:cond>
-              </p:prevCondLst>
-              <p:nextCondLst>
-                <p:cond evt="onNext" delay="0">
-                  <p:tgtEl>
-                    <p:sldTgt/>
-                  </p:tgtEl>
-                </p:cond>
-              </p:nextCondLst>
-            </p:seq>
-          </p:childTnLst>
-        </p:cTn>
-      </p:par>
-    </p:tnLst>
-  </p:timing>
 </p:sld>
 </file>
 
@@ -21725,7 +15645,7 @@
                   <a:schemeClr val="bg1"/>
                 </a:solidFill>
               </a:rPr>
-              <a:t>Confounding Example </a:t>
+              <a:t>Binomial Test </a:t>
             </a:r>
           </a:p>
         </p:txBody>
@@ -21738,8 +15658,8 @@
         </p:nvSpPr>
         <p:spPr>
           <a:xfrm>
-            <a:off x="909415" y="1161821"/>
-            <a:ext cx="10664635" cy="3208571"/>
+            <a:off x="237995" y="1161821"/>
+            <a:ext cx="11786991" cy="4401205"/>
           </a:xfrm>
           <a:prstGeom prst="rect">
             <a:avLst/>
@@ -21752,392 +15672,55 @@
           <a:lstStyle/>
           <a:p>
             <a:r>
-              <a:rPr lang="en-US" sz="3200" b="1" dirty="0"/>
-              <a:t>Study type			</a:t>
-            </a:r>
-          </a:p>
-          <a:p>
-            <a:endParaRPr lang="en-US" sz="1050" dirty="0"/>
-          </a:p>
-          <a:p>
-            <a:r>
-              <a:rPr lang="en-US" sz="3200" dirty="0"/>
-              <a:t>Gene expression level		</a:t>
-            </a:r>
-          </a:p>
-          <a:p>
-            <a:r>
-              <a:rPr lang="en-US" sz="3200" dirty="0"/>
-              <a:t>Diversification		</a:t>
-            </a:r>
-          </a:p>
-          <a:p>
-            <a:r>
-              <a:rPr lang="en-US" sz="3200" dirty="0"/>
-              <a:t>Lung cancer and coffee</a:t>
-            </a:r>
-          </a:p>
-          <a:p>
-            <a:r>
-              <a:rPr lang="en-US" sz="3200" dirty="0"/>
-              <a:t>Behavior</a:t>
-            </a:r>
-          </a:p>
-          <a:p>
-            <a:r>
-              <a:rPr lang="en-US" sz="3200" dirty="0"/>
-              <a:t>Effective population size</a:t>
-            </a:r>
-            <a:endParaRPr lang="en-US" sz="2400" dirty="0"/>
-          </a:p>
-        </p:txBody>
-      </p:sp>
-      <p:sp>
-        <p:nvSpPr>
-          <p:cNvPr id="3" name="Rectangle 2"/>
-          <p:cNvSpPr/>
-          <p:nvPr/>
-        </p:nvSpPr>
-        <p:spPr>
-          <a:xfrm>
-            <a:off x="5988627" y="1161821"/>
-            <a:ext cx="6096000" cy="3208571"/>
-          </a:xfrm>
-          <a:prstGeom prst="rect">
-            <a:avLst/>
-          </a:prstGeom>
-        </p:spPr>
-        <p:txBody>
-          <a:bodyPr>
-            <a:spAutoFit/>
-          </a:bodyPr>
-          <a:lstStyle/>
-          <a:p>
-            <a:r>
-              <a:rPr lang="en-US" sz="3200" b="1" dirty="0"/>
-              <a:t>Confounding variable</a:t>
-            </a:r>
-          </a:p>
-          <a:p>
-            <a:endParaRPr lang="en-US" sz="1050" b="1" dirty="0"/>
-          </a:p>
-          <a:p>
-            <a:r>
-              <a:rPr lang="en-US" sz="3200" dirty="0"/>
-              <a:t>recent gene duplication</a:t>
-            </a:r>
-          </a:p>
-          <a:p>
-            <a:r>
-              <a:rPr lang="en-US" sz="3200" dirty="0"/>
-              <a:t>unobserved traits</a:t>
-            </a:r>
-          </a:p>
-          <a:p>
-            <a:r>
-              <a:rPr lang="en-US" sz="3200" dirty="0"/>
-              <a:t>coffee smoking correlation</a:t>
-            </a:r>
-          </a:p>
-          <a:p>
-            <a:r>
-              <a:rPr lang="en-US" sz="3200" dirty="0"/>
-              <a:t>maternal effects</a:t>
-            </a:r>
-          </a:p>
-          <a:p>
-            <a:r>
-              <a:rPr lang="en-US" sz="3200" dirty="0"/>
-              <a:t>breeding system</a:t>
-            </a:r>
+              <a:rPr lang="en-US" sz="2800" dirty="0"/>
+              <a:t>As in most statistical tests, a test statistic is compared to a distribution </a:t>
+            </a:r>
+          </a:p>
+          <a:p>
+            <a:endParaRPr lang="en-US" sz="2800" dirty="0"/>
+          </a:p>
+          <a:p>
+            <a:r>
+              <a:rPr lang="en-US" sz="2800" b="1" dirty="0">
+                <a:solidFill>
+                  <a:srgbClr val="FF0000"/>
+                </a:solidFill>
+              </a:rPr>
+              <a:t>In this case, the test statistic is just the observed number (number of right-handed toads, number of females in the population, number of fights won) </a:t>
+            </a:r>
+          </a:p>
+          <a:p>
+            <a:endParaRPr lang="en-US" sz="2800" b="1" dirty="0">
+              <a:solidFill>
+                <a:srgbClr val="FF0000"/>
+              </a:solidFill>
+            </a:endParaRPr>
+          </a:p>
+          <a:p>
+            <a:r>
+              <a:rPr lang="en-US" sz="2800" dirty="0"/>
+              <a:t>Note that this test is only appropriate when there are two categories of individuals and your hypothesis allows you to provide a probability of the outcomes.</a:t>
+            </a:r>
+          </a:p>
+          <a:p>
+            <a:endParaRPr lang="en-US" sz="2800" dirty="0"/>
+          </a:p>
+          <a:p>
+            <a:pPr lvl="1"/>
+            <a:endParaRPr lang="en-US" sz="2800" dirty="0"/>
           </a:p>
         </p:txBody>
       </p:sp>
     </p:spTree>
     <p:extLst>
       <p:ext uri="{BB962C8B-B14F-4D97-AF65-F5344CB8AC3E}">
-        <p14:creationId xmlns:p14="http://schemas.microsoft.com/office/powerpoint/2010/main" val="1912853172"/>
+        <p14:creationId xmlns:p14="http://schemas.microsoft.com/office/powerpoint/2010/main" val="3327206644"/>
       </p:ext>
     </p:extLst>
   </p:cSld>
   <p:clrMapOvr>
     <a:masterClrMapping/>
   </p:clrMapOvr>
-  <p:timing>
-    <p:tnLst>
-      <p:par>
-        <p:cTn id="1" dur="indefinite" restart="never" nodeType="tmRoot">
-          <p:childTnLst>
-            <p:seq concurrent="1" nextAc="seek">
-              <p:cTn id="2" dur="indefinite" nodeType="mainSeq">
-                <p:childTnLst>
-                  <p:par>
-                    <p:cTn id="3" fill="hold">
-                      <p:stCondLst>
-                        <p:cond delay="indefinite"/>
-                      </p:stCondLst>
-                      <p:childTnLst>
-                        <p:par>
-                          <p:cTn id="4" fill="hold">
-                            <p:stCondLst>
-                              <p:cond delay="0"/>
-                            </p:stCondLst>
-                            <p:childTnLst>
-                              <p:par>
-                                <p:cTn id="5" presetID="1" presetClass="entr" presetSubtype="0" fill="hold" nodeType="clickEffect">
-                                  <p:stCondLst>
-                                    <p:cond delay="0"/>
-                                  </p:stCondLst>
-                                  <p:childTnLst>
-                                    <p:set>
-                                      <p:cBhvr>
-                                        <p:cTn id="6" dur="1" fill="hold">
-                                          <p:stCondLst>
-                                            <p:cond delay="0"/>
-                                          </p:stCondLst>
-                                        </p:cTn>
-                                        <p:tgtEl>
-                                          <p:spTgt spid="3">
-                                            <p:txEl>
-                                              <p:pRg st="2" end="2"/>
-                                            </p:txEl>
-                                          </p:spTgt>
-                                        </p:tgtEl>
-                                        <p:attrNameLst>
-                                          <p:attrName>style.visibility</p:attrName>
-                                        </p:attrNameLst>
-                                      </p:cBhvr>
-                                      <p:to>
-                                        <p:strVal val="visible"/>
-                                      </p:to>
-                                    </p:set>
-                                  </p:childTnLst>
-                                </p:cTn>
-                              </p:par>
-                            </p:childTnLst>
-                          </p:cTn>
-                        </p:par>
-                      </p:childTnLst>
-                    </p:cTn>
-                  </p:par>
-                  <p:par>
-                    <p:cTn id="7" fill="hold">
-                      <p:stCondLst>
-                        <p:cond delay="indefinite"/>
-                      </p:stCondLst>
-                      <p:childTnLst>
-                        <p:par>
-                          <p:cTn id="8" fill="hold">
-                            <p:stCondLst>
-                              <p:cond delay="0"/>
-                            </p:stCondLst>
-                            <p:childTnLst>
-                              <p:par>
-                                <p:cTn id="9" presetID="1" presetClass="entr" presetSubtype="0" fill="hold" nodeType="clickEffect">
-                                  <p:stCondLst>
-                                    <p:cond delay="0"/>
-                                  </p:stCondLst>
-                                  <p:childTnLst>
-                                    <p:set>
-                                      <p:cBhvr>
-                                        <p:cTn id="10" dur="1" fill="hold">
-                                          <p:stCondLst>
-                                            <p:cond delay="0"/>
-                                          </p:stCondLst>
-                                        </p:cTn>
-                                        <p:tgtEl>
-                                          <p:spTgt spid="3">
-                                            <p:txEl>
-                                              <p:pRg st="3" end="3"/>
-                                            </p:txEl>
-                                          </p:spTgt>
-                                        </p:tgtEl>
-                                        <p:attrNameLst>
-                                          <p:attrName>style.visibility</p:attrName>
-                                        </p:attrNameLst>
-                                      </p:cBhvr>
-                                      <p:to>
-                                        <p:strVal val="visible"/>
-                                      </p:to>
-                                    </p:set>
-                                  </p:childTnLst>
-                                </p:cTn>
-                              </p:par>
-                            </p:childTnLst>
-                          </p:cTn>
-                        </p:par>
-                      </p:childTnLst>
-                    </p:cTn>
-                  </p:par>
-                  <p:par>
-                    <p:cTn id="11" fill="hold">
-                      <p:stCondLst>
-                        <p:cond delay="indefinite"/>
-                      </p:stCondLst>
-                      <p:childTnLst>
-                        <p:par>
-                          <p:cTn id="12" fill="hold">
-                            <p:stCondLst>
-                              <p:cond delay="0"/>
-                            </p:stCondLst>
-                            <p:childTnLst>
-                              <p:par>
-                                <p:cTn id="13" presetID="1" presetClass="entr" presetSubtype="0" fill="hold" nodeType="clickEffect">
-                                  <p:stCondLst>
-                                    <p:cond delay="0"/>
-                                  </p:stCondLst>
-                                  <p:childTnLst>
-                                    <p:set>
-                                      <p:cBhvr>
-                                        <p:cTn id="14" dur="1" fill="hold">
-                                          <p:stCondLst>
-                                            <p:cond delay="0"/>
-                                          </p:stCondLst>
-                                        </p:cTn>
-                                        <p:tgtEl>
-                                          <p:spTgt spid="3">
-                                            <p:txEl>
-                                              <p:pRg st="4" end="4"/>
-                                            </p:txEl>
-                                          </p:spTgt>
-                                        </p:tgtEl>
-                                        <p:attrNameLst>
-                                          <p:attrName>style.visibility</p:attrName>
-                                        </p:attrNameLst>
-                                      </p:cBhvr>
-                                      <p:to>
-                                        <p:strVal val="visible"/>
-                                      </p:to>
-                                    </p:set>
-                                  </p:childTnLst>
-                                </p:cTn>
-                              </p:par>
-                            </p:childTnLst>
-                          </p:cTn>
-                        </p:par>
-                      </p:childTnLst>
-                    </p:cTn>
-                  </p:par>
-                  <p:par>
-                    <p:cTn id="15" fill="hold">
-                      <p:stCondLst>
-                        <p:cond delay="indefinite"/>
-                      </p:stCondLst>
-                      <p:childTnLst>
-                        <p:par>
-                          <p:cTn id="16" fill="hold">
-                            <p:stCondLst>
-                              <p:cond delay="0"/>
-                            </p:stCondLst>
-                            <p:childTnLst>
-                              <p:par>
-                                <p:cTn id="17" presetID="1" presetClass="entr" presetSubtype="0" fill="hold" nodeType="clickEffect">
-                                  <p:stCondLst>
-                                    <p:cond delay="0"/>
-                                  </p:stCondLst>
-                                  <p:childTnLst>
-                                    <p:set>
-                                      <p:cBhvr>
-                                        <p:cTn id="18" dur="1" fill="hold">
-                                          <p:stCondLst>
-                                            <p:cond delay="0"/>
-                                          </p:stCondLst>
-                                        </p:cTn>
-                                        <p:tgtEl>
-                                          <p:spTgt spid="3">
-                                            <p:txEl>
-                                              <p:pRg st="5" end="5"/>
-                                            </p:txEl>
-                                          </p:spTgt>
-                                        </p:tgtEl>
-                                        <p:attrNameLst>
-                                          <p:attrName>style.visibility</p:attrName>
-                                        </p:attrNameLst>
-                                      </p:cBhvr>
-                                      <p:to>
-                                        <p:strVal val="visible"/>
-                                      </p:to>
-                                    </p:set>
-                                  </p:childTnLst>
-                                </p:cTn>
-                              </p:par>
-                            </p:childTnLst>
-                          </p:cTn>
-                        </p:par>
-                      </p:childTnLst>
-                    </p:cTn>
-                  </p:par>
-                  <p:par>
-                    <p:cTn id="19" fill="hold">
-                      <p:stCondLst>
-                        <p:cond delay="indefinite"/>
-                      </p:stCondLst>
-                      <p:childTnLst>
-                        <p:par>
-                          <p:cTn id="20" fill="hold">
-                            <p:stCondLst>
-                              <p:cond delay="0"/>
-                            </p:stCondLst>
-                            <p:childTnLst>
-                              <p:par>
-                                <p:cTn id="21" presetID="1" presetClass="entr" presetSubtype="0" fill="hold" nodeType="clickEffect">
-                                  <p:stCondLst>
-                                    <p:cond delay="0"/>
-                                  </p:stCondLst>
-                                  <p:childTnLst>
-                                    <p:set>
-                                      <p:cBhvr>
-                                        <p:cTn id="22" dur="1" fill="hold">
-                                          <p:stCondLst>
-                                            <p:cond delay="0"/>
-                                          </p:stCondLst>
-                                        </p:cTn>
-                                        <p:tgtEl>
-                                          <p:spTgt spid="3">
-                                            <p:txEl>
-                                              <p:pRg st="6" end="6"/>
-                                            </p:txEl>
-                                          </p:spTgt>
-                                        </p:tgtEl>
-                                        <p:attrNameLst>
-                                          <p:attrName>style.visibility</p:attrName>
-                                        </p:attrNameLst>
-                                      </p:cBhvr>
-                                      <p:to>
-                                        <p:strVal val="visible"/>
-                                      </p:to>
-                                    </p:set>
-                                  </p:childTnLst>
-                                </p:cTn>
-                              </p:par>
-                            </p:childTnLst>
-                          </p:cTn>
-                        </p:par>
-                      </p:childTnLst>
-                    </p:cTn>
-                  </p:par>
-                </p:childTnLst>
-              </p:cTn>
-              <p:prevCondLst>
-                <p:cond evt="onPrev" delay="0">
-                  <p:tgtEl>
-                    <p:sldTgt/>
-                  </p:tgtEl>
-                </p:cond>
-              </p:prevCondLst>
-              <p:nextCondLst>
-                <p:cond evt="onNext" delay="0">
-                  <p:tgtEl>
-                    <p:sldTgt/>
-                  </p:tgtEl>
-                </p:cond>
-              </p:nextCondLst>
-            </p:seq>
-          </p:childTnLst>
-        </p:cTn>
-      </p:par>
-    </p:tnLst>
-  </p:timing>
 </p:sld>
 </file>
 
@@ -22190,7 +15773,7 @@
                   <a:schemeClr val="bg1"/>
                 </a:solidFill>
               </a:rPr>
-              <a:t>Redesign the procedure</a:t>
+              <a:t>Binomial Test </a:t>
             </a:r>
           </a:p>
         </p:txBody>
@@ -22203,8 +15786,8 @@
         </p:nvSpPr>
         <p:spPr>
           <a:xfrm>
-            <a:off x="237995" y="1161821"/>
-            <a:ext cx="9431106" cy="4401205"/>
+            <a:off x="237996" y="1161821"/>
+            <a:ext cx="5667954" cy="4401205"/>
           </a:xfrm>
           <a:prstGeom prst="rect">
             <a:avLst/>
@@ -22216,262 +15799,302 @@
           </a:bodyPr>
           <a:lstStyle/>
           <a:p>
-            <a:pPr marL="457200" indent="-457200">
-              <a:buFont typeface="Arial" charset="0"/>
-              <a:buChar char="•"/>
-            </a:pPr>
-            <a:r>
-              <a:rPr lang="en-US" sz="3200" dirty="0"/>
-              <a:t>Collect 750 beetles from a population cage.</a:t>
-            </a:r>
-          </a:p>
-          <a:p>
-            <a:pPr marL="457200" indent="-457200">
-              <a:buFont typeface="Arial" charset="0"/>
-              <a:buChar char="•"/>
-            </a:pPr>
-            <a:r>
-              <a:rPr lang="en-US" sz="3200" dirty="0"/>
-              <a:t>Create 30 new vials with 25 beetles each.</a:t>
-            </a:r>
-          </a:p>
-          <a:p>
-            <a:pPr marL="457200" indent="-457200">
-              <a:buFont typeface="Arial" charset="0"/>
-              <a:buChar char="•"/>
-            </a:pPr>
-            <a:r>
-              <a:rPr lang="en-US" sz="3200" dirty="0"/>
-              <a:t>Make the first 15 of these control vials and use food media A.</a:t>
-            </a:r>
-          </a:p>
-          <a:p>
-            <a:pPr marL="457200" indent="-457200">
-              <a:buFont typeface="Arial" charset="0"/>
-              <a:buChar char="•"/>
-            </a:pPr>
-            <a:r>
-              <a:rPr lang="en-US" sz="3200" dirty="0"/>
-              <a:t>Make the next 15 of these experiment vials and use food media B.</a:t>
-            </a:r>
-          </a:p>
-          <a:p>
-            <a:pPr marL="457200" indent="-457200">
-              <a:buFont typeface="Arial" charset="0"/>
-              <a:buChar char="•"/>
-            </a:pPr>
-            <a:r>
-              <a:rPr lang="en-US" sz="3200" dirty="0"/>
-              <a:t>Place in a rack as shown and place in the incubator.</a:t>
-            </a:r>
-          </a:p>
-          <a:p>
-            <a:pPr marL="457200" indent="-457200">
-              <a:buFont typeface="Arial" charset="0"/>
-              <a:buChar char="•"/>
-            </a:pPr>
-            <a:r>
-              <a:rPr lang="en-US" sz="3200" dirty="0"/>
-              <a:t>Measure growth at day 15.</a:t>
-            </a:r>
-          </a:p>
-          <a:p>
-            <a:endParaRPr lang="en-US" sz="2400" dirty="0"/>
+            <a:r>
+              <a:rPr lang="en-US" sz="2800" dirty="0"/>
+              <a:t>With the binomial test our null hypothesis is the probability of one of the two outcomes.  This probability and the number of observations defines the distribution we will compare our observation to.</a:t>
+            </a:r>
+          </a:p>
+          <a:p>
+            <a:endParaRPr lang="en-US" sz="2800" b="0" dirty="0">
+              <a:ea typeface="Cambria Math" charset="0"/>
+              <a:cs typeface="Cambria Math" charset="0"/>
+            </a:endParaRPr>
+          </a:p>
+          <a:p>
+            <a:endParaRPr lang="en-US" sz="2800" dirty="0">
+              <a:ea typeface="Cambria Math" charset="0"/>
+              <a:cs typeface="Cambria Math" charset="0"/>
+            </a:endParaRPr>
+          </a:p>
+          <a:p>
+            <a:r>
+              <a:rPr lang="en-US" sz="2800" b="0" dirty="0">
+                <a:ea typeface="Cambria Math" charset="0"/>
+                <a:cs typeface="Cambria Math" charset="0"/>
+              </a:rPr>
+              <a:t>Distribution when the null is 50% and we have 100 observations</a:t>
+            </a:r>
           </a:p>
         </p:txBody>
       </p:sp>
-      <p:pic>
-        <p:nvPicPr>
-          <p:cNvPr id="3" name="Picture 2"/>
-          <p:cNvPicPr>
-            <a:picLocks noChangeAspect="1"/>
-          </p:cNvPicPr>
+      <p:grpSp>
+        <p:nvGrpSpPr>
+          <p:cNvPr id="7" name="Group 6"/>
+          <p:cNvGrpSpPr/>
           <p:nvPr/>
-        </p:nvPicPr>
-        <p:blipFill>
-          <a:blip r:embed="rId2">
+        </p:nvGrpSpPr>
+        <p:grpSpPr>
+          <a:xfrm>
+            <a:off x="5905949" y="1265168"/>
+            <a:ext cx="6286052" cy="5275481"/>
+            <a:chOff x="7606256" y="2849557"/>
+            <a:chExt cx="4585744" cy="4008443"/>
+          </a:xfrm>
+        </p:grpSpPr>
+        <p:pic>
+          <p:nvPicPr>
+            <p:cNvPr id="3" name="Picture 2"/>
+            <p:cNvPicPr>
+              <a:picLocks noChangeAspect="1"/>
+            </p:cNvPicPr>
+            <p:nvPr/>
+          </p:nvPicPr>
+          <p:blipFill>
+            <a:blip r:embed="rId2">
+              <a:extLst>
+                <a:ext uri="{28A0092B-C50C-407E-A947-70E740481C1C}">
+                  <a14:useLocalDpi xmlns:a14="http://schemas.microsoft.com/office/drawing/2010/main" val="0"/>
+                </a:ext>
+              </a:extLst>
+            </a:blip>
+            <a:stretch>
+              <a:fillRect/>
+            </a:stretch>
+          </p:blipFill>
+          <p:spPr>
+            <a:xfrm>
+              <a:off x="7606256" y="3961741"/>
+              <a:ext cx="4585744" cy="2896259"/>
+            </a:xfrm>
+            <a:prstGeom prst="rect">
+              <a:avLst/>
+            </a:prstGeom>
+          </p:spPr>
+        </p:pic>
+        <p:pic>
+          <p:nvPicPr>
+            <p:cNvPr id="6" name="Picture 5"/>
+            <p:cNvPicPr>
+              <a:picLocks noChangeAspect="1"/>
+            </p:cNvPicPr>
+            <p:nvPr/>
+          </p:nvPicPr>
+          <p:blipFill>
+            <a:blip r:embed="rId3">
+              <a:extLst>
+                <a:ext uri="{28A0092B-C50C-407E-A947-70E740481C1C}">
+                  <a14:useLocalDpi xmlns:a14="http://schemas.microsoft.com/office/drawing/2010/main" val="0"/>
+                </a:ext>
+              </a:extLst>
+            </a:blip>
+            <a:stretch>
+              <a:fillRect/>
+            </a:stretch>
+          </p:blipFill>
+          <p:spPr>
+            <a:xfrm>
+              <a:off x="7606256" y="2849557"/>
+              <a:ext cx="4585744" cy="1112184"/>
+            </a:xfrm>
+            <a:prstGeom prst="rect">
+              <a:avLst/>
+            </a:prstGeom>
+          </p:spPr>
+        </p:pic>
+      </p:grpSp>
+      <p:grpSp>
+        <p:nvGrpSpPr>
+          <p:cNvPr id="10" name="Group 9">
             <a:extLst>
-              <a:ext uri="{28A0092B-C50C-407E-A947-70E740481C1C}">
-                <a14:useLocalDpi xmlns:a14="http://schemas.microsoft.com/office/drawing/2010/main" val="0"/>
+              <a:ext uri="{FF2B5EF4-FFF2-40B4-BE49-F238E27FC236}">
+                <a16:creationId xmlns:a16="http://schemas.microsoft.com/office/drawing/2014/main" id="{9CDC3471-4371-6D48-A3A4-9CEA7B7D3462}"/>
               </a:ext>
             </a:extLst>
-          </a:blip>
-          <a:stretch>
-            <a:fillRect/>
-          </a:stretch>
-        </p:blipFill>
-        <p:spPr>
+          </p:cNvPr>
+          <p:cNvGrpSpPr/>
+          <p:nvPr/>
+        </p:nvGrpSpPr>
+        <p:grpSpPr>
           <a:xfrm>
-            <a:off x="9928526" y="1507974"/>
-            <a:ext cx="1782387" cy="4734298"/>
+            <a:off x="971905" y="4281055"/>
+            <a:ext cx="8077070" cy="2444260"/>
+            <a:chOff x="971905" y="4281055"/>
+            <a:chExt cx="8077070" cy="2444260"/>
           </a:xfrm>
-          <a:prstGeom prst="rect">
-            <a:avLst/>
-          </a:prstGeom>
-        </p:spPr>
-      </p:pic>
-      <p:sp>
-        <p:nvSpPr>
-          <p:cNvPr id="5" name="Rectangle 4"/>
-          <p:cNvSpPr/>
-          <p:nvPr/>
-        </p:nvSpPr>
-        <p:spPr>
-          <a:xfrm rot="5400000">
-            <a:off x="9475930" y="1453850"/>
-            <a:ext cx="2701794" cy="1894994"/>
-          </a:xfrm>
-          <a:prstGeom prst="rect">
-            <a:avLst/>
-          </a:prstGeom>
-          <a:noFill/>
-          <a:ln w="57150">
-            <a:solidFill>
-              <a:srgbClr val="C00000"/>
-            </a:solidFill>
-          </a:ln>
-        </p:spPr>
-        <p:style>
-          <a:lnRef idx="2">
-            <a:schemeClr val="accent1">
-              <a:shade val="50000"/>
-            </a:schemeClr>
-          </a:lnRef>
-          <a:fillRef idx="1">
-            <a:schemeClr val="accent1"/>
-          </a:fillRef>
-          <a:effectRef idx="0">
-            <a:schemeClr val="accent1"/>
-          </a:effectRef>
-          <a:fontRef idx="minor">
-            <a:schemeClr val="lt1"/>
-          </a:fontRef>
-        </p:style>
-        <p:txBody>
-          <a:bodyPr rtlCol="0" anchor="ctr"/>
-          <a:lstStyle/>
-          <a:p>
-            <a:pPr algn="ctr"/>
-            <a:endParaRPr lang="en-US"/>
-          </a:p>
-        </p:txBody>
-      </p:sp>
-      <p:sp>
-        <p:nvSpPr>
-          <p:cNvPr id="6" name="TextBox 5"/>
-          <p:cNvSpPr txBox="1"/>
-          <p:nvPr/>
-        </p:nvSpPr>
-        <p:spPr>
-          <a:xfrm>
-            <a:off x="9928527" y="1002213"/>
-            <a:ext cx="1782386" cy="584775"/>
-          </a:xfrm>
-          <a:prstGeom prst="rect">
-            <a:avLst/>
-          </a:prstGeom>
-          <a:noFill/>
-        </p:spPr>
-        <p:txBody>
-          <a:bodyPr wrap="square" rtlCol="0">
-            <a:spAutoFit/>
-          </a:bodyPr>
-          <a:lstStyle/>
-          <a:p>
-            <a:pPr algn="ctr"/>
-            <a:r>
-              <a:rPr lang="en-US" sz="3200"/>
-              <a:t>Media A</a:t>
-            </a:r>
-          </a:p>
-        </p:txBody>
-      </p:sp>
-      <p:sp>
-        <p:nvSpPr>
-          <p:cNvPr id="7" name="Rectangle 6"/>
-          <p:cNvSpPr/>
-          <p:nvPr/>
-        </p:nvSpPr>
-        <p:spPr>
-          <a:xfrm rot="5400000">
-            <a:off x="9382521" y="4252298"/>
-            <a:ext cx="2895101" cy="1894994"/>
-          </a:xfrm>
-          <a:prstGeom prst="rect">
-            <a:avLst/>
-          </a:prstGeom>
-          <a:noFill/>
-          <a:ln w="57150">
-            <a:solidFill>
-              <a:srgbClr val="C00000"/>
-            </a:solidFill>
-          </a:ln>
-        </p:spPr>
-        <p:style>
-          <a:lnRef idx="2">
-            <a:schemeClr val="accent1">
-              <a:shade val="50000"/>
-            </a:schemeClr>
-          </a:lnRef>
-          <a:fillRef idx="1">
-            <a:schemeClr val="accent1"/>
-          </a:fillRef>
-          <a:effectRef idx="0">
-            <a:schemeClr val="accent1"/>
-          </a:effectRef>
-          <a:fontRef idx="minor">
-            <a:schemeClr val="lt1"/>
-          </a:fontRef>
-        </p:style>
-        <p:txBody>
-          <a:bodyPr rtlCol="0" anchor="ctr"/>
-          <a:lstStyle/>
-          <a:p>
-            <a:pPr algn="ctr"/>
-            <a:endParaRPr lang="en-US"/>
-          </a:p>
-        </p:txBody>
-      </p:sp>
-      <p:sp>
-        <p:nvSpPr>
-          <p:cNvPr id="8" name="TextBox 7"/>
-          <p:cNvSpPr txBox="1"/>
-          <p:nvPr/>
-        </p:nvSpPr>
-        <p:spPr>
-          <a:xfrm>
-            <a:off x="9928526" y="6143447"/>
-            <a:ext cx="1782387" cy="584775"/>
-          </a:xfrm>
-          <a:prstGeom prst="rect">
-            <a:avLst/>
-          </a:prstGeom>
-          <a:noFill/>
-        </p:spPr>
-        <p:txBody>
-          <a:bodyPr wrap="square" rtlCol="0">
-            <a:spAutoFit/>
-          </a:bodyPr>
-          <a:lstStyle/>
-          <a:p>
-            <a:pPr algn="ctr"/>
-            <a:r>
-              <a:rPr lang="en-US" sz="3200" dirty="0"/>
-              <a:t>Media B</a:t>
-            </a:r>
-          </a:p>
-        </p:txBody>
-      </p:sp>
+        </p:grpSpPr>
+        <p:sp>
+          <p:nvSpPr>
+            <p:cNvPr id="5" name="TextBox 4">
+              <a:extLst>
+                <a:ext uri="{FF2B5EF4-FFF2-40B4-BE49-F238E27FC236}">
+                  <a16:creationId xmlns:a16="http://schemas.microsoft.com/office/drawing/2014/main" id="{99184B55-98F1-6D4B-82EA-16FD4E47C62E}"/>
+                </a:ext>
+              </a:extLst>
+            </p:cNvPr>
+            <p:cNvSpPr txBox="1"/>
+            <p:nvPr/>
+          </p:nvSpPr>
+          <p:spPr>
+            <a:xfrm>
+              <a:off x="971905" y="6355983"/>
+              <a:ext cx="5124095" cy="369332"/>
+            </a:xfrm>
+            <a:prstGeom prst="rect">
+              <a:avLst/>
+            </a:prstGeom>
+            <a:noFill/>
+          </p:spPr>
+          <p:txBody>
+            <a:bodyPr wrap="none" rtlCol="0">
+              <a:spAutoFit/>
+            </a:bodyPr>
+            <a:lstStyle/>
+            <a:p>
+              <a:r>
+                <a:rPr lang="en-US" dirty="0">
+                  <a:solidFill>
+                    <a:schemeClr val="accent6">
+                      <a:lumMod val="50000"/>
+                    </a:schemeClr>
+                  </a:solidFill>
+                </a:rPr>
+                <a:t>use a simulation to see if you can replicate this curve</a:t>
+              </a:r>
+            </a:p>
+          </p:txBody>
+        </p:sp>
+        <p:cxnSp>
+          <p:nvCxnSpPr>
+            <p:cNvPr id="9" name="Straight Arrow Connector 8">
+              <a:extLst>
+                <a:ext uri="{FF2B5EF4-FFF2-40B4-BE49-F238E27FC236}">
+                  <a16:creationId xmlns:a16="http://schemas.microsoft.com/office/drawing/2014/main" id="{FD8F8976-F7EE-AF48-951F-40474096D62C}"/>
+                </a:ext>
+              </a:extLst>
+            </p:cNvPr>
+            <p:cNvCxnSpPr>
+              <a:stCxn id="5" idx="0"/>
+            </p:cNvCxnSpPr>
+            <p:nvPr/>
+          </p:nvCxnSpPr>
+          <p:spPr>
+            <a:xfrm flipV="1">
+              <a:off x="3533953" y="4281055"/>
+              <a:ext cx="5515022" cy="2074928"/>
+            </a:xfrm>
+            <a:prstGeom prst="straightConnector1">
+              <a:avLst/>
+            </a:prstGeom>
+            <a:ln w="28575">
+              <a:solidFill>
+                <a:schemeClr val="accent6">
+                  <a:lumMod val="50000"/>
+                </a:schemeClr>
+              </a:solidFill>
+              <a:tailEnd type="triangle"/>
+            </a:ln>
+          </p:spPr>
+          <p:style>
+            <a:lnRef idx="1">
+              <a:schemeClr val="dk1"/>
+            </a:lnRef>
+            <a:fillRef idx="0">
+              <a:schemeClr val="dk1"/>
+            </a:fillRef>
+            <a:effectRef idx="0">
+              <a:schemeClr val="dk1"/>
+            </a:effectRef>
+            <a:fontRef idx="minor">
+              <a:schemeClr val="tx1"/>
+            </a:fontRef>
+          </p:style>
+        </p:cxnSp>
+      </p:grpSp>
     </p:spTree>
     <p:extLst>
       <p:ext uri="{BB962C8B-B14F-4D97-AF65-F5344CB8AC3E}">
-        <p14:creationId xmlns:p14="http://schemas.microsoft.com/office/powerpoint/2010/main" val="1396540053"/>
+        <p14:creationId xmlns:p14="http://schemas.microsoft.com/office/powerpoint/2010/main" val="1790701729"/>
       </p:ext>
     </p:extLst>
   </p:cSld>
   <p:clrMapOvr>
     <a:masterClrMapping/>
   </p:clrMapOvr>
+  <p:timing>
+    <p:tnLst>
+      <p:par>
+        <p:cTn id="1" dur="indefinite" restart="never" nodeType="tmRoot">
+          <p:childTnLst>
+            <p:seq concurrent="1" nextAc="seek">
+              <p:cTn id="2" dur="indefinite" nodeType="mainSeq">
+                <p:childTnLst>
+                  <p:par>
+                    <p:cTn id="3" fill="hold">
+                      <p:stCondLst>
+                        <p:cond delay="indefinite"/>
+                      </p:stCondLst>
+                      <p:childTnLst>
+                        <p:par>
+                          <p:cTn id="4" fill="hold">
+                            <p:stCondLst>
+                              <p:cond delay="0"/>
+                            </p:stCondLst>
+                            <p:childTnLst>
+                              <p:par>
+                                <p:cTn id="5" presetID="1" presetClass="entr" presetSubtype="0" fill="hold" nodeType="clickEffect">
+                                  <p:stCondLst>
+                                    <p:cond delay="0"/>
+                                  </p:stCondLst>
+                                  <p:childTnLst>
+                                    <p:set>
+                                      <p:cBhvr>
+                                        <p:cTn id="6" dur="1" fill="hold">
+                                          <p:stCondLst>
+                                            <p:cond delay="0"/>
+                                          </p:stCondLst>
+                                        </p:cTn>
+                                        <p:tgtEl>
+                                          <p:spTgt spid="10"/>
+                                        </p:tgtEl>
+                                        <p:attrNameLst>
+                                          <p:attrName>style.visibility</p:attrName>
+                                        </p:attrNameLst>
+                                      </p:cBhvr>
+                                      <p:to>
+                                        <p:strVal val="visible"/>
+                                      </p:to>
+                                    </p:set>
+                                  </p:childTnLst>
+                                </p:cTn>
+                              </p:par>
+                            </p:childTnLst>
+                          </p:cTn>
+                        </p:par>
+                      </p:childTnLst>
+                    </p:cTn>
+                  </p:par>
+                </p:childTnLst>
+              </p:cTn>
+              <p:prevCondLst>
+                <p:cond evt="onPrev" delay="0">
+                  <p:tgtEl>
+                    <p:sldTgt/>
+                  </p:tgtEl>
+                </p:cond>
+              </p:prevCondLst>
+              <p:nextCondLst>
+                <p:cond evt="onNext" delay="0">
+                  <p:tgtEl>
+                    <p:sldTgt/>
+                  </p:tgtEl>
+                </p:cond>
+              </p:nextCondLst>
+            </p:seq>
+          </p:childTnLst>
+        </p:cTn>
+      </p:par>
+    </p:tnLst>
+  </p:timing>
 </p:sld>
 </file>
 

--- a/teaching/expdes/old/lectures/week4.pptx
+++ b/teaching/expdes/old/lectures/week4.pptx
@@ -223,7 +223,7 @@
           <a:p>
             <a:fld id="{29D44EF5-F762-0549-B994-8B993D3419F2}" type="datetimeFigureOut">
               <a:rPr lang="en-US" smtClean="0"/>
-              <a:t>8/29/22</a:t>
+              <a:t>9/25/23</a:t>
             </a:fld>
             <a:endParaRPr lang="en-US"/>
           </a:p>
@@ -703,7 +703,7 @@
           <a:p>
             <a:fld id="{2B908699-CE29-634D-83B5-1061B2BD35A6}" type="datetimeFigureOut">
               <a:rPr lang="en-US" smtClean="0"/>
-              <a:t>8/29/22</a:t>
+              <a:t>9/25/23</a:t>
             </a:fld>
             <a:endParaRPr lang="en-US"/>
           </a:p>
@@ -871,7 +871,7 @@
           <a:p>
             <a:fld id="{2B908699-CE29-634D-83B5-1061B2BD35A6}" type="datetimeFigureOut">
               <a:rPr lang="en-US" smtClean="0"/>
-              <a:t>8/29/22</a:t>
+              <a:t>9/25/23</a:t>
             </a:fld>
             <a:endParaRPr lang="en-US"/>
           </a:p>
@@ -1049,7 +1049,7 @@
           <a:p>
             <a:fld id="{2B908699-CE29-634D-83B5-1061B2BD35A6}" type="datetimeFigureOut">
               <a:rPr lang="en-US" smtClean="0"/>
-              <a:t>8/29/22</a:t>
+              <a:t>9/25/23</a:t>
             </a:fld>
             <a:endParaRPr lang="en-US"/>
           </a:p>
@@ -1217,7 +1217,7 @@
           <a:p>
             <a:fld id="{2B908699-CE29-634D-83B5-1061B2BD35A6}" type="datetimeFigureOut">
               <a:rPr lang="en-US" smtClean="0"/>
-              <a:t>8/29/22</a:t>
+              <a:t>9/25/23</a:t>
             </a:fld>
             <a:endParaRPr lang="en-US"/>
           </a:p>
@@ -1462,7 +1462,7 @@
           <a:p>
             <a:fld id="{2B908699-CE29-634D-83B5-1061B2BD35A6}" type="datetimeFigureOut">
               <a:rPr lang="en-US" smtClean="0"/>
-              <a:t>8/29/22</a:t>
+              <a:t>9/25/23</a:t>
             </a:fld>
             <a:endParaRPr lang="en-US"/>
           </a:p>
@@ -1691,7 +1691,7 @@
           <a:p>
             <a:fld id="{2B908699-CE29-634D-83B5-1061B2BD35A6}" type="datetimeFigureOut">
               <a:rPr lang="en-US" smtClean="0"/>
-              <a:t>8/29/22</a:t>
+              <a:t>9/25/23</a:t>
             </a:fld>
             <a:endParaRPr lang="en-US"/>
           </a:p>
@@ -2055,7 +2055,7 @@
           <a:p>
             <a:fld id="{2B908699-CE29-634D-83B5-1061B2BD35A6}" type="datetimeFigureOut">
               <a:rPr lang="en-US" smtClean="0"/>
-              <a:t>8/29/22</a:t>
+              <a:t>9/25/23</a:t>
             </a:fld>
             <a:endParaRPr lang="en-US"/>
           </a:p>
@@ -2172,7 +2172,7 @@
           <a:p>
             <a:fld id="{2B908699-CE29-634D-83B5-1061B2BD35A6}" type="datetimeFigureOut">
               <a:rPr lang="en-US" smtClean="0"/>
-              <a:t>8/29/22</a:t>
+              <a:t>9/25/23</a:t>
             </a:fld>
             <a:endParaRPr lang="en-US"/>
           </a:p>
@@ -2267,7 +2267,7 @@
           <a:p>
             <a:fld id="{2B908699-CE29-634D-83B5-1061B2BD35A6}" type="datetimeFigureOut">
               <a:rPr lang="en-US" smtClean="0"/>
-              <a:t>8/29/22</a:t>
+              <a:t>9/25/23</a:t>
             </a:fld>
             <a:endParaRPr lang="en-US"/>
           </a:p>
@@ -2542,7 +2542,7 @@
           <a:p>
             <a:fld id="{2B908699-CE29-634D-83B5-1061B2BD35A6}" type="datetimeFigureOut">
               <a:rPr lang="en-US" smtClean="0"/>
-              <a:t>8/29/22</a:t>
+              <a:t>9/25/23</a:t>
             </a:fld>
             <a:endParaRPr lang="en-US"/>
           </a:p>
@@ -2794,7 +2794,7 @@
           <a:p>
             <a:fld id="{2B908699-CE29-634D-83B5-1061B2BD35A6}" type="datetimeFigureOut">
               <a:rPr lang="en-US" smtClean="0"/>
-              <a:t>8/29/22</a:t>
+              <a:t>9/25/23</a:t>
             </a:fld>
             <a:endParaRPr lang="en-US"/>
           </a:p>
@@ -3008,7 +3008,7 @@
           <a:p>
             <a:fld id="{2B908699-CE29-634D-83B5-1061B2BD35A6}" type="datetimeFigureOut">
               <a:rPr lang="en-US" smtClean="0"/>
-              <a:t>8/29/22</a:t>
+              <a:t>9/25/23</a:t>
             </a:fld>
             <a:endParaRPr lang="en-US"/>
           </a:p>
@@ -12465,7 +12465,7 @@
           <p:nvPr>
             <p:extLst>
               <p:ext uri="{D42A27DB-BD31-4B8C-83A1-F6EECF244321}">
-                <p14:modId xmlns:p14="http://schemas.microsoft.com/office/powerpoint/2010/main" val="1002326106"/>
+                <p14:modId xmlns:p14="http://schemas.microsoft.com/office/powerpoint/2010/main" val="233716064"/>
               </p:ext>
             </p:extLst>
           </p:nvPr>
@@ -12973,13 +12973,30 @@
                     <a:bodyPr/>
                     <a:lstStyle/>
                     <a:p>
+                      <a:pPr marL="0" marR="0" lvl="0" indent="0" algn="l" defTabSz="914400" rtl="0" eaLnBrk="1" fontAlgn="auto" latinLnBrk="0" hangingPunct="1">
+                        <a:lnSpc>
+                          <a:spcPct val="100000"/>
+                        </a:lnSpc>
+                        <a:spcBef>
+                          <a:spcPts val="0"/>
+                        </a:spcBef>
+                        <a:spcAft>
+                          <a:spcPts val="0"/>
+                        </a:spcAft>
+                        <a:buClrTx/>
+                        <a:buSzTx/>
+                        <a:buFontTx/>
+                        <a:buNone/>
+                        <a:tabLst/>
+                        <a:defRPr/>
+                      </a:pPr>
                       <a:r>
                         <a:rPr lang="en-US" dirty="0">
                           <a:solidFill>
                             <a:schemeClr val="tx1"/>
                           </a:solidFill>
                         </a:rPr>
-                        <a:t>Bayesian vs ML</a:t>
+                        <a:t>P-values</a:t>
                       </a:r>
                     </a:p>
                   </a:txBody>
@@ -13317,14 +13334,11 @@
                     <a:bodyPr/>
                     <a:lstStyle/>
                     <a:p>
-                      <a:r>
-                        <a:rPr lang="en-US" dirty="0">
-                          <a:solidFill>
-                            <a:schemeClr val="tx1"/>
-                          </a:solidFill>
-                        </a:rPr>
-                        <a:t>P-values</a:t>
-                      </a:r>
+                      <a:endParaRPr lang="en-US" dirty="0">
+                        <a:solidFill>
+                          <a:schemeClr val="tx1"/>
+                        </a:solidFill>
+                      </a:endParaRPr>
                     </a:p>
                   </a:txBody>
                   <a:tcPr>
@@ -13493,14 +13507,11 @@
                     <a:bodyPr/>
                     <a:lstStyle/>
                     <a:p>
-                      <a:r>
-                        <a:rPr lang="en-US" dirty="0">
-                          <a:solidFill>
-                            <a:schemeClr val="tx1"/>
-                          </a:solidFill>
-                        </a:rPr>
-                        <a:t>Replicates (bio/tech)</a:t>
-                      </a:r>
+                      <a:endParaRPr lang="en-US" dirty="0">
+                        <a:solidFill>
+                          <a:schemeClr val="tx1"/>
+                        </a:solidFill>
+                      </a:endParaRPr>
                     </a:p>
                   </a:txBody>
                   <a:tcPr>
@@ -13753,7 +13764,7 @@
                             <a:schemeClr val="tx1"/>
                           </a:solidFill>
                         </a:rPr>
-                        <a:t>arrows, lines, points, text, </a:t>
+                        <a:t>lines, points, text, </a:t>
                       </a:r>
                     </a:p>
                   </a:txBody>
